--- a/VMware-CodeHouse/PixieGo/FinalPreso/Presentation.pptx
+++ b/VMware-CodeHouse/PixieGo/FinalPreso/Presentation.pptx
@@ -1,33 +1,24 @@
 
 <file path=ppt/presentation.xml><?xml version="1.0" encoding="utf-8"?>
-<p:presentation xmlns:a="http://schemas.openxmlformats.org/drawingml/2006/main" xmlns:r="http://schemas.openxmlformats.org/officeDocument/2006/relationships" xmlns:mc="http://schemas.openxmlformats.org/markup-compatibility/2006" xmlns:mv="urn:schemas-microsoft-com:mac:vml" xmlns:p="http://schemas.openxmlformats.org/presentationml/2006/main" xmlns:c="http://schemas.openxmlformats.org/drawingml/2006/chart" xmlns:dgm="http://schemas.openxmlformats.org/drawingml/2006/diagram" xmlns:o="urn:schemas-microsoft-com:office:office" xmlns:v="urn:schemas-microsoft-com:vml" xmlns:pvml="urn:schemas-microsoft-com:office:powerpoint" xmlns:com="http://schemas.openxmlformats.org/drawingml/2006/compatibility" xmlns:p14="http://schemas.microsoft.com/office/powerpoint/2010/main" autoCompressPictures="0" embedTrueTypeFonts="1" strictFirstAndLastChars="0" saveSubsetFonts="1">
+<p:presentation xmlns:a="http://schemas.openxmlformats.org/drawingml/2006/main" xmlns:r="http://schemas.openxmlformats.org/officeDocument/2006/relationships" xmlns:p="http://schemas.openxmlformats.org/presentationml/2006/main" strictFirstAndLastChars="0" saveSubsetFonts="1" autoCompressPictures="0">
   <p:sldMasterIdLst>
-    <p:sldMasterId id="2147483670" r:id="rId3"/>
-    <p:sldMasterId id="2147483671" r:id="rId4"/>
+    <p:sldMasterId id="2147483670" r:id="rId1"/>
+    <p:sldMasterId id="2147483671" r:id="rId2"/>
   </p:sldMasterIdLst>
   <p:notesMasterIdLst>
-    <p:notesMasterId r:id="rId5"/>
+    <p:notesMasterId r:id="rId8"/>
   </p:notesMasterIdLst>
   <p:sldIdLst>
-    <p:sldId id="256" r:id="rId6"/>
-    <p:sldId id="257" r:id="rId7"/>
-    <p:sldId id="258" r:id="rId8"/>
-    <p:sldId id="259" r:id="rId9"/>
-    <p:sldId id="260" r:id="rId10"/>
+    <p:sldId id="256" r:id="rId3"/>
+    <p:sldId id="257" r:id="rId4"/>
+    <p:sldId id="258" r:id="rId5"/>
+    <p:sldId id="259" r:id="rId6"/>
+    <p:sldId id="260" r:id="rId7"/>
   </p:sldIdLst>
-  <p:sldSz cy="5143500" cx="9144000"/>
+  <p:sldSz cx="9144000" cy="5143500" type="screen16x9"/>
   <p:notesSz cx="6858000" cy="9144000"/>
-  <p:embeddedFontLst>
-    <p:embeddedFont>
-      <p:font typeface="Roboto"/>
-      <p:regular r:id="rId11"/>
-      <p:bold r:id="rId12"/>
-      <p:italic r:id="rId13"/>
-      <p:boldItalic r:id="rId14"/>
-    </p:embeddedFont>
-  </p:embeddedFontLst>
   <p:defaultTextStyle>
-    <a:defPPr lvl="0" marR="0" rtl="0" algn="l">
+    <a:defPPr marR="0" lvl="0" algn="l" rtl="0">
       <a:lnSpc>
         <a:spcPct val="100000"/>
       </a:lnSpc>
@@ -38,7 +29,7 @@
         <a:spcPts val="0"/>
       </a:spcAft>
     </a:defPPr>
-    <a:lvl1pPr lvl="0" marR="0" rtl="0" algn="l">
+    <a:lvl1pPr marR="0" lvl="0" algn="l" rtl="0">
       <a:lnSpc>
         <a:spcPct val="100000"/>
       </a:lnSpc>
@@ -49,7 +40,7 @@
         <a:spcPts val="0"/>
       </a:spcAft>
       <a:buNone/>
-      <a:defRPr b="0" i="0" sz="1400" u="none" cap="none" strike="noStrike">
+      <a:defRPr sz="1400" b="0" i="0" u="none" strike="noStrike" cap="none">
         <a:solidFill>
           <a:srgbClr val="000000"/>
         </a:solidFill>
@@ -59,7 +50,7 @@
         <a:sym typeface="Arial"/>
       </a:defRPr>
     </a:lvl1pPr>
-    <a:lvl2pPr lvl="1" marR="0" rtl="0" algn="l">
+    <a:lvl2pPr marR="0" lvl="1" algn="l" rtl="0">
       <a:lnSpc>
         <a:spcPct val="100000"/>
       </a:lnSpc>
@@ -70,7 +61,7 @@
         <a:spcPts val="0"/>
       </a:spcAft>
       <a:buNone/>
-      <a:defRPr b="0" i="0" sz="1400" u="none" cap="none" strike="noStrike">
+      <a:defRPr sz="1400" b="0" i="0" u="none" strike="noStrike" cap="none">
         <a:solidFill>
           <a:srgbClr val="000000"/>
         </a:solidFill>
@@ -80,7 +71,7 @@
         <a:sym typeface="Arial"/>
       </a:defRPr>
     </a:lvl2pPr>
-    <a:lvl3pPr lvl="2" marR="0" rtl="0" algn="l">
+    <a:lvl3pPr marR="0" lvl="2" algn="l" rtl="0">
       <a:lnSpc>
         <a:spcPct val="100000"/>
       </a:lnSpc>
@@ -91,7 +82,7 @@
         <a:spcPts val="0"/>
       </a:spcAft>
       <a:buNone/>
-      <a:defRPr b="0" i="0" sz="1400" u="none" cap="none" strike="noStrike">
+      <a:defRPr sz="1400" b="0" i="0" u="none" strike="noStrike" cap="none">
         <a:solidFill>
           <a:srgbClr val="000000"/>
         </a:solidFill>
@@ -101,7 +92,7 @@
         <a:sym typeface="Arial"/>
       </a:defRPr>
     </a:lvl3pPr>
-    <a:lvl4pPr lvl="3" marR="0" rtl="0" algn="l">
+    <a:lvl4pPr marR="0" lvl="3" algn="l" rtl="0">
       <a:lnSpc>
         <a:spcPct val="100000"/>
       </a:lnSpc>
@@ -112,7 +103,7 @@
         <a:spcPts val="0"/>
       </a:spcAft>
       <a:buNone/>
-      <a:defRPr b="0" i="0" sz="1400" u="none" cap="none" strike="noStrike">
+      <a:defRPr sz="1400" b="0" i="0" u="none" strike="noStrike" cap="none">
         <a:solidFill>
           <a:srgbClr val="000000"/>
         </a:solidFill>
@@ -122,7 +113,7 @@
         <a:sym typeface="Arial"/>
       </a:defRPr>
     </a:lvl4pPr>
-    <a:lvl5pPr lvl="4" marR="0" rtl="0" algn="l">
+    <a:lvl5pPr marR="0" lvl="4" algn="l" rtl="0">
       <a:lnSpc>
         <a:spcPct val="100000"/>
       </a:lnSpc>
@@ -133,7 +124,7 @@
         <a:spcPts val="0"/>
       </a:spcAft>
       <a:buNone/>
-      <a:defRPr b="0" i="0" sz="1400" u="none" cap="none" strike="noStrike">
+      <a:defRPr sz="1400" b="0" i="0" u="none" strike="noStrike" cap="none">
         <a:solidFill>
           <a:srgbClr val="000000"/>
         </a:solidFill>
@@ -143,7 +134,7 @@
         <a:sym typeface="Arial"/>
       </a:defRPr>
     </a:lvl5pPr>
-    <a:lvl6pPr lvl="5" marR="0" rtl="0" algn="l">
+    <a:lvl6pPr marR="0" lvl="5" algn="l" rtl="0">
       <a:lnSpc>
         <a:spcPct val="100000"/>
       </a:lnSpc>
@@ -154,7 +145,7 @@
         <a:spcPts val="0"/>
       </a:spcAft>
       <a:buNone/>
-      <a:defRPr b="0" i="0" sz="1400" u="none" cap="none" strike="noStrike">
+      <a:defRPr sz="1400" b="0" i="0" u="none" strike="noStrike" cap="none">
         <a:solidFill>
           <a:srgbClr val="000000"/>
         </a:solidFill>
@@ -164,7 +155,7 @@
         <a:sym typeface="Arial"/>
       </a:defRPr>
     </a:lvl6pPr>
-    <a:lvl7pPr lvl="6" marR="0" rtl="0" algn="l">
+    <a:lvl7pPr marR="0" lvl="6" algn="l" rtl="0">
       <a:lnSpc>
         <a:spcPct val="100000"/>
       </a:lnSpc>
@@ -175,7 +166,7 @@
         <a:spcPts val="0"/>
       </a:spcAft>
       <a:buNone/>
-      <a:defRPr b="0" i="0" sz="1400" u="none" cap="none" strike="noStrike">
+      <a:defRPr sz="1400" b="0" i="0" u="none" strike="noStrike" cap="none">
         <a:solidFill>
           <a:srgbClr val="000000"/>
         </a:solidFill>
@@ -185,7 +176,7 @@
         <a:sym typeface="Arial"/>
       </a:defRPr>
     </a:lvl7pPr>
-    <a:lvl8pPr lvl="7" marR="0" rtl="0" algn="l">
+    <a:lvl8pPr marR="0" lvl="7" algn="l" rtl="0">
       <a:lnSpc>
         <a:spcPct val="100000"/>
       </a:lnSpc>
@@ -196,7 +187,7 @@
         <a:spcPts val="0"/>
       </a:spcAft>
       <a:buNone/>
-      <a:defRPr b="0" i="0" sz="1400" u="none" cap="none" strike="noStrike">
+      <a:defRPr sz="1400" b="0" i="0" u="none" strike="noStrike" cap="none">
         <a:solidFill>
           <a:srgbClr val="000000"/>
         </a:solidFill>
@@ -206,7 +197,7 @@
         <a:sym typeface="Arial"/>
       </a:defRPr>
     </a:lvl8pPr>
-    <a:lvl9pPr lvl="8" marR="0" rtl="0" algn="l">
+    <a:lvl9pPr marR="0" lvl="8" algn="l" rtl="0">
       <a:lnSpc>
         <a:spcPct val="100000"/>
       </a:lnSpc>
@@ -217,7 +208,7 @@
         <a:spcPts val="0"/>
       </a:spcAft>
       <a:buNone/>
-      <a:defRPr b="0" i="0" sz="1400" u="none" cap="none" strike="noStrike">
+      <a:defRPr sz="1400" b="0" i="0" u="none" strike="noStrike" cap="none">
         <a:solidFill>
           <a:srgbClr val="000000"/>
         </a:solidFill>
@@ -228,15 +219,25 @@
       </a:defRPr>
     </a:lvl9pPr>
   </p:defaultTextStyle>
+  <p:extLst>
+    <p:ext uri="{EFAFB233-063F-42B5-8137-9DF3F51BA10A}">
+      <p15:sldGuideLst xmlns:p15="http://schemas.microsoft.com/office/powerpoint/2012/main"/>
+    </p:ext>
+  </p:extLst>
 </p:presentation>
 </file>
 
 <file path=ppt/notesMasters/notesMaster1.xml><?xml version="1.0" encoding="utf-8"?>
-<p:notesMaster xmlns:a="http://schemas.openxmlformats.org/drawingml/2006/main" xmlns:r="http://schemas.openxmlformats.org/officeDocument/2006/relationships" xmlns:mc="http://schemas.openxmlformats.org/markup-compatibility/2006" xmlns:mv="urn:schemas-microsoft-com:mac:vml" xmlns:p="http://schemas.openxmlformats.org/presentationml/2006/main" xmlns:c="http://schemas.openxmlformats.org/drawingml/2006/chart" xmlns:dgm="http://schemas.openxmlformats.org/drawingml/2006/diagram" xmlns:o="urn:schemas-microsoft-com:office:office" xmlns:v="urn:schemas-microsoft-com:vml" xmlns:pvml="urn:schemas-microsoft-com:office:powerpoint" xmlns:com="http://schemas.openxmlformats.org/drawingml/2006/compatibility" xmlns:p14="http://schemas.microsoft.com/office/powerpoint/2010/main">
+<p:notesMaster xmlns:a="http://schemas.openxmlformats.org/drawingml/2006/main" xmlns:r="http://schemas.openxmlformats.org/officeDocument/2006/relationships" xmlns:p="http://schemas.openxmlformats.org/presentationml/2006/main">
   <p:cSld>
+    <p:bg>
+      <p:bgRef idx="1001">
+        <a:schemeClr val="bg1"/>
+      </p:bgRef>
+    </p:bg>
     <p:spTree>
       <p:nvGrpSpPr>
-        <p:cNvPr id="2" name="Shape 2"/>
+        <p:cNvPr id="1" name="Shape 2"/>
         <p:cNvGrpSpPr/>
         <p:nvPr/>
       </p:nvGrpSpPr>
@@ -251,9 +252,11 @@
       <p:sp>
         <p:nvSpPr>
           <p:cNvPr id="3" name="Shape 3"/>
-          <p:cNvSpPr/>
+          <p:cNvSpPr>
+            <a:spLocks noGrp="1" noRot="1" noChangeAspect="1"/>
+          </p:cNvSpPr>
           <p:nvPr>
-            <p:ph idx="2" type="sldImg"/>
+            <p:ph type="sldImg" idx="2"/>
           </p:nvPr>
         </p:nvSpPr>
         <p:spPr>
@@ -262,8 +265,13 @@
             <a:ext cx="6096075" cy="3429000"/>
           </a:xfrm>
           <a:custGeom>
+            <a:avLst/>
+            <a:gdLst/>
+            <a:ahLst/>
+            <a:cxnLst/>
+            <a:rect l="0" t="0" r="0" b="0"/>
             <a:pathLst>
-              <a:path extrusionOk="0" h="120000" w="120000">
+              <a:path w="120000" h="120000" extrusionOk="0">
                 <a:moveTo>
                   <a:pt x="0" y="0"/>
                 </a:moveTo>
@@ -281,23 +289,25 @@
             </a:pathLst>
           </a:custGeom>
           <a:noFill/>
-          <a:ln cap="flat" cmpd="sng" w="9525">
+          <a:ln w="9525" cap="flat" cmpd="sng">
             <a:solidFill>
               <a:srgbClr val="000000"/>
             </a:solidFill>
             <a:prstDash val="solid"/>
             <a:round/>
-            <a:headEnd len="med" w="med" type="none"/>
-            <a:tailEnd len="med" w="med" type="none"/>
+            <a:headEnd type="none" w="med" len="med"/>
+            <a:tailEnd type="none" w="med" len="med"/>
           </a:ln>
         </p:spPr>
       </p:sp>
       <p:sp>
         <p:nvSpPr>
           <p:cNvPr id="4" name="Shape 4"/>
-          <p:cNvSpPr txBox="1"/>
+          <p:cNvSpPr txBox="1">
+            <a:spLocks noGrp="1"/>
+          </p:cNvSpPr>
           <p:nvPr>
-            <p:ph idx="1" type="body"/>
+            <p:ph type="body" idx="1"/>
           </p:nvPr>
         </p:nvSpPr>
         <p:spPr>
@@ -314,7 +324,7 @@
           </a:ln>
         </p:spPr>
         <p:txBody>
-          <a:bodyPr anchorCtr="0" anchor="t" bIns="91425" lIns="91425" rIns="91425" tIns="91425"/>
+          <a:bodyPr lIns="91425" tIns="91425" rIns="91425" bIns="91425" anchor="t" anchorCtr="0"/>
           <a:lstStyle>
             <a:lvl1pPr lvl="0">
               <a:spcBef>
@@ -371,21 +381,120 @@
               <a:defRPr sz="1100"/>
             </a:lvl9pPr>
           </a:lstStyle>
-          <a:p/>
+          <a:p>
+            <a:endParaRPr/>
+          </a:p>
         </p:txBody>
       </p:sp>
     </p:spTree>
+    <p:extLst>
+      <p:ext uri="{BB962C8B-B14F-4D97-AF65-F5344CB8AC3E}">
+        <p14:creationId xmlns:p14="http://schemas.microsoft.com/office/powerpoint/2010/main" val="1477314006"/>
+      </p:ext>
+    </p:extLst>
   </p:cSld>
-  <p:clrMap accent1="accent1" accent2="accent2" accent3="accent3" accent4="accent4" accent5="accent5" accent6="accent6" bg1="lt1" bg2="dk2" tx1="dk1" tx2="lt2" folHlink="folHlink" hlink="hlink"/>
+  <p:clrMap bg1="lt1" tx1="dk1" bg2="dk2" tx2="lt2" accent1="accent1" accent2="accent2" accent3="accent3" accent4="accent4" accent5="accent5" accent6="accent6" hlink="hlink" folHlink="folHlink"/>
+  <p:notesStyle>
+    <a:lvl1pPr marL="0" algn="l" defTabSz="914400" rtl="0" eaLnBrk="1" latinLnBrk="0" hangingPunct="1">
+      <a:defRPr sz="1200" kern="1200">
+        <a:solidFill>
+          <a:schemeClr val="tx1"/>
+        </a:solidFill>
+        <a:latin typeface="+mn-lt"/>
+        <a:ea typeface="+mn-ea"/>
+        <a:cs typeface="+mn-cs"/>
+      </a:defRPr>
+    </a:lvl1pPr>
+    <a:lvl2pPr marL="457200" algn="l" defTabSz="914400" rtl="0" eaLnBrk="1" latinLnBrk="0" hangingPunct="1">
+      <a:defRPr sz="1200" kern="1200">
+        <a:solidFill>
+          <a:schemeClr val="tx1"/>
+        </a:solidFill>
+        <a:latin typeface="+mn-lt"/>
+        <a:ea typeface="+mn-ea"/>
+        <a:cs typeface="+mn-cs"/>
+      </a:defRPr>
+    </a:lvl2pPr>
+    <a:lvl3pPr marL="914400" algn="l" defTabSz="914400" rtl="0" eaLnBrk="1" latinLnBrk="0" hangingPunct="1">
+      <a:defRPr sz="1200" kern="1200">
+        <a:solidFill>
+          <a:schemeClr val="tx1"/>
+        </a:solidFill>
+        <a:latin typeface="+mn-lt"/>
+        <a:ea typeface="+mn-ea"/>
+        <a:cs typeface="+mn-cs"/>
+      </a:defRPr>
+    </a:lvl3pPr>
+    <a:lvl4pPr marL="1371600" algn="l" defTabSz="914400" rtl="0" eaLnBrk="1" latinLnBrk="0" hangingPunct="1">
+      <a:defRPr sz="1200" kern="1200">
+        <a:solidFill>
+          <a:schemeClr val="tx1"/>
+        </a:solidFill>
+        <a:latin typeface="+mn-lt"/>
+        <a:ea typeface="+mn-ea"/>
+        <a:cs typeface="+mn-cs"/>
+      </a:defRPr>
+    </a:lvl4pPr>
+    <a:lvl5pPr marL="1828800" algn="l" defTabSz="914400" rtl="0" eaLnBrk="1" latinLnBrk="0" hangingPunct="1">
+      <a:defRPr sz="1200" kern="1200">
+        <a:solidFill>
+          <a:schemeClr val="tx1"/>
+        </a:solidFill>
+        <a:latin typeface="+mn-lt"/>
+        <a:ea typeface="+mn-ea"/>
+        <a:cs typeface="+mn-cs"/>
+      </a:defRPr>
+    </a:lvl5pPr>
+    <a:lvl6pPr marL="2286000" algn="l" defTabSz="914400" rtl="0" eaLnBrk="1" latinLnBrk="0" hangingPunct="1">
+      <a:defRPr sz="1200" kern="1200">
+        <a:solidFill>
+          <a:schemeClr val="tx1"/>
+        </a:solidFill>
+        <a:latin typeface="+mn-lt"/>
+        <a:ea typeface="+mn-ea"/>
+        <a:cs typeface="+mn-cs"/>
+      </a:defRPr>
+    </a:lvl6pPr>
+    <a:lvl7pPr marL="2743200" algn="l" defTabSz="914400" rtl="0" eaLnBrk="1" latinLnBrk="0" hangingPunct="1">
+      <a:defRPr sz="1200" kern="1200">
+        <a:solidFill>
+          <a:schemeClr val="tx1"/>
+        </a:solidFill>
+        <a:latin typeface="+mn-lt"/>
+        <a:ea typeface="+mn-ea"/>
+        <a:cs typeface="+mn-cs"/>
+      </a:defRPr>
+    </a:lvl7pPr>
+    <a:lvl8pPr marL="3200400" algn="l" defTabSz="914400" rtl="0" eaLnBrk="1" latinLnBrk="0" hangingPunct="1">
+      <a:defRPr sz="1200" kern="1200">
+        <a:solidFill>
+          <a:schemeClr val="tx1"/>
+        </a:solidFill>
+        <a:latin typeface="+mn-lt"/>
+        <a:ea typeface="+mn-ea"/>
+        <a:cs typeface="+mn-cs"/>
+      </a:defRPr>
+    </a:lvl8pPr>
+    <a:lvl9pPr marL="3657600" algn="l" defTabSz="914400" rtl="0" eaLnBrk="1" latinLnBrk="0" hangingPunct="1">
+      <a:defRPr sz="1200" kern="1200">
+        <a:solidFill>
+          <a:schemeClr val="tx1"/>
+        </a:solidFill>
+        <a:latin typeface="+mn-lt"/>
+        <a:ea typeface="+mn-ea"/>
+        <a:cs typeface="+mn-cs"/>
+      </a:defRPr>
+    </a:lvl9pPr>
+  </p:notesStyle>
 </p:notesMaster>
 </file>
 
 <file path=ppt/notesSlides/notesSlide1.xml><?xml version="1.0" encoding="utf-8"?>
-<p:notes xmlns:a="http://schemas.openxmlformats.org/drawingml/2006/main" xmlns:r="http://schemas.openxmlformats.org/officeDocument/2006/relationships" xmlns:mc="http://schemas.openxmlformats.org/markup-compatibility/2006" xmlns:mv="urn:schemas-microsoft-com:mac:vml" xmlns:p="http://schemas.openxmlformats.org/presentationml/2006/main" xmlns:c="http://schemas.openxmlformats.org/drawingml/2006/chart" xmlns:dgm="http://schemas.openxmlformats.org/drawingml/2006/diagram" xmlns:o="urn:schemas-microsoft-com:office:office" xmlns:v="urn:schemas-microsoft-com:vml" xmlns:pvml="urn:schemas-microsoft-com:office:powerpoint" xmlns:com="http://schemas.openxmlformats.org/drawingml/2006/compatibility" xmlns:p14="http://schemas.microsoft.com/office/powerpoint/2010/main" showMasterPhAnim="0" showMasterSp="0">
+<p:notes xmlns:a="http://schemas.openxmlformats.org/drawingml/2006/main" xmlns:r="http://schemas.openxmlformats.org/officeDocument/2006/relationships" xmlns:p="http://schemas.openxmlformats.org/presentationml/2006/main" showMasterSp="0" showMasterPhAnim="0">
   <p:cSld>
     <p:spTree>
       <p:nvGrpSpPr>
-        <p:cNvPr id="126" name="Shape 126"/>
+        <p:cNvPr id="1" name="Shape 126"/>
         <p:cNvGrpSpPr/>
         <p:nvPr/>
       </p:nvGrpSpPr>
@@ -400,9 +509,11 @@
       <p:sp>
         <p:nvSpPr>
           <p:cNvPr id="127" name="Shape 127"/>
-          <p:cNvSpPr/>
+          <p:cNvSpPr>
+            <a:spLocks noGrp="1" noRot="1" noChangeAspect="1"/>
+          </p:cNvSpPr>
           <p:nvPr>
-            <p:ph idx="2" type="sldImg"/>
+            <p:ph type="sldImg" idx="2"/>
           </p:nvPr>
         </p:nvSpPr>
         <p:spPr>
@@ -411,8 +522,13 @@
             <a:ext cx="6096000" cy="3429000"/>
           </a:xfrm>
           <a:custGeom>
+            <a:avLst/>
+            <a:gdLst/>
+            <a:ahLst/>
+            <a:cxnLst/>
+            <a:rect l="0" t="0" r="0" b="0"/>
             <a:pathLst>
-              <a:path extrusionOk="0" h="120000" w="120000">
+              <a:path w="120000" h="120000" extrusionOk="0">
                 <a:moveTo>
                   <a:pt x="0" y="0"/>
                 </a:moveTo>
@@ -434,9 +550,11 @@
       <p:sp>
         <p:nvSpPr>
           <p:cNvPr id="128" name="Shape 128"/>
-          <p:cNvSpPr txBox="1"/>
+          <p:cNvSpPr txBox="1">
+            <a:spLocks noGrp="1"/>
+          </p:cNvSpPr>
           <p:nvPr>
-            <p:ph idx="1" type="body"/>
+            <p:ph type="body" idx="1"/>
           </p:nvPr>
         </p:nvSpPr>
         <p:spPr>
@@ -449,7 +567,7 @@
           </a:prstGeom>
         </p:spPr>
         <p:txBody>
-          <a:bodyPr anchorCtr="0" anchor="t" bIns="91425" lIns="91425" rIns="91425" tIns="91425">
+          <a:bodyPr lIns="91425" tIns="91425" rIns="91425" bIns="91425" anchor="t" anchorCtr="0">
             <a:noAutofit/>
           </a:bodyPr>
           <a:lstStyle/>
@@ -460,14 +578,16 @@
               </a:spcBef>
               <a:buNone/>
             </a:pPr>
-            <a:r>
-              <a:t/>
-            </a:r>
             <a:endParaRPr/>
           </a:p>
         </p:txBody>
       </p:sp>
     </p:spTree>
+    <p:extLst>
+      <p:ext uri="{BB962C8B-B14F-4D97-AF65-F5344CB8AC3E}">
+        <p14:creationId xmlns:p14="http://schemas.microsoft.com/office/powerpoint/2010/main" val="10572228"/>
+      </p:ext>
+    </p:extLst>
   </p:cSld>
   <p:clrMapOvr>
     <a:masterClrMapping/>
@@ -476,11 +596,11 @@
 </file>
 
 <file path=ppt/notesSlides/notesSlide2.xml><?xml version="1.0" encoding="utf-8"?>
-<p:notes xmlns:a="http://schemas.openxmlformats.org/drawingml/2006/main" xmlns:r="http://schemas.openxmlformats.org/officeDocument/2006/relationships" xmlns:mc="http://schemas.openxmlformats.org/markup-compatibility/2006" xmlns:mv="urn:schemas-microsoft-com:mac:vml" xmlns:p="http://schemas.openxmlformats.org/presentationml/2006/main" xmlns:c="http://schemas.openxmlformats.org/drawingml/2006/chart" xmlns:dgm="http://schemas.openxmlformats.org/drawingml/2006/diagram" xmlns:o="urn:schemas-microsoft-com:office:office" xmlns:v="urn:schemas-microsoft-com:vml" xmlns:pvml="urn:schemas-microsoft-com:office:powerpoint" xmlns:com="http://schemas.openxmlformats.org/drawingml/2006/compatibility" xmlns:p14="http://schemas.microsoft.com/office/powerpoint/2010/main" showMasterPhAnim="0" showMasterSp="0">
+<p:notes xmlns:a="http://schemas.openxmlformats.org/drawingml/2006/main" xmlns:r="http://schemas.openxmlformats.org/officeDocument/2006/relationships" xmlns:p="http://schemas.openxmlformats.org/presentationml/2006/main" showMasterSp="0" showMasterPhAnim="0">
   <p:cSld>
     <p:spTree>
       <p:nvGrpSpPr>
-        <p:cNvPr id="132" name="Shape 132"/>
+        <p:cNvPr id="1" name="Shape 132"/>
         <p:cNvGrpSpPr/>
         <p:nvPr/>
       </p:nvGrpSpPr>
@@ -495,19 +615,26 @@
       <p:sp>
         <p:nvSpPr>
           <p:cNvPr id="133" name="Shape 133"/>
-          <p:cNvSpPr/>
+          <p:cNvSpPr>
+            <a:spLocks noGrp="1" noRot="1" noChangeAspect="1"/>
+          </p:cNvSpPr>
           <p:nvPr>
-            <p:ph idx="2" type="sldImg"/>
+            <p:ph type="sldImg" idx="2"/>
           </p:nvPr>
         </p:nvSpPr>
         <p:spPr>
           <a:xfrm>
-            <a:off x="381300" y="685800"/>
+            <a:off x="381000" y="685800"/>
             <a:ext cx="6096000" cy="3429000"/>
           </a:xfrm>
           <a:custGeom>
+            <a:avLst/>
+            <a:gdLst/>
+            <a:ahLst/>
+            <a:cxnLst/>
+            <a:rect l="0" t="0" r="0" b="0"/>
             <a:pathLst>
-              <a:path extrusionOk="0" h="120000" w="120000">
+              <a:path w="120000" h="120000" extrusionOk="0">
                 <a:moveTo>
                   <a:pt x="0" y="0"/>
                 </a:moveTo>
@@ -529,9 +656,11 @@
       <p:sp>
         <p:nvSpPr>
           <p:cNvPr id="134" name="Shape 134"/>
-          <p:cNvSpPr txBox="1"/>
+          <p:cNvSpPr txBox="1">
+            <a:spLocks noGrp="1"/>
+          </p:cNvSpPr>
           <p:nvPr>
-            <p:ph idx="1" type="body"/>
+            <p:ph type="body" idx="1"/>
           </p:nvPr>
         </p:nvSpPr>
         <p:spPr>
@@ -544,7 +673,7 @@
           </a:prstGeom>
         </p:spPr>
         <p:txBody>
-          <a:bodyPr anchorCtr="0" anchor="t" bIns="91425" lIns="91425" rIns="91425" tIns="91425">
+          <a:bodyPr lIns="91425" tIns="91425" rIns="91425" bIns="91425" anchor="t" anchorCtr="0">
             <a:noAutofit/>
           </a:bodyPr>
           <a:lstStyle/>
@@ -555,14 +684,16 @@
               </a:spcBef>
               <a:buNone/>
             </a:pPr>
-            <a:r>
-              <a:t/>
-            </a:r>
             <a:endParaRPr/>
           </a:p>
         </p:txBody>
       </p:sp>
     </p:spTree>
+    <p:extLst>
+      <p:ext uri="{BB962C8B-B14F-4D97-AF65-F5344CB8AC3E}">
+        <p14:creationId xmlns:p14="http://schemas.microsoft.com/office/powerpoint/2010/main" val="1593776942"/>
+      </p:ext>
+    </p:extLst>
   </p:cSld>
   <p:clrMapOvr>
     <a:masterClrMapping/>
@@ -571,11 +702,11 @@
 </file>
 
 <file path=ppt/notesSlides/notesSlide3.xml><?xml version="1.0" encoding="utf-8"?>
-<p:notes xmlns:a="http://schemas.openxmlformats.org/drawingml/2006/main" xmlns:r="http://schemas.openxmlformats.org/officeDocument/2006/relationships" xmlns:mc="http://schemas.openxmlformats.org/markup-compatibility/2006" xmlns:mv="urn:schemas-microsoft-com:mac:vml" xmlns:p="http://schemas.openxmlformats.org/presentationml/2006/main" xmlns:c="http://schemas.openxmlformats.org/drawingml/2006/chart" xmlns:dgm="http://schemas.openxmlformats.org/drawingml/2006/diagram" xmlns:o="urn:schemas-microsoft-com:office:office" xmlns:v="urn:schemas-microsoft-com:vml" xmlns:pvml="urn:schemas-microsoft-com:office:powerpoint" xmlns:com="http://schemas.openxmlformats.org/drawingml/2006/compatibility" xmlns:p14="http://schemas.microsoft.com/office/powerpoint/2010/main" showMasterPhAnim="0" showMasterSp="0">
+<p:notes xmlns:a="http://schemas.openxmlformats.org/drawingml/2006/main" xmlns:r="http://schemas.openxmlformats.org/officeDocument/2006/relationships" xmlns:p="http://schemas.openxmlformats.org/presentationml/2006/main" showMasterSp="0" showMasterPhAnim="0">
   <p:cSld>
     <p:spTree>
       <p:nvGrpSpPr>
-        <p:cNvPr id="138" name="Shape 138"/>
+        <p:cNvPr id="1" name="Shape 138"/>
         <p:cNvGrpSpPr/>
         <p:nvPr/>
       </p:nvGrpSpPr>
@@ -590,9 +721,11 @@
       <p:sp>
         <p:nvSpPr>
           <p:cNvPr id="139" name="Shape 139"/>
-          <p:cNvSpPr/>
+          <p:cNvSpPr>
+            <a:spLocks noGrp="1" noRot="1" noChangeAspect="1"/>
+          </p:cNvSpPr>
           <p:nvPr>
-            <p:ph idx="2" type="sldImg"/>
+            <p:ph type="sldImg" idx="2"/>
           </p:nvPr>
         </p:nvSpPr>
         <p:spPr>
@@ -601,8 +734,13 @@
             <a:ext cx="6096000" cy="3429000"/>
           </a:xfrm>
           <a:custGeom>
+            <a:avLst/>
+            <a:gdLst/>
+            <a:ahLst/>
+            <a:cxnLst/>
+            <a:rect l="0" t="0" r="0" b="0"/>
             <a:pathLst>
-              <a:path extrusionOk="0" h="120000" w="120000">
+              <a:path w="120000" h="120000" extrusionOk="0">
                 <a:moveTo>
                   <a:pt x="0" y="0"/>
                 </a:moveTo>
@@ -624,9 +762,11 @@
       <p:sp>
         <p:nvSpPr>
           <p:cNvPr id="140" name="Shape 140"/>
-          <p:cNvSpPr txBox="1"/>
+          <p:cNvSpPr txBox="1">
+            <a:spLocks noGrp="1"/>
+          </p:cNvSpPr>
           <p:nvPr>
-            <p:ph idx="1" type="body"/>
+            <p:ph type="body" idx="1"/>
           </p:nvPr>
         </p:nvSpPr>
         <p:spPr>
@@ -639,7 +779,7 @@
           </a:prstGeom>
         </p:spPr>
         <p:txBody>
-          <a:bodyPr anchorCtr="0" anchor="t" bIns="91425" lIns="91425" rIns="91425" tIns="91425">
+          <a:bodyPr lIns="91425" tIns="91425" rIns="91425" bIns="91425" anchor="t" anchorCtr="0">
             <a:noAutofit/>
           </a:bodyPr>
           <a:lstStyle/>
@@ -650,14 +790,16 @@
               </a:spcBef>
               <a:buNone/>
             </a:pPr>
-            <a:r>
-              <a:t/>
-            </a:r>
             <a:endParaRPr/>
           </a:p>
         </p:txBody>
       </p:sp>
     </p:spTree>
+    <p:extLst>
+      <p:ext uri="{BB962C8B-B14F-4D97-AF65-F5344CB8AC3E}">
+        <p14:creationId xmlns:p14="http://schemas.microsoft.com/office/powerpoint/2010/main" val="1045535163"/>
+      </p:ext>
+    </p:extLst>
   </p:cSld>
   <p:clrMapOvr>
     <a:masterClrMapping/>
@@ -666,11 +808,11 @@
 </file>
 
 <file path=ppt/notesSlides/notesSlide4.xml><?xml version="1.0" encoding="utf-8"?>
-<p:notes xmlns:a="http://schemas.openxmlformats.org/drawingml/2006/main" xmlns:r="http://schemas.openxmlformats.org/officeDocument/2006/relationships" xmlns:mc="http://schemas.openxmlformats.org/markup-compatibility/2006" xmlns:mv="urn:schemas-microsoft-com:mac:vml" xmlns:p="http://schemas.openxmlformats.org/presentationml/2006/main" xmlns:c="http://schemas.openxmlformats.org/drawingml/2006/chart" xmlns:dgm="http://schemas.openxmlformats.org/drawingml/2006/diagram" xmlns:o="urn:schemas-microsoft-com:office:office" xmlns:v="urn:schemas-microsoft-com:vml" xmlns:pvml="urn:schemas-microsoft-com:office:powerpoint" xmlns:com="http://schemas.openxmlformats.org/drawingml/2006/compatibility" xmlns:p14="http://schemas.microsoft.com/office/powerpoint/2010/main" showMasterPhAnim="0" showMasterSp="0">
+<p:notes xmlns:a="http://schemas.openxmlformats.org/drawingml/2006/main" xmlns:r="http://schemas.openxmlformats.org/officeDocument/2006/relationships" xmlns:p="http://schemas.openxmlformats.org/presentationml/2006/main" showMasterSp="0" showMasterPhAnim="0">
   <p:cSld>
     <p:spTree>
       <p:nvGrpSpPr>
-        <p:cNvPr id="144" name="Shape 144"/>
+        <p:cNvPr id="1" name="Shape 144"/>
         <p:cNvGrpSpPr/>
         <p:nvPr/>
       </p:nvGrpSpPr>
@@ -685,19 +827,26 @@
       <p:sp>
         <p:nvSpPr>
           <p:cNvPr id="145" name="Shape 145"/>
-          <p:cNvSpPr/>
+          <p:cNvSpPr>
+            <a:spLocks noGrp="1" noRot="1" noChangeAspect="1"/>
+          </p:cNvSpPr>
           <p:nvPr>
-            <p:ph idx="2" type="sldImg"/>
+            <p:ph type="sldImg" idx="2"/>
           </p:nvPr>
         </p:nvSpPr>
         <p:spPr>
           <a:xfrm>
-            <a:off x="381300" y="685800"/>
+            <a:off x="381000" y="685800"/>
             <a:ext cx="6096000" cy="3429000"/>
           </a:xfrm>
           <a:custGeom>
+            <a:avLst/>
+            <a:gdLst/>
+            <a:ahLst/>
+            <a:cxnLst/>
+            <a:rect l="0" t="0" r="0" b="0"/>
             <a:pathLst>
-              <a:path extrusionOk="0" h="120000" w="120000">
+              <a:path w="120000" h="120000" extrusionOk="0">
                 <a:moveTo>
                   <a:pt x="0" y="0"/>
                 </a:moveTo>
@@ -719,9 +868,11 @@
       <p:sp>
         <p:nvSpPr>
           <p:cNvPr id="146" name="Shape 146"/>
-          <p:cNvSpPr txBox="1"/>
+          <p:cNvSpPr txBox="1">
+            <a:spLocks noGrp="1"/>
+          </p:cNvSpPr>
           <p:nvPr>
-            <p:ph idx="1" type="body"/>
+            <p:ph type="body" idx="1"/>
           </p:nvPr>
         </p:nvSpPr>
         <p:spPr>
@@ -734,7 +885,7 @@
           </a:prstGeom>
         </p:spPr>
         <p:txBody>
-          <a:bodyPr anchorCtr="0" anchor="t" bIns="91425" lIns="91425" rIns="91425" tIns="91425">
+          <a:bodyPr lIns="91425" tIns="91425" rIns="91425" bIns="91425" anchor="t" anchorCtr="0">
             <a:noAutofit/>
           </a:bodyPr>
           <a:lstStyle/>
@@ -745,14 +896,16 @@
               </a:spcBef>
               <a:buNone/>
             </a:pPr>
-            <a:r>
-              <a:t/>
-            </a:r>
             <a:endParaRPr/>
           </a:p>
         </p:txBody>
       </p:sp>
     </p:spTree>
+    <p:extLst>
+      <p:ext uri="{BB962C8B-B14F-4D97-AF65-F5344CB8AC3E}">
+        <p14:creationId xmlns:p14="http://schemas.microsoft.com/office/powerpoint/2010/main" val="1598284787"/>
+      </p:ext>
+    </p:extLst>
   </p:cSld>
   <p:clrMapOvr>
     <a:masterClrMapping/>
@@ -761,11 +914,11 @@
 </file>
 
 <file path=ppt/notesSlides/notesSlide5.xml><?xml version="1.0" encoding="utf-8"?>
-<p:notes xmlns:a="http://schemas.openxmlformats.org/drawingml/2006/main" xmlns:r="http://schemas.openxmlformats.org/officeDocument/2006/relationships" xmlns:mc="http://schemas.openxmlformats.org/markup-compatibility/2006" xmlns:mv="urn:schemas-microsoft-com:mac:vml" xmlns:p="http://schemas.openxmlformats.org/presentationml/2006/main" xmlns:c="http://schemas.openxmlformats.org/drawingml/2006/chart" xmlns:dgm="http://schemas.openxmlformats.org/drawingml/2006/diagram" xmlns:o="urn:schemas-microsoft-com:office:office" xmlns:v="urn:schemas-microsoft-com:vml" xmlns:pvml="urn:schemas-microsoft-com:office:powerpoint" xmlns:com="http://schemas.openxmlformats.org/drawingml/2006/compatibility" xmlns:p14="http://schemas.microsoft.com/office/powerpoint/2010/main" showMasterPhAnim="0" showMasterSp="0">
+<p:notes xmlns:a="http://schemas.openxmlformats.org/drawingml/2006/main" xmlns:r="http://schemas.openxmlformats.org/officeDocument/2006/relationships" xmlns:p="http://schemas.openxmlformats.org/presentationml/2006/main" showMasterSp="0" showMasterPhAnim="0">
   <p:cSld>
     <p:spTree>
       <p:nvGrpSpPr>
-        <p:cNvPr id="150" name="Shape 150"/>
+        <p:cNvPr id="1" name="Shape 150"/>
         <p:cNvGrpSpPr/>
         <p:nvPr/>
       </p:nvGrpSpPr>
@@ -780,9 +933,11 @@
       <p:sp>
         <p:nvSpPr>
           <p:cNvPr id="151" name="Shape 151"/>
-          <p:cNvSpPr/>
+          <p:cNvSpPr>
+            <a:spLocks noGrp="1" noRot="1" noChangeAspect="1"/>
+          </p:cNvSpPr>
           <p:nvPr>
-            <p:ph idx="2" type="sldImg"/>
+            <p:ph type="sldImg" idx="2"/>
           </p:nvPr>
         </p:nvSpPr>
         <p:spPr>
@@ -791,8 +946,13 @@
             <a:ext cx="6096000" cy="3429000"/>
           </a:xfrm>
           <a:custGeom>
+            <a:avLst/>
+            <a:gdLst/>
+            <a:ahLst/>
+            <a:cxnLst/>
+            <a:rect l="0" t="0" r="0" b="0"/>
             <a:pathLst>
-              <a:path extrusionOk="0" h="120000" w="120000">
+              <a:path w="120000" h="120000" extrusionOk="0">
                 <a:moveTo>
                   <a:pt x="0" y="0"/>
                 </a:moveTo>
@@ -814,9 +974,11 @@
       <p:sp>
         <p:nvSpPr>
           <p:cNvPr id="152" name="Shape 152"/>
-          <p:cNvSpPr txBox="1"/>
+          <p:cNvSpPr txBox="1">
+            <a:spLocks noGrp="1"/>
+          </p:cNvSpPr>
           <p:nvPr>
-            <p:ph idx="1" type="body"/>
+            <p:ph type="body" idx="1"/>
           </p:nvPr>
         </p:nvSpPr>
         <p:spPr>
@@ -829,7 +991,7 @@
           </a:prstGeom>
         </p:spPr>
         <p:txBody>
-          <a:bodyPr anchorCtr="0" anchor="t" bIns="91425" lIns="91425" rIns="91425" tIns="91425">
+          <a:bodyPr lIns="91425" tIns="91425" rIns="91425" bIns="91425" anchor="t" anchorCtr="0">
             <a:noAutofit/>
           </a:bodyPr>
           <a:lstStyle/>
@@ -840,14 +1002,16 @@
               </a:spcBef>
               <a:buNone/>
             </a:pPr>
-            <a:r>
-              <a:t/>
-            </a:r>
             <a:endParaRPr/>
           </a:p>
         </p:txBody>
       </p:sp>
     </p:spTree>
+    <p:extLst>
+      <p:ext uri="{BB962C8B-B14F-4D97-AF65-F5344CB8AC3E}">
+        <p14:creationId xmlns:p14="http://schemas.microsoft.com/office/powerpoint/2010/main" val="1646958433"/>
+      </p:ext>
+    </p:extLst>
   </p:cSld>
   <p:clrMapOvr>
     <a:masterClrMapping/>
@@ -856,11 +1020,11 @@
 </file>
 
 <file path=ppt/slideLayouts/slideLayout1.xml><?xml version="1.0" encoding="utf-8"?>
-<p:sldLayout xmlns:a="http://schemas.openxmlformats.org/drawingml/2006/main" xmlns:r="http://schemas.openxmlformats.org/officeDocument/2006/relationships" xmlns:mc="http://schemas.openxmlformats.org/markup-compatibility/2006" xmlns:mv="urn:schemas-microsoft-com:mac:vml" xmlns:p="http://schemas.openxmlformats.org/presentationml/2006/main" xmlns:c="http://schemas.openxmlformats.org/drawingml/2006/chart" xmlns:dgm="http://schemas.openxmlformats.org/drawingml/2006/diagram" xmlns:o="urn:schemas-microsoft-com:office:office" xmlns:v="urn:schemas-microsoft-com:vml" xmlns:pvml="urn:schemas-microsoft-com:office:powerpoint" xmlns:com="http://schemas.openxmlformats.org/drawingml/2006/compatibility" xmlns:p14="http://schemas.microsoft.com/office/powerpoint/2010/main" type="title">
+<p:sldLayout xmlns:a="http://schemas.openxmlformats.org/drawingml/2006/main" xmlns:r="http://schemas.openxmlformats.org/officeDocument/2006/relationships" xmlns:p="http://schemas.openxmlformats.org/presentationml/2006/main" type="title">
   <p:cSld name="Title slide">
     <p:spTree>
       <p:nvGrpSpPr>
-        <p:cNvPr id="9" name="Shape 9"/>
+        <p:cNvPr id="1" name="Shape 9"/>
         <p:cNvGrpSpPr/>
         <p:nvPr/>
       </p:nvGrpSpPr>
@@ -875,7 +1039,9 @@
       <p:sp>
         <p:nvSpPr>
           <p:cNvPr id="10" name="Shape 10"/>
-          <p:cNvSpPr txBox="1"/>
+          <p:cNvSpPr txBox="1">
+            <a:spLocks noGrp="1"/>
+          </p:cNvSpPr>
           <p:nvPr>
             <p:ph type="ctrTitle"/>
           </p:nvPr>
@@ -890,7 +1056,7 @@
           </a:prstGeom>
         </p:spPr>
         <p:txBody>
-          <a:bodyPr anchorCtr="0" anchor="b" bIns="91425" lIns="91425" rIns="91425" tIns="91425"/>
+          <a:bodyPr lIns="91425" tIns="91425" rIns="91425" bIns="91425" anchor="b" anchorCtr="0"/>
           <a:lstStyle>
             <a:lvl1pPr lvl="0" algn="ctr">
               <a:spcBef>
@@ -956,15 +1122,19 @@
               <a:defRPr sz="5200"/>
             </a:lvl9pPr>
           </a:lstStyle>
-          <a:p/>
+          <a:p>
+            <a:endParaRPr/>
+          </a:p>
         </p:txBody>
       </p:sp>
       <p:sp>
         <p:nvSpPr>
           <p:cNvPr id="11" name="Shape 11"/>
-          <p:cNvSpPr txBox="1"/>
+          <p:cNvSpPr txBox="1">
+            <a:spLocks noGrp="1"/>
+          </p:cNvSpPr>
           <p:nvPr>
-            <p:ph idx="1" type="subTitle"/>
+            <p:ph type="subTitle" idx="1"/>
           </p:nvPr>
         </p:nvSpPr>
         <p:spPr>
@@ -977,7 +1147,7 @@
           </a:prstGeom>
         </p:spPr>
         <p:txBody>
-          <a:bodyPr anchorCtr="0" anchor="t" bIns="91425" lIns="91425" rIns="91425" tIns="91425"/>
+          <a:bodyPr lIns="91425" tIns="91425" rIns="91425" bIns="91425" anchor="t" anchorCtr="0"/>
           <a:lstStyle>
             <a:lvl1pPr lvl="0" algn="ctr">
               <a:lnSpc>
@@ -1106,15 +1276,19 @@
               <a:defRPr sz="2800"/>
             </a:lvl9pPr>
           </a:lstStyle>
-          <a:p/>
+          <a:p>
+            <a:endParaRPr/>
+          </a:p>
         </p:txBody>
       </p:sp>
       <p:sp>
         <p:nvSpPr>
           <p:cNvPr id="12" name="Shape 12"/>
-          <p:cNvSpPr txBox="1"/>
+          <p:cNvSpPr txBox="1">
+            <a:spLocks noGrp="1"/>
+          </p:cNvSpPr>
           <p:nvPr>
-            <p:ph idx="12" type="sldNum"/>
+            <p:ph type="sldNum" idx="12"/>
           </p:nvPr>
         </p:nvSpPr>
         <p:spPr>
@@ -1127,7 +1301,7 @@
           </a:prstGeom>
         </p:spPr>
         <p:txBody>
-          <a:bodyPr anchorCtr="0" anchor="ctr" bIns="91425" lIns="91425" rIns="91425" tIns="91425">
+          <a:bodyPr lIns="91425" tIns="91425" rIns="91425" bIns="91425" anchor="ctr" anchorCtr="0">
             <a:noAutofit/>
           </a:bodyPr>
           <a:lstStyle/>
@@ -1142,6 +1316,7 @@
               <a:rPr lang="en"/>
               <a:t>‹#›</a:t>
             </a:fld>
+            <a:endParaRPr lang="en"/>
           </a:p>
         </p:txBody>
       </p:sp>
@@ -1154,11 +1329,11 @@
 </file>
 
 <file path=ppt/slideLayouts/slideLayout10.xml><?xml version="1.0" encoding="utf-8"?>
-<p:sldLayout xmlns:a="http://schemas.openxmlformats.org/drawingml/2006/main" xmlns:r="http://schemas.openxmlformats.org/officeDocument/2006/relationships" xmlns:mc="http://schemas.openxmlformats.org/markup-compatibility/2006" xmlns:mv="urn:schemas-microsoft-com:mac:vml" xmlns:p="http://schemas.openxmlformats.org/presentationml/2006/main" xmlns:c="http://schemas.openxmlformats.org/drawingml/2006/chart" xmlns:dgm="http://schemas.openxmlformats.org/drawingml/2006/diagram" xmlns:o="urn:schemas-microsoft-com:office:office" xmlns:v="urn:schemas-microsoft-com:vml" xmlns:pvml="urn:schemas-microsoft-com:office:powerpoint" xmlns:com="http://schemas.openxmlformats.org/drawingml/2006/compatibility" xmlns:p14="http://schemas.microsoft.com/office/powerpoint/2010/main">
+<p:sldLayout xmlns:a="http://schemas.openxmlformats.org/drawingml/2006/main" xmlns:r="http://schemas.openxmlformats.org/officeDocument/2006/relationships" xmlns:p="http://schemas.openxmlformats.org/presentationml/2006/main">
   <p:cSld name="Big number">
     <p:spTree>
       <p:nvGrpSpPr>
-        <p:cNvPr id="44" name="Shape 44"/>
+        <p:cNvPr id="1" name="Shape 44"/>
         <p:cNvGrpSpPr/>
         <p:nvPr/>
       </p:nvGrpSpPr>
@@ -1173,7 +1348,9 @@
       <p:sp>
         <p:nvSpPr>
           <p:cNvPr id="45" name="Shape 45"/>
-          <p:cNvSpPr txBox="1"/>
+          <p:cNvSpPr txBox="1">
+            <a:spLocks noGrp="1"/>
+          </p:cNvSpPr>
           <p:nvPr>
             <p:ph type="title"/>
           </p:nvPr>
@@ -1188,7 +1365,7 @@
           </a:prstGeom>
         </p:spPr>
         <p:txBody>
-          <a:bodyPr anchorCtr="0" anchor="b" bIns="91425" lIns="91425" rIns="91425" tIns="91425"/>
+          <a:bodyPr lIns="91425" tIns="91425" rIns="91425" bIns="91425" anchor="b" anchorCtr="0"/>
           <a:lstStyle>
             <a:lvl1pPr lvl="0" algn="ctr">
               <a:spcBef>
@@ -1254,15 +1431,19 @@
               <a:defRPr sz="12000"/>
             </a:lvl9pPr>
           </a:lstStyle>
-          <a:p/>
+          <a:p>
+            <a:endParaRPr/>
+          </a:p>
         </p:txBody>
       </p:sp>
       <p:sp>
         <p:nvSpPr>
           <p:cNvPr id="46" name="Shape 46"/>
-          <p:cNvSpPr txBox="1"/>
+          <p:cNvSpPr txBox="1">
+            <a:spLocks noGrp="1"/>
+          </p:cNvSpPr>
           <p:nvPr>
-            <p:ph idx="1" type="body"/>
+            <p:ph type="body" idx="1"/>
           </p:nvPr>
         </p:nvSpPr>
         <p:spPr>
@@ -1275,7 +1456,7 @@
           </a:prstGeom>
         </p:spPr>
         <p:txBody>
-          <a:bodyPr anchorCtr="0" anchor="t" bIns="91425" lIns="91425" rIns="91425" tIns="91425"/>
+          <a:bodyPr lIns="91425" tIns="91425" rIns="91425" bIns="91425" anchor="t" anchorCtr="0"/>
           <a:lstStyle>
             <a:lvl1pPr lvl="0" algn="ctr">
               <a:spcBef>
@@ -1332,15 +1513,19 @@
               <a:defRPr/>
             </a:lvl9pPr>
           </a:lstStyle>
-          <a:p/>
+          <a:p>
+            <a:endParaRPr/>
+          </a:p>
         </p:txBody>
       </p:sp>
       <p:sp>
         <p:nvSpPr>
           <p:cNvPr id="47" name="Shape 47"/>
-          <p:cNvSpPr txBox="1"/>
+          <p:cNvSpPr txBox="1">
+            <a:spLocks noGrp="1"/>
+          </p:cNvSpPr>
           <p:nvPr>
-            <p:ph idx="12" type="sldNum"/>
+            <p:ph type="sldNum" idx="12"/>
           </p:nvPr>
         </p:nvSpPr>
         <p:spPr>
@@ -1353,7 +1538,7 @@
           </a:prstGeom>
         </p:spPr>
         <p:txBody>
-          <a:bodyPr anchorCtr="0" anchor="ctr" bIns="91425" lIns="91425" rIns="91425" tIns="91425">
+          <a:bodyPr lIns="91425" tIns="91425" rIns="91425" bIns="91425" anchor="ctr" anchorCtr="0">
             <a:noAutofit/>
           </a:bodyPr>
           <a:lstStyle/>
@@ -1368,6 +1553,7 @@
               <a:rPr lang="en"/>
               <a:t>‹#›</a:t>
             </a:fld>
+            <a:endParaRPr lang="en"/>
           </a:p>
         </p:txBody>
       </p:sp>
@@ -1380,11 +1566,11 @@
 </file>
 
 <file path=ppt/slideLayouts/slideLayout11.xml><?xml version="1.0" encoding="utf-8"?>
-<p:sldLayout xmlns:a="http://schemas.openxmlformats.org/drawingml/2006/main" xmlns:r="http://schemas.openxmlformats.org/officeDocument/2006/relationships" xmlns:mc="http://schemas.openxmlformats.org/markup-compatibility/2006" xmlns:mv="urn:schemas-microsoft-com:mac:vml" xmlns:p="http://schemas.openxmlformats.org/presentationml/2006/main" xmlns:c="http://schemas.openxmlformats.org/drawingml/2006/chart" xmlns:dgm="http://schemas.openxmlformats.org/drawingml/2006/diagram" xmlns:o="urn:schemas-microsoft-com:office:office" xmlns:v="urn:schemas-microsoft-com:vml" xmlns:pvml="urn:schemas-microsoft-com:office:powerpoint" xmlns:com="http://schemas.openxmlformats.org/drawingml/2006/compatibility" xmlns:p14="http://schemas.microsoft.com/office/powerpoint/2010/main" type="blank">
+<p:sldLayout xmlns:a="http://schemas.openxmlformats.org/drawingml/2006/main" xmlns:r="http://schemas.openxmlformats.org/officeDocument/2006/relationships" xmlns:p="http://schemas.openxmlformats.org/presentationml/2006/main" type="blank">
   <p:cSld name="Blank">
     <p:spTree>
       <p:nvGrpSpPr>
-        <p:cNvPr id="48" name="Shape 48"/>
+        <p:cNvPr id="1" name="Shape 48"/>
         <p:cNvGrpSpPr/>
         <p:nvPr/>
       </p:nvGrpSpPr>
@@ -1399,9 +1585,11 @@
       <p:sp>
         <p:nvSpPr>
           <p:cNvPr id="49" name="Shape 49"/>
-          <p:cNvSpPr txBox="1"/>
+          <p:cNvSpPr txBox="1">
+            <a:spLocks noGrp="1"/>
+          </p:cNvSpPr>
           <p:nvPr>
-            <p:ph idx="12" type="sldNum"/>
+            <p:ph type="sldNum" idx="12"/>
           </p:nvPr>
         </p:nvSpPr>
         <p:spPr>
@@ -1414,7 +1602,7 @@
           </a:prstGeom>
         </p:spPr>
         <p:txBody>
-          <a:bodyPr anchorCtr="0" anchor="ctr" bIns="91425" lIns="91425" rIns="91425" tIns="91425">
+          <a:bodyPr lIns="91425" tIns="91425" rIns="91425" bIns="91425" anchor="ctr" anchorCtr="0">
             <a:noAutofit/>
           </a:bodyPr>
           <a:lstStyle/>
@@ -1429,6 +1617,7 @@
               <a:rPr lang="en"/>
               <a:t>‹#›</a:t>
             </a:fld>
+            <a:endParaRPr lang="en"/>
           </a:p>
         </p:txBody>
       </p:sp>
@@ -1441,18 +1630,19 @@
 </file>
 
 <file path=ppt/slideLayouts/slideLayout12.xml><?xml version="1.0" encoding="utf-8"?>
-<p:sldLayout xmlns:a="http://schemas.openxmlformats.org/drawingml/2006/main" xmlns:r="http://schemas.openxmlformats.org/officeDocument/2006/relationships" xmlns:mc="http://schemas.openxmlformats.org/markup-compatibility/2006" xmlns:mv="urn:schemas-microsoft-com:mac:vml" xmlns:p="http://schemas.openxmlformats.org/presentationml/2006/main" xmlns:c="http://schemas.openxmlformats.org/drawingml/2006/chart" xmlns:dgm="http://schemas.openxmlformats.org/drawingml/2006/diagram" xmlns:o="urn:schemas-microsoft-com:office:office" xmlns:v="urn:schemas-microsoft-com:vml" xmlns:pvml="urn:schemas-microsoft-com:office:powerpoint" xmlns:com="http://schemas.openxmlformats.org/drawingml/2006/compatibility" xmlns:p14="http://schemas.microsoft.com/office/powerpoint/2010/main" type="title">
+<p:sldLayout xmlns:a="http://schemas.openxmlformats.org/drawingml/2006/main" xmlns:r="http://schemas.openxmlformats.org/officeDocument/2006/relationships" xmlns:p="http://schemas.openxmlformats.org/presentationml/2006/main" type="title">
   <p:cSld name="Title slide">
     <p:bg>
       <p:bgPr>
         <a:solidFill>
           <a:schemeClr val="dk1"/>
         </a:solidFill>
+        <a:effectLst/>
       </p:bgPr>
     </p:bg>
     <p:spTree>
       <p:nvGrpSpPr>
-        <p:cNvPr id="54" name="Shape 54"/>
+        <p:cNvPr id="1" name="Shape 54"/>
         <p:cNvGrpSpPr/>
         <p:nvPr/>
       </p:nvGrpSpPr>
@@ -1500,7 +1690,7 @@
             </a:ln>
           </p:spPr>
           <p:txBody>
-            <a:bodyPr anchorCtr="0" anchor="ctr" bIns="91425" lIns="91425" rIns="91425" tIns="91425">
+            <a:bodyPr lIns="91425" tIns="91425" rIns="91425" bIns="91425" anchor="ctr" anchorCtr="0">
               <a:noAutofit/>
             </a:bodyPr>
             <a:lstStyle/>
@@ -1511,9 +1701,6 @@
                 </a:spcBef>
                 <a:buNone/>
               </a:pPr>
-              <a:r>
-                <a:t/>
-              </a:r>
               <a:endParaRPr/>
             </a:p>
           </p:txBody>
@@ -1540,7 +1727,7 @@
             </a:ln>
           </p:spPr>
           <p:txBody>
-            <a:bodyPr anchorCtr="0" anchor="ctr" bIns="91425" lIns="91425" rIns="91425" tIns="91425">
+            <a:bodyPr lIns="91425" tIns="91425" rIns="91425" bIns="91425" anchor="ctr" anchorCtr="0">
               <a:noAutofit/>
             </a:bodyPr>
             <a:lstStyle/>
@@ -1551,9 +1738,6 @@
                 </a:spcBef>
                 <a:buNone/>
               </a:pPr>
-              <a:r>
-                <a:t/>
-              </a:r>
               <a:endParaRPr/>
             </a:p>
           </p:txBody>
@@ -1565,7 +1749,7 @@
             <p:nvPr/>
           </p:nvSpPr>
           <p:spPr>
-            <a:xfrm flipH="1" rot="10800000">
+            <a:xfrm rot="10800000" flipH="1">
               <a:off x="7113588" y="106"/>
               <a:ext cx="1015200" cy="1015200"/>
             </a:xfrm>
@@ -1580,7 +1764,7 @@
             </a:ln>
           </p:spPr>
           <p:txBody>
-            <a:bodyPr anchorCtr="0" anchor="ctr" bIns="91425" lIns="91425" rIns="91425" tIns="91425">
+            <a:bodyPr lIns="91425" tIns="91425" rIns="91425" bIns="91425" anchor="ctr" anchorCtr="0">
               <a:noAutofit/>
             </a:bodyPr>
             <a:lstStyle/>
@@ -1591,9 +1775,6 @@
                 </a:spcBef>
                 <a:buNone/>
               </a:pPr>
-              <a:r>
-                <a:t/>
-              </a:r>
               <a:endParaRPr/>
             </a:p>
           </p:txBody>
@@ -1620,7 +1801,7 @@
             </a:ln>
           </p:spPr>
           <p:txBody>
-            <a:bodyPr anchorCtr="0" anchor="ctr" bIns="91425" lIns="91425" rIns="91425" tIns="91425">
+            <a:bodyPr lIns="91425" tIns="91425" rIns="91425" bIns="91425" anchor="ctr" anchorCtr="0">
               <a:noAutofit/>
             </a:bodyPr>
             <a:lstStyle/>
@@ -1631,9 +1812,6 @@
                 </a:spcBef>
                 <a:buNone/>
               </a:pPr>
-              <a:r>
-                <a:t/>
-              </a:r>
               <a:endParaRPr/>
             </a:p>
           </p:txBody>
@@ -1660,7 +1838,7 @@
             </a:ln>
           </p:spPr>
           <p:txBody>
-            <a:bodyPr anchorCtr="0" anchor="ctr" bIns="91425" lIns="91425" rIns="91425" tIns="91425">
+            <a:bodyPr lIns="91425" tIns="91425" rIns="91425" bIns="91425" anchor="ctr" anchorCtr="0">
               <a:noAutofit/>
             </a:bodyPr>
             <a:lstStyle/>
@@ -1671,9 +1849,6 @@
                 </a:spcBef>
                 <a:buNone/>
               </a:pPr>
-              <a:r>
-                <a:t/>
-              </a:r>
               <a:endParaRPr/>
             </a:p>
           </p:txBody>
@@ -1682,7 +1857,9 @@
       <p:sp>
         <p:nvSpPr>
           <p:cNvPr id="61" name="Shape 61"/>
-          <p:cNvSpPr txBox="1"/>
+          <p:cNvSpPr txBox="1">
+            <a:spLocks noGrp="1"/>
+          </p:cNvSpPr>
           <p:nvPr>
             <p:ph type="ctrTitle"/>
           </p:nvPr>
@@ -1697,7 +1874,7 @@
           </a:prstGeom>
         </p:spPr>
         <p:txBody>
-          <a:bodyPr anchorCtr="0" anchor="b" bIns="91425" lIns="91425" rIns="91425" tIns="91425"/>
+          <a:bodyPr lIns="91425" tIns="91425" rIns="91425" bIns="91425" anchor="b" anchorCtr="0"/>
           <a:lstStyle>
             <a:lvl1pPr lvl="0" rtl="0">
               <a:spcBef>
@@ -1826,15 +2003,19 @@
               </a:defRPr>
             </a:lvl9pPr>
           </a:lstStyle>
-          <a:p/>
+          <a:p>
+            <a:endParaRPr/>
+          </a:p>
         </p:txBody>
       </p:sp>
       <p:sp>
         <p:nvSpPr>
           <p:cNvPr id="62" name="Shape 62"/>
-          <p:cNvSpPr txBox="1"/>
+          <p:cNvSpPr txBox="1">
+            <a:spLocks noGrp="1"/>
+          </p:cNvSpPr>
           <p:nvPr>
-            <p:ph idx="1" type="subTitle"/>
+            <p:ph type="subTitle" idx="1"/>
           </p:nvPr>
         </p:nvSpPr>
         <p:spPr>
@@ -1847,7 +2028,7 @@
           </a:prstGeom>
         </p:spPr>
         <p:txBody>
-          <a:bodyPr anchorCtr="0" anchor="t" bIns="91425" lIns="91425" rIns="91425" tIns="91425"/>
+          <a:bodyPr lIns="91425" tIns="91425" rIns="91425" bIns="91425" anchor="t" anchorCtr="0"/>
           <a:lstStyle>
             <a:lvl1pPr lvl="0" rtl="0">
               <a:lnSpc>
@@ -2039,15 +2220,19 @@
               </a:defRPr>
             </a:lvl9pPr>
           </a:lstStyle>
-          <a:p/>
+          <a:p>
+            <a:endParaRPr/>
+          </a:p>
         </p:txBody>
       </p:sp>
       <p:sp>
         <p:nvSpPr>
           <p:cNvPr id="63" name="Shape 63"/>
-          <p:cNvSpPr txBox="1"/>
+          <p:cNvSpPr txBox="1">
+            <a:spLocks noGrp="1"/>
+          </p:cNvSpPr>
           <p:nvPr>
-            <p:ph idx="12" type="sldNum"/>
+            <p:ph type="sldNum" idx="12"/>
           </p:nvPr>
         </p:nvSpPr>
         <p:spPr>
@@ -2060,7 +2245,7 @@
           </a:prstGeom>
         </p:spPr>
         <p:txBody>
-          <a:bodyPr anchorCtr="0" anchor="ctr" bIns="91425" lIns="91425" rIns="91425" tIns="91425">
+          <a:bodyPr lIns="91425" tIns="91425" rIns="91425" bIns="91425" anchor="ctr" anchorCtr="0">
             <a:noAutofit/>
           </a:bodyPr>
           <a:lstStyle/>
@@ -2075,6 +2260,7 @@
               <a:rPr lang="en"/>
               <a:t>‹#›</a:t>
             </a:fld>
+            <a:endParaRPr lang="en"/>
           </a:p>
         </p:txBody>
       </p:sp>
@@ -2087,18 +2273,19 @@
 </file>
 
 <file path=ppt/slideLayouts/slideLayout13.xml><?xml version="1.0" encoding="utf-8"?>
-<p:sldLayout xmlns:a="http://schemas.openxmlformats.org/drawingml/2006/main" xmlns:r="http://schemas.openxmlformats.org/officeDocument/2006/relationships" xmlns:mc="http://schemas.openxmlformats.org/markup-compatibility/2006" xmlns:mv="urn:schemas-microsoft-com:mac:vml" xmlns:p="http://schemas.openxmlformats.org/presentationml/2006/main" xmlns:c="http://schemas.openxmlformats.org/drawingml/2006/chart" xmlns:dgm="http://schemas.openxmlformats.org/drawingml/2006/diagram" xmlns:o="urn:schemas-microsoft-com:office:office" xmlns:v="urn:schemas-microsoft-com:vml" xmlns:pvml="urn:schemas-microsoft-com:office:powerpoint" xmlns:com="http://schemas.openxmlformats.org/drawingml/2006/compatibility" xmlns:p14="http://schemas.microsoft.com/office/powerpoint/2010/main" type="secHead">
+<p:sldLayout xmlns:a="http://schemas.openxmlformats.org/drawingml/2006/main" xmlns:r="http://schemas.openxmlformats.org/officeDocument/2006/relationships" xmlns:p="http://schemas.openxmlformats.org/presentationml/2006/main" type="secHead">
   <p:cSld name="Section header">
     <p:bg>
       <p:bgPr>
         <a:solidFill>
           <a:schemeClr val="dk1"/>
         </a:solidFill>
+        <a:effectLst/>
       </p:bgPr>
     </p:bg>
     <p:spTree>
       <p:nvGrpSpPr>
-        <p:cNvPr id="64" name="Shape 64"/>
+        <p:cNvPr id="1" name="Shape 64"/>
         <p:cNvGrpSpPr/>
         <p:nvPr/>
       </p:nvGrpSpPr>
@@ -2146,7 +2333,7 @@
             </a:ln>
           </p:spPr>
           <p:txBody>
-            <a:bodyPr anchorCtr="0" anchor="ctr" bIns="91425" lIns="91425" rIns="91425" tIns="91425">
+            <a:bodyPr lIns="91425" tIns="91425" rIns="91425" bIns="91425" anchor="ctr" anchorCtr="0">
               <a:noAutofit/>
             </a:bodyPr>
             <a:lstStyle/>
@@ -2157,9 +2344,6 @@
                 </a:spcBef>
                 <a:buNone/>
               </a:pPr>
-              <a:r>
-                <a:t/>
-              </a:r>
               <a:endParaRPr/>
             </a:p>
           </p:txBody>
@@ -2186,7 +2370,7 @@
             </a:ln>
           </p:spPr>
           <p:txBody>
-            <a:bodyPr anchorCtr="0" anchor="ctr" bIns="91425" lIns="91425" rIns="91425" tIns="91425">
+            <a:bodyPr lIns="91425" tIns="91425" rIns="91425" bIns="91425" anchor="ctr" anchorCtr="0">
               <a:noAutofit/>
             </a:bodyPr>
             <a:lstStyle/>
@@ -2197,9 +2381,6 @@
                 </a:spcBef>
                 <a:buNone/>
               </a:pPr>
-              <a:r>
-                <a:t/>
-              </a:r>
               <a:endParaRPr/>
             </a:p>
           </p:txBody>
@@ -2211,7 +2392,7 @@
             <p:nvPr/>
           </p:nvSpPr>
           <p:spPr>
-            <a:xfrm flipH="1" rot="10800000">
+            <a:xfrm rot="10800000" flipH="1">
               <a:off x="7113588" y="106"/>
               <a:ext cx="1015200" cy="1015200"/>
             </a:xfrm>
@@ -2226,7 +2407,7 @@
             </a:ln>
           </p:spPr>
           <p:txBody>
-            <a:bodyPr anchorCtr="0" anchor="ctr" bIns="91425" lIns="91425" rIns="91425" tIns="91425">
+            <a:bodyPr lIns="91425" tIns="91425" rIns="91425" bIns="91425" anchor="ctr" anchorCtr="0">
               <a:noAutofit/>
             </a:bodyPr>
             <a:lstStyle/>
@@ -2237,9 +2418,6 @@
                 </a:spcBef>
                 <a:buNone/>
               </a:pPr>
-              <a:r>
-                <a:t/>
-              </a:r>
               <a:endParaRPr/>
             </a:p>
           </p:txBody>
@@ -2266,7 +2444,7 @@
             </a:ln>
           </p:spPr>
           <p:txBody>
-            <a:bodyPr anchorCtr="0" anchor="ctr" bIns="91425" lIns="91425" rIns="91425" tIns="91425">
+            <a:bodyPr lIns="91425" tIns="91425" rIns="91425" bIns="91425" anchor="ctr" anchorCtr="0">
               <a:noAutofit/>
             </a:bodyPr>
             <a:lstStyle/>
@@ -2277,9 +2455,6 @@
                 </a:spcBef>
                 <a:buNone/>
               </a:pPr>
-              <a:r>
-                <a:t/>
-              </a:r>
               <a:endParaRPr/>
             </a:p>
           </p:txBody>
@@ -2306,7 +2481,7 @@
             </a:ln>
           </p:spPr>
           <p:txBody>
-            <a:bodyPr anchorCtr="0" anchor="ctr" bIns="91425" lIns="91425" rIns="91425" tIns="91425">
+            <a:bodyPr lIns="91425" tIns="91425" rIns="91425" bIns="91425" anchor="ctr" anchorCtr="0">
               <a:noAutofit/>
             </a:bodyPr>
             <a:lstStyle/>
@@ -2317,9 +2492,6 @@
                 </a:spcBef>
                 <a:buNone/>
               </a:pPr>
-              <a:r>
-                <a:t/>
-              </a:r>
               <a:endParaRPr/>
             </a:p>
           </p:txBody>
@@ -2328,7 +2500,9 @@
       <p:sp>
         <p:nvSpPr>
           <p:cNvPr id="71" name="Shape 71"/>
-          <p:cNvSpPr txBox="1"/>
+          <p:cNvSpPr txBox="1">
+            <a:spLocks noGrp="1"/>
+          </p:cNvSpPr>
           <p:nvPr>
             <p:ph type="title"/>
           </p:nvPr>
@@ -2343,7 +2517,7 @@
           </a:prstGeom>
         </p:spPr>
         <p:txBody>
-          <a:bodyPr anchorCtr="0" anchor="ctr" bIns="91425" lIns="91425" rIns="91425" tIns="91425"/>
+          <a:bodyPr lIns="91425" tIns="91425" rIns="91425" bIns="91425" anchor="ctr" anchorCtr="0"/>
           <a:lstStyle>
             <a:lvl1pPr lvl="0" rtl="0">
               <a:spcBef>
@@ -2472,15 +2646,19 @@
               </a:defRPr>
             </a:lvl9pPr>
           </a:lstStyle>
-          <a:p/>
+          <a:p>
+            <a:endParaRPr/>
+          </a:p>
         </p:txBody>
       </p:sp>
       <p:sp>
         <p:nvSpPr>
           <p:cNvPr id="72" name="Shape 72"/>
-          <p:cNvSpPr txBox="1"/>
+          <p:cNvSpPr txBox="1">
+            <a:spLocks noGrp="1"/>
+          </p:cNvSpPr>
           <p:nvPr>
-            <p:ph idx="12" type="sldNum"/>
+            <p:ph type="sldNum" idx="12"/>
           </p:nvPr>
         </p:nvSpPr>
         <p:spPr>
@@ -2493,7 +2671,7 @@
           </a:prstGeom>
         </p:spPr>
         <p:txBody>
-          <a:bodyPr anchorCtr="0" anchor="ctr" bIns="91425" lIns="91425" rIns="91425" tIns="91425">
+          <a:bodyPr lIns="91425" tIns="91425" rIns="91425" bIns="91425" anchor="ctr" anchorCtr="0">
             <a:noAutofit/>
           </a:bodyPr>
           <a:lstStyle/>
@@ -2508,6 +2686,7 @@
               <a:rPr lang="en"/>
               <a:t>‹#›</a:t>
             </a:fld>
+            <a:endParaRPr lang="en"/>
           </a:p>
         </p:txBody>
       </p:sp>
@@ -2520,11 +2699,11 @@
 </file>
 
 <file path=ppt/slideLayouts/slideLayout14.xml><?xml version="1.0" encoding="utf-8"?>
-<p:sldLayout xmlns:a="http://schemas.openxmlformats.org/drawingml/2006/main" xmlns:r="http://schemas.openxmlformats.org/officeDocument/2006/relationships" xmlns:mc="http://schemas.openxmlformats.org/markup-compatibility/2006" xmlns:mv="urn:schemas-microsoft-com:mac:vml" xmlns:p="http://schemas.openxmlformats.org/presentationml/2006/main" xmlns:c="http://schemas.openxmlformats.org/drawingml/2006/chart" xmlns:dgm="http://schemas.openxmlformats.org/drawingml/2006/diagram" xmlns:o="urn:schemas-microsoft-com:office:office" xmlns:v="urn:schemas-microsoft-com:vml" xmlns:pvml="urn:schemas-microsoft-com:office:powerpoint" xmlns:com="http://schemas.openxmlformats.org/drawingml/2006/compatibility" xmlns:p14="http://schemas.microsoft.com/office/powerpoint/2010/main" type="tx">
+<p:sldLayout xmlns:a="http://schemas.openxmlformats.org/drawingml/2006/main" xmlns:r="http://schemas.openxmlformats.org/officeDocument/2006/relationships" xmlns:p="http://schemas.openxmlformats.org/presentationml/2006/main" type="tx">
   <p:cSld name="Title and body">
     <p:spTree>
       <p:nvGrpSpPr>
-        <p:cNvPr id="73" name="Shape 73"/>
+        <p:cNvPr id="1" name="Shape 73"/>
         <p:cNvGrpSpPr/>
         <p:nvPr/>
       </p:nvGrpSpPr>
@@ -2572,7 +2751,7 @@
             </a:ln>
           </p:spPr>
           <p:txBody>
-            <a:bodyPr anchorCtr="0" anchor="ctr" bIns="91425" lIns="91425" rIns="91425" tIns="91425">
+            <a:bodyPr lIns="91425" tIns="91425" rIns="91425" bIns="91425" anchor="ctr" anchorCtr="0">
               <a:noAutofit/>
             </a:bodyPr>
             <a:lstStyle/>
@@ -2583,9 +2762,6 @@
                 </a:spcBef>
                 <a:buNone/>
               </a:pPr>
-              <a:r>
-                <a:t/>
-              </a:r>
               <a:endParaRPr/>
             </a:p>
           </p:txBody>
@@ -2612,7 +2788,7 @@
             </a:ln>
           </p:spPr>
           <p:txBody>
-            <a:bodyPr anchorCtr="0" anchor="ctr" bIns="91425" lIns="91425" rIns="91425" tIns="91425">
+            <a:bodyPr lIns="91425" tIns="91425" rIns="91425" bIns="91425" anchor="ctr" anchorCtr="0">
               <a:noAutofit/>
             </a:bodyPr>
             <a:lstStyle/>
@@ -2623,9 +2799,6 @@
                 </a:spcBef>
                 <a:buNone/>
               </a:pPr>
-              <a:r>
-                <a:t/>
-              </a:r>
               <a:endParaRPr/>
             </a:p>
           </p:txBody>
@@ -2652,7 +2825,7 @@
             </a:ln>
           </p:spPr>
           <p:txBody>
-            <a:bodyPr anchorCtr="0" anchor="ctr" bIns="91425" lIns="91425" rIns="91425" tIns="91425">
+            <a:bodyPr lIns="91425" tIns="91425" rIns="91425" bIns="91425" anchor="ctr" anchorCtr="0">
               <a:noAutofit/>
             </a:bodyPr>
             <a:lstStyle/>
@@ -2663,9 +2836,6 @@
                 </a:spcBef>
                 <a:buNone/>
               </a:pPr>
-              <a:r>
-                <a:t/>
-              </a:r>
               <a:endParaRPr/>
             </a:p>
           </p:txBody>
@@ -2692,7 +2862,7 @@
             </a:ln>
           </p:spPr>
           <p:txBody>
-            <a:bodyPr anchorCtr="0" anchor="ctr" bIns="91425" lIns="91425" rIns="91425" tIns="91425">
+            <a:bodyPr lIns="91425" tIns="91425" rIns="91425" bIns="91425" anchor="ctr" anchorCtr="0">
               <a:noAutofit/>
             </a:bodyPr>
             <a:lstStyle/>
@@ -2703,9 +2873,6 @@
                 </a:spcBef>
                 <a:buNone/>
               </a:pPr>
-              <a:r>
-                <a:t/>
-              </a:r>
               <a:endParaRPr/>
             </a:p>
           </p:txBody>
@@ -2732,7 +2899,7 @@
             </a:ln>
           </p:spPr>
           <p:txBody>
-            <a:bodyPr anchorCtr="0" anchor="ctr" bIns="91425" lIns="91425" rIns="91425" tIns="91425">
+            <a:bodyPr lIns="91425" tIns="91425" rIns="91425" bIns="91425" anchor="ctr" anchorCtr="0">
               <a:noAutofit/>
             </a:bodyPr>
             <a:lstStyle/>
@@ -2743,9 +2910,6 @@
                 </a:spcBef>
                 <a:buNone/>
               </a:pPr>
-              <a:r>
-                <a:t/>
-              </a:r>
               <a:endParaRPr/>
             </a:p>
           </p:txBody>
@@ -2754,7 +2918,9 @@
       <p:sp>
         <p:nvSpPr>
           <p:cNvPr id="80" name="Shape 80"/>
-          <p:cNvSpPr txBox="1"/>
+          <p:cNvSpPr txBox="1">
+            <a:spLocks noGrp="1"/>
+          </p:cNvSpPr>
           <p:nvPr>
             <p:ph type="title"/>
           </p:nvPr>
@@ -2769,7 +2935,7 @@
           </a:prstGeom>
         </p:spPr>
         <p:txBody>
-          <a:bodyPr anchorCtr="0" anchor="t" bIns="91425" lIns="91425" rIns="91425" tIns="91425"/>
+          <a:bodyPr lIns="91425" tIns="91425" rIns="91425" bIns="91425" anchor="t" anchorCtr="0"/>
           <a:lstStyle>
             <a:lvl1pPr lvl="0" rtl="0">
               <a:spcBef>
@@ -2826,15 +2992,19 @@
               <a:defRPr/>
             </a:lvl9pPr>
           </a:lstStyle>
-          <a:p/>
+          <a:p>
+            <a:endParaRPr/>
+          </a:p>
         </p:txBody>
       </p:sp>
       <p:sp>
         <p:nvSpPr>
           <p:cNvPr id="81" name="Shape 81"/>
-          <p:cNvSpPr txBox="1"/>
+          <p:cNvSpPr txBox="1">
+            <a:spLocks noGrp="1"/>
+          </p:cNvSpPr>
           <p:nvPr>
-            <p:ph idx="1" type="body"/>
+            <p:ph type="body" idx="1"/>
           </p:nvPr>
         </p:nvSpPr>
         <p:spPr>
@@ -2847,7 +3017,7 @@
           </a:prstGeom>
         </p:spPr>
         <p:txBody>
-          <a:bodyPr anchorCtr="0" anchor="t" bIns="91425" lIns="91425" rIns="91425" tIns="91425"/>
+          <a:bodyPr lIns="91425" tIns="91425" rIns="91425" bIns="91425" anchor="t" anchorCtr="0"/>
           <a:lstStyle>
             <a:lvl1pPr lvl="0" rtl="0">
               <a:spcBef>
@@ -2904,15 +3074,19 @@
               <a:defRPr/>
             </a:lvl9pPr>
           </a:lstStyle>
-          <a:p/>
+          <a:p>
+            <a:endParaRPr/>
+          </a:p>
         </p:txBody>
       </p:sp>
       <p:sp>
         <p:nvSpPr>
           <p:cNvPr id="82" name="Shape 82"/>
-          <p:cNvSpPr txBox="1"/>
+          <p:cNvSpPr txBox="1">
+            <a:spLocks noGrp="1"/>
+          </p:cNvSpPr>
           <p:nvPr>
-            <p:ph idx="12" type="sldNum"/>
+            <p:ph type="sldNum" idx="12"/>
           </p:nvPr>
         </p:nvSpPr>
         <p:spPr>
@@ -2925,7 +3099,7 @@
           </a:prstGeom>
         </p:spPr>
         <p:txBody>
-          <a:bodyPr anchorCtr="0" anchor="ctr" bIns="91425" lIns="91425" rIns="91425" tIns="91425">
+          <a:bodyPr lIns="91425" tIns="91425" rIns="91425" bIns="91425" anchor="ctr" anchorCtr="0">
             <a:noAutofit/>
           </a:bodyPr>
           <a:lstStyle/>
@@ -2940,6 +3114,7 @@
               <a:rPr lang="en"/>
               <a:t>‹#›</a:t>
             </a:fld>
+            <a:endParaRPr lang="en"/>
           </a:p>
         </p:txBody>
       </p:sp>
@@ -2952,11 +3127,11 @@
 </file>
 
 <file path=ppt/slideLayouts/slideLayout15.xml><?xml version="1.0" encoding="utf-8"?>
-<p:sldLayout xmlns:a="http://schemas.openxmlformats.org/drawingml/2006/main" xmlns:r="http://schemas.openxmlformats.org/officeDocument/2006/relationships" xmlns:mc="http://schemas.openxmlformats.org/markup-compatibility/2006" xmlns:mv="urn:schemas-microsoft-com:mac:vml" xmlns:p="http://schemas.openxmlformats.org/presentationml/2006/main" xmlns:c="http://schemas.openxmlformats.org/drawingml/2006/chart" xmlns:dgm="http://schemas.openxmlformats.org/drawingml/2006/diagram" xmlns:o="urn:schemas-microsoft-com:office:office" xmlns:v="urn:schemas-microsoft-com:vml" xmlns:pvml="urn:schemas-microsoft-com:office:powerpoint" xmlns:com="http://schemas.openxmlformats.org/drawingml/2006/compatibility" xmlns:p14="http://schemas.microsoft.com/office/powerpoint/2010/main" type="twoColTx">
+<p:sldLayout xmlns:a="http://schemas.openxmlformats.org/drawingml/2006/main" xmlns:r="http://schemas.openxmlformats.org/officeDocument/2006/relationships" xmlns:p="http://schemas.openxmlformats.org/presentationml/2006/main" type="twoColTx">
   <p:cSld name="Title and two columns">
     <p:spTree>
       <p:nvGrpSpPr>
-        <p:cNvPr id="83" name="Shape 83"/>
+        <p:cNvPr id="1" name="Shape 83"/>
         <p:cNvGrpSpPr/>
         <p:nvPr/>
       </p:nvGrpSpPr>
@@ -2971,7 +3146,9 @@
       <p:sp>
         <p:nvSpPr>
           <p:cNvPr id="84" name="Shape 84"/>
-          <p:cNvSpPr txBox="1"/>
+          <p:cNvSpPr txBox="1">
+            <a:spLocks noGrp="1"/>
+          </p:cNvSpPr>
           <p:nvPr>
             <p:ph type="title"/>
           </p:nvPr>
@@ -2986,7 +3163,7 @@
           </a:prstGeom>
         </p:spPr>
         <p:txBody>
-          <a:bodyPr anchorCtr="0" anchor="t" bIns="91425" lIns="91425" rIns="91425" tIns="91425"/>
+          <a:bodyPr lIns="91425" tIns="91425" rIns="91425" bIns="91425" anchor="t" anchorCtr="0"/>
           <a:lstStyle>
             <a:lvl1pPr lvl="0" rtl="0">
               <a:spcBef>
@@ -3043,15 +3220,19 @@
               <a:defRPr/>
             </a:lvl9pPr>
           </a:lstStyle>
-          <a:p/>
+          <a:p>
+            <a:endParaRPr/>
+          </a:p>
         </p:txBody>
       </p:sp>
       <p:sp>
         <p:nvSpPr>
           <p:cNvPr id="85" name="Shape 85"/>
-          <p:cNvSpPr txBox="1"/>
+          <p:cNvSpPr txBox="1">
+            <a:spLocks noGrp="1"/>
+          </p:cNvSpPr>
           <p:nvPr>
-            <p:ph idx="1" type="body"/>
+            <p:ph type="body" idx="1"/>
           </p:nvPr>
         </p:nvSpPr>
         <p:spPr>
@@ -3064,7 +3245,7 @@
           </a:prstGeom>
         </p:spPr>
         <p:txBody>
-          <a:bodyPr anchorCtr="0" anchor="t" bIns="91425" lIns="91425" rIns="91425" tIns="91425"/>
+          <a:bodyPr lIns="91425" tIns="91425" rIns="91425" bIns="91425" anchor="t" anchorCtr="0"/>
           <a:lstStyle>
             <a:lvl1pPr lvl="0" rtl="0">
               <a:spcBef>
@@ -3130,15 +3311,19 @@
               <a:defRPr sz="1200"/>
             </a:lvl9pPr>
           </a:lstStyle>
-          <a:p/>
+          <a:p>
+            <a:endParaRPr/>
+          </a:p>
         </p:txBody>
       </p:sp>
       <p:sp>
         <p:nvSpPr>
           <p:cNvPr id="86" name="Shape 86"/>
-          <p:cNvSpPr txBox="1"/>
+          <p:cNvSpPr txBox="1">
+            <a:spLocks noGrp="1"/>
+          </p:cNvSpPr>
           <p:nvPr>
-            <p:ph idx="2" type="body"/>
+            <p:ph type="body" idx="2"/>
           </p:nvPr>
         </p:nvSpPr>
         <p:spPr>
@@ -3151,7 +3336,7 @@
           </a:prstGeom>
         </p:spPr>
         <p:txBody>
-          <a:bodyPr anchorCtr="0" anchor="t" bIns="91425" lIns="91425" rIns="91425" tIns="91425"/>
+          <a:bodyPr lIns="91425" tIns="91425" rIns="91425" bIns="91425" anchor="t" anchorCtr="0"/>
           <a:lstStyle>
             <a:lvl1pPr lvl="0" rtl="0">
               <a:spcBef>
@@ -3217,15 +3402,19 @@
               <a:defRPr sz="1200"/>
             </a:lvl9pPr>
           </a:lstStyle>
-          <a:p/>
+          <a:p>
+            <a:endParaRPr/>
+          </a:p>
         </p:txBody>
       </p:sp>
       <p:sp>
         <p:nvSpPr>
           <p:cNvPr id="87" name="Shape 87"/>
-          <p:cNvSpPr txBox="1"/>
+          <p:cNvSpPr txBox="1">
+            <a:spLocks noGrp="1"/>
+          </p:cNvSpPr>
           <p:nvPr>
-            <p:ph idx="12" type="sldNum"/>
+            <p:ph type="sldNum" idx="12"/>
           </p:nvPr>
         </p:nvSpPr>
         <p:spPr>
@@ -3238,7 +3427,7 @@
           </a:prstGeom>
         </p:spPr>
         <p:txBody>
-          <a:bodyPr anchorCtr="0" anchor="ctr" bIns="91425" lIns="91425" rIns="91425" tIns="91425">
+          <a:bodyPr lIns="91425" tIns="91425" rIns="91425" bIns="91425" anchor="ctr" anchorCtr="0">
             <a:noAutofit/>
           </a:bodyPr>
           <a:lstStyle/>
@@ -3257,6 +3446,11 @@
               </a:rPr>
               <a:t>‹#›</a:t>
             </a:fld>
+            <a:endParaRPr lang="en">
+              <a:solidFill>
+                <a:schemeClr val="dk2"/>
+              </a:solidFill>
+            </a:endParaRPr>
           </a:p>
         </p:txBody>
       </p:sp>
@@ -3269,11 +3463,11 @@
 </file>
 
 <file path=ppt/slideLayouts/slideLayout16.xml><?xml version="1.0" encoding="utf-8"?>
-<p:sldLayout xmlns:a="http://schemas.openxmlformats.org/drawingml/2006/main" xmlns:r="http://schemas.openxmlformats.org/officeDocument/2006/relationships" xmlns:mc="http://schemas.openxmlformats.org/markup-compatibility/2006" xmlns:mv="urn:schemas-microsoft-com:mac:vml" xmlns:p="http://schemas.openxmlformats.org/presentationml/2006/main" xmlns:c="http://schemas.openxmlformats.org/drawingml/2006/chart" xmlns:dgm="http://schemas.openxmlformats.org/drawingml/2006/diagram" xmlns:o="urn:schemas-microsoft-com:office:office" xmlns:v="urn:schemas-microsoft-com:vml" xmlns:pvml="urn:schemas-microsoft-com:office:powerpoint" xmlns:com="http://schemas.openxmlformats.org/drawingml/2006/compatibility" xmlns:p14="http://schemas.microsoft.com/office/powerpoint/2010/main" type="titleOnly">
+<p:sldLayout xmlns:a="http://schemas.openxmlformats.org/drawingml/2006/main" xmlns:r="http://schemas.openxmlformats.org/officeDocument/2006/relationships" xmlns:p="http://schemas.openxmlformats.org/presentationml/2006/main" type="titleOnly">
   <p:cSld name="Title only">
     <p:spTree>
       <p:nvGrpSpPr>
-        <p:cNvPr id="88" name="Shape 88"/>
+        <p:cNvPr id="1" name="Shape 88"/>
         <p:cNvGrpSpPr/>
         <p:nvPr/>
       </p:nvGrpSpPr>
@@ -3288,7 +3482,9 @@
       <p:sp>
         <p:nvSpPr>
           <p:cNvPr id="89" name="Shape 89"/>
-          <p:cNvSpPr txBox="1"/>
+          <p:cNvSpPr txBox="1">
+            <a:spLocks noGrp="1"/>
+          </p:cNvSpPr>
           <p:nvPr>
             <p:ph type="title"/>
           </p:nvPr>
@@ -3303,7 +3499,7 @@
           </a:prstGeom>
         </p:spPr>
         <p:txBody>
-          <a:bodyPr anchorCtr="0" anchor="t" bIns="91425" lIns="91425" rIns="91425" tIns="91425"/>
+          <a:bodyPr lIns="91425" tIns="91425" rIns="91425" bIns="91425" anchor="t" anchorCtr="0"/>
           <a:lstStyle>
             <a:lvl1pPr lvl="0" rtl="0">
               <a:spcBef>
@@ -3360,15 +3556,19 @@
               <a:defRPr/>
             </a:lvl9pPr>
           </a:lstStyle>
-          <a:p/>
+          <a:p>
+            <a:endParaRPr/>
+          </a:p>
         </p:txBody>
       </p:sp>
       <p:sp>
         <p:nvSpPr>
           <p:cNvPr id="90" name="Shape 90"/>
-          <p:cNvSpPr txBox="1"/>
+          <p:cNvSpPr txBox="1">
+            <a:spLocks noGrp="1"/>
+          </p:cNvSpPr>
           <p:nvPr>
-            <p:ph idx="12" type="sldNum"/>
+            <p:ph type="sldNum" idx="12"/>
           </p:nvPr>
         </p:nvSpPr>
         <p:spPr>
@@ -3381,7 +3581,7 @@
           </a:prstGeom>
         </p:spPr>
         <p:txBody>
-          <a:bodyPr anchorCtr="0" anchor="ctr" bIns="91425" lIns="91425" rIns="91425" tIns="91425">
+          <a:bodyPr lIns="91425" tIns="91425" rIns="91425" bIns="91425" anchor="ctr" anchorCtr="0">
             <a:noAutofit/>
           </a:bodyPr>
           <a:lstStyle/>
@@ -3400,6 +3600,11 @@
               </a:rPr>
               <a:t>‹#›</a:t>
             </a:fld>
+            <a:endParaRPr lang="en">
+              <a:solidFill>
+                <a:schemeClr val="dk2"/>
+              </a:solidFill>
+            </a:endParaRPr>
           </a:p>
         </p:txBody>
       </p:sp>
@@ -3412,11 +3617,11 @@
 </file>
 
 <file path=ppt/slideLayouts/slideLayout17.xml><?xml version="1.0" encoding="utf-8"?>
-<p:sldLayout xmlns:a="http://schemas.openxmlformats.org/drawingml/2006/main" xmlns:r="http://schemas.openxmlformats.org/officeDocument/2006/relationships" xmlns:mc="http://schemas.openxmlformats.org/markup-compatibility/2006" xmlns:mv="urn:schemas-microsoft-com:mac:vml" xmlns:p="http://schemas.openxmlformats.org/presentationml/2006/main" xmlns:c="http://schemas.openxmlformats.org/drawingml/2006/chart" xmlns:dgm="http://schemas.openxmlformats.org/drawingml/2006/diagram" xmlns:o="urn:schemas-microsoft-com:office:office" xmlns:v="urn:schemas-microsoft-com:vml" xmlns:pvml="urn:schemas-microsoft-com:office:powerpoint" xmlns:com="http://schemas.openxmlformats.org/drawingml/2006/compatibility" xmlns:p14="http://schemas.microsoft.com/office/powerpoint/2010/main">
+<p:sldLayout xmlns:a="http://schemas.openxmlformats.org/drawingml/2006/main" xmlns:r="http://schemas.openxmlformats.org/officeDocument/2006/relationships" xmlns:p="http://schemas.openxmlformats.org/presentationml/2006/main">
   <p:cSld name="One column text">
     <p:spTree>
       <p:nvGrpSpPr>
-        <p:cNvPr id="91" name="Shape 91"/>
+        <p:cNvPr id="1" name="Shape 91"/>
         <p:cNvGrpSpPr/>
         <p:nvPr/>
       </p:nvGrpSpPr>
@@ -3431,7 +3636,9 @@
       <p:sp>
         <p:nvSpPr>
           <p:cNvPr id="92" name="Shape 92"/>
-          <p:cNvSpPr txBox="1"/>
+          <p:cNvSpPr txBox="1">
+            <a:spLocks noGrp="1"/>
+          </p:cNvSpPr>
           <p:nvPr>
             <p:ph type="title"/>
           </p:nvPr>
@@ -3446,7 +3653,7 @@
           </a:prstGeom>
         </p:spPr>
         <p:txBody>
-          <a:bodyPr anchorCtr="0" anchor="b" bIns="91425" lIns="91425" rIns="91425" tIns="91425"/>
+          <a:bodyPr lIns="91425" tIns="91425" rIns="91425" bIns="91425" anchor="b" anchorCtr="0"/>
           <a:lstStyle>
             <a:lvl1pPr lvl="0" rtl="0">
               <a:spcBef>
@@ -3512,15 +3719,19 @@
               <a:defRPr sz="2400"/>
             </a:lvl9pPr>
           </a:lstStyle>
-          <a:p/>
+          <a:p>
+            <a:endParaRPr/>
+          </a:p>
         </p:txBody>
       </p:sp>
       <p:sp>
         <p:nvSpPr>
           <p:cNvPr id="93" name="Shape 93"/>
-          <p:cNvSpPr txBox="1"/>
+          <p:cNvSpPr txBox="1">
+            <a:spLocks noGrp="1"/>
+          </p:cNvSpPr>
           <p:nvPr>
-            <p:ph idx="1" type="body"/>
+            <p:ph type="body" idx="1"/>
           </p:nvPr>
         </p:nvSpPr>
         <p:spPr>
@@ -3533,7 +3744,7 @@
           </a:prstGeom>
         </p:spPr>
         <p:txBody>
-          <a:bodyPr anchorCtr="0" anchor="t" bIns="91425" lIns="91425" rIns="91425" tIns="91425"/>
+          <a:bodyPr lIns="91425" tIns="91425" rIns="91425" bIns="91425" anchor="t" anchorCtr="0"/>
           <a:lstStyle>
             <a:lvl1pPr lvl="0" rtl="0">
               <a:spcBef>
@@ -3599,15 +3810,19 @@
               <a:defRPr sz="1200"/>
             </a:lvl9pPr>
           </a:lstStyle>
-          <a:p/>
+          <a:p>
+            <a:endParaRPr/>
+          </a:p>
         </p:txBody>
       </p:sp>
       <p:sp>
         <p:nvSpPr>
           <p:cNvPr id="94" name="Shape 94"/>
-          <p:cNvSpPr txBox="1"/>
+          <p:cNvSpPr txBox="1">
+            <a:spLocks noGrp="1"/>
+          </p:cNvSpPr>
           <p:nvPr>
-            <p:ph idx="12" type="sldNum"/>
+            <p:ph type="sldNum" idx="12"/>
           </p:nvPr>
         </p:nvSpPr>
         <p:spPr>
@@ -3620,7 +3835,7 @@
           </a:prstGeom>
         </p:spPr>
         <p:txBody>
-          <a:bodyPr anchorCtr="0" anchor="ctr" bIns="91425" lIns="91425" rIns="91425" tIns="91425">
+          <a:bodyPr lIns="91425" tIns="91425" rIns="91425" bIns="91425" anchor="ctr" anchorCtr="0">
             <a:noAutofit/>
           </a:bodyPr>
           <a:lstStyle/>
@@ -3639,6 +3854,11 @@
               </a:rPr>
               <a:t>‹#›</a:t>
             </a:fld>
+            <a:endParaRPr lang="en">
+              <a:solidFill>
+                <a:schemeClr val="dk2"/>
+              </a:solidFill>
+            </a:endParaRPr>
           </a:p>
         </p:txBody>
       </p:sp>
@@ -3651,18 +3871,19 @@
 </file>
 
 <file path=ppt/slideLayouts/slideLayout18.xml><?xml version="1.0" encoding="utf-8"?>
-<p:sldLayout xmlns:a="http://schemas.openxmlformats.org/drawingml/2006/main" xmlns:r="http://schemas.openxmlformats.org/officeDocument/2006/relationships" xmlns:mc="http://schemas.openxmlformats.org/markup-compatibility/2006" xmlns:mv="urn:schemas-microsoft-com:mac:vml" xmlns:p="http://schemas.openxmlformats.org/presentationml/2006/main" xmlns:c="http://schemas.openxmlformats.org/drawingml/2006/chart" xmlns:dgm="http://schemas.openxmlformats.org/drawingml/2006/diagram" xmlns:o="urn:schemas-microsoft-com:office:office" xmlns:v="urn:schemas-microsoft-com:vml" xmlns:pvml="urn:schemas-microsoft-com:office:powerpoint" xmlns:com="http://schemas.openxmlformats.org/drawingml/2006/compatibility" xmlns:p14="http://schemas.microsoft.com/office/powerpoint/2010/main">
+<p:sldLayout xmlns:a="http://schemas.openxmlformats.org/drawingml/2006/main" xmlns:r="http://schemas.openxmlformats.org/officeDocument/2006/relationships" xmlns:p="http://schemas.openxmlformats.org/presentationml/2006/main">
   <p:cSld name="Main point">
     <p:bg>
       <p:bgPr>
         <a:solidFill>
           <a:schemeClr val="accent4"/>
         </a:solidFill>
+        <a:effectLst/>
       </p:bgPr>
     </p:bg>
     <p:spTree>
       <p:nvGrpSpPr>
-        <p:cNvPr id="95" name="Shape 95"/>
+        <p:cNvPr id="1" name="Shape 95"/>
         <p:cNvGrpSpPr/>
         <p:nvPr/>
       </p:nvGrpSpPr>
@@ -3710,7 +3931,7 @@
             </a:ln>
           </p:spPr>
           <p:txBody>
-            <a:bodyPr anchorCtr="0" anchor="ctr" bIns="91425" lIns="91425" rIns="91425" tIns="91425">
+            <a:bodyPr lIns="91425" tIns="91425" rIns="91425" bIns="91425" anchor="ctr" anchorCtr="0">
               <a:noAutofit/>
             </a:bodyPr>
             <a:lstStyle/>
@@ -3721,9 +3942,6 @@
                 </a:spcBef>
                 <a:buNone/>
               </a:pPr>
-              <a:r>
-                <a:t/>
-              </a:r>
               <a:endParaRPr/>
             </a:p>
           </p:txBody>
@@ -3750,7 +3968,7 @@
             </a:ln>
           </p:spPr>
           <p:txBody>
-            <a:bodyPr anchorCtr="0" anchor="ctr" bIns="91425" lIns="91425" rIns="91425" tIns="91425">
+            <a:bodyPr lIns="91425" tIns="91425" rIns="91425" bIns="91425" anchor="ctr" anchorCtr="0">
               <a:noAutofit/>
             </a:bodyPr>
             <a:lstStyle/>
@@ -3761,9 +3979,6 @@
                 </a:spcBef>
                 <a:buNone/>
               </a:pPr>
-              <a:r>
-                <a:t/>
-              </a:r>
               <a:endParaRPr/>
             </a:p>
           </p:txBody>
@@ -3775,7 +3990,7 @@
             <p:nvPr/>
           </p:nvSpPr>
           <p:spPr>
-            <a:xfrm flipH="1" rot="10800000">
+            <a:xfrm rot="10800000" flipH="1">
               <a:off x="7113588" y="106"/>
               <a:ext cx="1015200" cy="1015200"/>
             </a:xfrm>
@@ -3790,7 +4005,7 @@
             </a:ln>
           </p:spPr>
           <p:txBody>
-            <a:bodyPr anchorCtr="0" anchor="ctr" bIns="91425" lIns="91425" rIns="91425" tIns="91425">
+            <a:bodyPr lIns="91425" tIns="91425" rIns="91425" bIns="91425" anchor="ctr" anchorCtr="0">
               <a:noAutofit/>
             </a:bodyPr>
             <a:lstStyle/>
@@ -3801,9 +4016,6 @@
                 </a:spcBef>
                 <a:buNone/>
               </a:pPr>
-              <a:r>
-                <a:t/>
-              </a:r>
               <a:endParaRPr/>
             </a:p>
           </p:txBody>
@@ -3830,7 +4042,7 @@
             </a:ln>
           </p:spPr>
           <p:txBody>
-            <a:bodyPr anchorCtr="0" anchor="ctr" bIns="91425" lIns="91425" rIns="91425" tIns="91425">
+            <a:bodyPr lIns="91425" tIns="91425" rIns="91425" bIns="91425" anchor="ctr" anchorCtr="0">
               <a:noAutofit/>
             </a:bodyPr>
             <a:lstStyle/>
@@ -3841,9 +4053,6 @@
                 </a:spcBef>
                 <a:buNone/>
               </a:pPr>
-              <a:r>
-                <a:t/>
-              </a:r>
               <a:endParaRPr/>
             </a:p>
           </p:txBody>
@@ -3870,7 +4079,7 @@
             </a:ln>
           </p:spPr>
           <p:txBody>
-            <a:bodyPr anchorCtr="0" anchor="ctr" bIns="91425" lIns="91425" rIns="91425" tIns="91425">
+            <a:bodyPr lIns="91425" tIns="91425" rIns="91425" bIns="91425" anchor="ctr" anchorCtr="0">
               <a:noAutofit/>
             </a:bodyPr>
             <a:lstStyle/>
@@ -3881,9 +4090,6 @@
                 </a:spcBef>
                 <a:buNone/>
               </a:pPr>
-              <a:r>
-                <a:t/>
-              </a:r>
               <a:endParaRPr/>
             </a:p>
           </p:txBody>
@@ -3892,7 +4098,9 @@
       <p:sp>
         <p:nvSpPr>
           <p:cNvPr id="102" name="Shape 102"/>
-          <p:cNvSpPr txBox="1"/>
+          <p:cNvSpPr txBox="1">
+            <a:spLocks noGrp="1"/>
+          </p:cNvSpPr>
           <p:nvPr>
             <p:ph type="title"/>
           </p:nvPr>
@@ -3907,7 +4115,7 @@
           </a:prstGeom>
         </p:spPr>
         <p:txBody>
-          <a:bodyPr anchorCtr="0" anchor="ctr" bIns="91425" lIns="91425" rIns="91425" tIns="91425"/>
+          <a:bodyPr lIns="91425" tIns="91425" rIns="91425" bIns="91425" anchor="ctr" anchorCtr="0"/>
           <a:lstStyle>
             <a:lvl1pPr lvl="0" rtl="0">
               <a:spcBef>
@@ -4036,15 +4244,19 @@
               </a:defRPr>
             </a:lvl9pPr>
           </a:lstStyle>
-          <a:p/>
+          <a:p>
+            <a:endParaRPr/>
+          </a:p>
         </p:txBody>
       </p:sp>
       <p:sp>
         <p:nvSpPr>
           <p:cNvPr id="103" name="Shape 103"/>
-          <p:cNvSpPr txBox="1"/>
+          <p:cNvSpPr txBox="1">
+            <a:spLocks noGrp="1"/>
+          </p:cNvSpPr>
           <p:nvPr>
-            <p:ph idx="12" type="sldNum"/>
+            <p:ph type="sldNum" idx="12"/>
           </p:nvPr>
         </p:nvSpPr>
         <p:spPr>
@@ -4057,7 +4269,7 @@
           </a:prstGeom>
         </p:spPr>
         <p:txBody>
-          <a:bodyPr anchorCtr="0" anchor="ctr" bIns="91425" lIns="91425" rIns="91425" tIns="91425">
+          <a:bodyPr lIns="91425" tIns="91425" rIns="91425" bIns="91425" anchor="ctr" anchorCtr="0">
             <a:noAutofit/>
           </a:bodyPr>
           <a:lstStyle/>
@@ -4072,6 +4284,7 @@
               <a:rPr lang="en"/>
               <a:t>‹#›</a:t>
             </a:fld>
+            <a:endParaRPr lang="en"/>
           </a:p>
         </p:txBody>
       </p:sp>
@@ -4084,11 +4297,11 @@
 </file>
 
 <file path=ppt/slideLayouts/slideLayout19.xml><?xml version="1.0" encoding="utf-8"?>
-<p:sldLayout xmlns:a="http://schemas.openxmlformats.org/drawingml/2006/main" xmlns:r="http://schemas.openxmlformats.org/officeDocument/2006/relationships" xmlns:mc="http://schemas.openxmlformats.org/markup-compatibility/2006" xmlns:mv="urn:schemas-microsoft-com:mac:vml" xmlns:p="http://schemas.openxmlformats.org/presentationml/2006/main" xmlns:c="http://schemas.openxmlformats.org/drawingml/2006/chart" xmlns:dgm="http://schemas.openxmlformats.org/drawingml/2006/diagram" xmlns:o="urn:schemas-microsoft-com:office:office" xmlns:v="urn:schemas-microsoft-com:vml" xmlns:pvml="urn:schemas-microsoft-com:office:powerpoint" xmlns:com="http://schemas.openxmlformats.org/drawingml/2006/compatibility" xmlns:p14="http://schemas.microsoft.com/office/powerpoint/2010/main">
+<p:sldLayout xmlns:a="http://schemas.openxmlformats.org/drawingml/2006/main" xmlns:r="http://schemas.openxmlformats.org/officeDocument/2006/relationships" xmlns:p="http://schemas.openxmlformats.org/presentationml/2006/main">
   <p:cSld name="Section title and description">
     <p:spTree>
       <p:nvGrpSpPr>
-        <p:cNvPr id="104" name="Shape 104"/>
+        <p:cNvPr id="1" name="Shape 104"/>
         <p:cNvGrpSpPr/>
         <p:nvPr/>
       </p:nvGrpSpPr>
@@ -4122,7 +4335,7 @@
           </a:ln>
         </p:spPr>
         <p:txBody>
-          <a:bodyPr anchorCtr="0" anchor="ctr" bIns="91425" lIns="91425" rIns="91425" tIns="91425">
+          <a:bodyPr lIns="91425" tIns="91425" rIns="91425" bIns="91425" anchor="ctr" anchorCtr="0">
             <a:noAutofit/>
           </a:bodyPr>
           <a:lstStyle/>
@@ -4133,9 +4346,6 @@
               </a:spcBef>
               <a:buNone/>
             </a:pPr>
-            <a:r>
-              <a:t/>
-            </a:r>
             <a:endParaRPr/>
           </a:p>
         </p:txBody>
@@ -4155,21 +4365,23 @@
             <a:avLst/>
           </a:prstGeom>
           <a:noFill/>
-          <a:ln cap="flat" cmpd="sng" w="19050">
+          <a:ln w="19050" cap="flat" cmpd="sng">
             <a:solidFill>
               <a:schemeClr val="lt1"/>
             </a:solidFill>
             <a:prstDash val="solid"/>
             <a:round/>
-            <a:headEnd len="med" w="med" type="none"/>
-            <a:tailEnd len="med" w="med" type="none"/>
+            <a:headEnd type="none" w="med" len="med"/>
+            <a:tailEnd type="none" w="med" len="med"/>
           </a:ln>
         </p:spPr>
       </p:cxnSp>
       <p:sp>
         <p:nvSpPr>
           <p:cNvPr id="107" name="Shape 107"/>
-          <p:cNvSpPr txBox="1"/>
+          <p:cNvSpPr txBox="1">
+            <a:spLocks noGrp="1"/>
+          </p:cNvSpPr>
           <p:nvPr>
             <p:ph type="title"/>
           </p:nvPr>
@@ -4184,65 +4396,65 @@
           </a:prstGeom>
         </p:spPr>
         <p:txBody>
-          <a:bodyPr anchorCtr="0" anchor="b" bIns="91425" lIns="91425" rIns="91425" tIns="91425"/>
+          <a:bodyPr lIns="91425" tIns="91425" rIns="91425" bIns="91425" anchor="b" anchorCtr="0"/>
           <a:lstStyle>
-            <a:lvl1pPr lvl="0" rtl="0" algn="ctr">
+            <a:lvl1pPr lvl="0" algn="ctr" rtl="0">
               <a:spcBef>
                 <a:spcPts val="0"/>
               </a:spcBef>
               <a:buSzPct val="100000"/>
               <a:defRPr sz="4200"/>
             </a:lvl1pPr>
-            <a:lvl2pPr lvl="1" rtl="0" algn="ctr">
+            <a:lvl2pPr lvl="1" algn="ctr" rtl="0">
               <a:spcBef>
                 <a:spcPts val="0"/>
               </a:spcBef>
               <a:buSzPct val="100000"/>
               <a:defRPr sz="4200"/>
             </a:lvl2pPr>
-            <a:lvl3pPr lvl="2" rtl="0" algn="ctr">
+            <a:lvl3pPr lvl="2" algn="ctr" rtl="0">
               <a:spcBef>
                 <a:spcPts val="0"/>
               </a:spcBef>
               <a:buSzPct val="100000"/>
               <a:defRPr sz="4200"/>
             </a:lvl3pPr>
-            <a:lvl4pPr lvl="3" rtl="0" algn="ctr">
+            <a:lvl4pPr lvl="3" algn="ctr" rtl="0">
               <a:spcBef>
                 <a:spcPts val="0"/>
               </a:spcBef>
               <a:buSzPct val="100000"/>
               <a:defRPr sz="4200"/>
             </a:lvl4pPr>
-            <a:lvl5pPr lvl="4" rtl="0" algn="ctr">
+            <a:lvl5pPr lvl="4" algn="ctr" rtl="0">
               <a:spcBef>
                 <a:spcPts val="0"/>
               </a:spcBef>
               <a:buSzPct val="100000"/>
               <a:defRPr sz="4200"/>
             </a:lvl5pPr>
-            <a:lvl6pPr lvl="5" rtl="0" algn="ctr">
+            <a:lvl6pPr lvl="5" algn="ctr" rtl="0">
               <a:spcBef>
                 <a:spcPts val="0"/>
               </a:spcBef>
               <a:buSzPct val="100000"/>
               <a:defRPr sz="4200"/>
             </a:lvl6pPr>
-            <a:lvl7pPr lvl="6" rtl="0" algn="ctr">
+            <a:lvl7pPr lvl="6" algn="ctr" rtl="0">
               <a:spcBef>
                 <a:spcPts val="0"/>
               </a:spcBef>
               <a:buSzPct val="100000"/>
               <a:defRPr sz="4200"/>
             </a:lvl7pPr>
-            <a:lvl8pPr lvl="7" rtl="0" algn="ctr">
+            <a:lvl8pPr lvl="7" algn="ctr" rtl="0">
               <a:spcBef>
                 <a:spcPts val="0"/>
               </a:spcBef>
               <a:buSzPct val="100000"/>
               <a:defRPr sz="4200"/>
             </a:lvl8pPr>
-            <a:lvl9pPr lvl="8" rtl="0" algn="ctr">
+            <a:lvl9pPr lvl="8" algn="ctr" rtl="0">
               <a:spcBef>
                 <a:spcPts val="0"/>
               </a:spcBef>
@@ -4250,15 +4462,19 @@
               <a:defRPr sz="4200"/>
             </a:lvl9pPr>
           </a:lstStyle>
-          <a:p/>
+          <a:p>
+            <a:endParaRPr/>
+          </a:p>
         </p:txBody>
       </p:sp>
       <p:sp>
         <p:nvSpPr>
           <p:cNvPr id="108" name="Shape 108"/>
-          <p:cNvSpPr txBox="1"/>
+          <p:cNvSpPr txBox="1">
+            <a:spLocks noGrp="1"/>
+          </p:cNvSpPr>
           <p:nvPr>
-            <p:ph idx="1" type="subTitle"/>
+            <p:ph type="subTitle" idx="1"/>
           </p:nvPr>
         </p:nvSpPr>
         <p:spPr>
@@ -4271,9 +4487,9 @@
           </a:prstGeom>
         </p:spPr>
         <p:txBody>
-          <a:bodyPr anchorCtr="0" anchor="t" bIns="91425" lIns="91425" rIns="91425" tIns="91425"/>
+          <a:bodyPr lIns="91425" tIns="91425" rIns="91425" bIns="91425" anchor="t" anchorCtr="0"/>
           <a:lstStyle>
-            <a:lvl1pPr lvl="0" rtl="0" algn="ctr">
+            <a:lvl1pPr lvl="0" algn="ctr" rtl="0">
               <a:lnSpc>
                 <a:spcPct val="100000"/>
               </a:lnSpc>
@@ -4287,7 +4503,7 @@
               <a:buNone/>
               <a:defRPr sz="2100"/>
             </a:lvl1pPr>
-            <a:lvl2pPr lvl="1" rtl="0" algn="ctr">
+            <a:lvl2pPr lvl="1" algn="ctr" rtl="0">
               <a:lnSpc>
                 <a:spcPct val="100000"/>
               </a:lnSpc>
@@ -4301,7 +4517,7 @@
               <a:buNone/>
               <a:defRPr sz="2100"/>
             </a:lvl2pPr>
-            <a:lvl3pPr lvl="2" rtl="0" algn="ctr">
+            <a:lvl3pPr lvl="2" algn="ctr" rtl="0">
               <a:lnSpc>
                 <a:spcPct val="100000"/>
               </a:lnSpc>
@@ -4315,7 +4531,7 @@
               <a:buNone/>
               <a:defRPr sz="2100"/>
             </a:lvl3pPr>
-            <a:lvl4pPr lvl="3" rtl="0" algn="ctr">
+            <a:lvl4pPr lvl="3" algn="ctr" rtl="0">
               <a:lnSpc>
                 <a:spcPct val="100000"/>
               </a:lnSpc>
@@ -4329,7 +4545,7 @@
               <a:buNone/>
               <a:defRPr sz="2100"/>
             </a:lvl4pPr>
-            <a:lvl5pPr lvl="4" rtl="0" algn="ctr">
+            <a:lvl5pPr lvl="4" algn="ctr" rtl="0">
               <a:lnSpc>
                 <a:spcPct val="100000"/>
               </a:lnSpc>
@@ -4343,7 +4559,7 @@
               <a:buNone/>
               <a:defRPr sz="2100"/>
             </a:lvl5pPr>
-            <a:lvl6pPr lvl="5" rtl="0" algn="ctr">
+            <a:lvl6pPr lvl="5" algn="ctr" rtl="0">
               <a:lnSpc>
                 <a:spcPct val="100000"/>
               </a:lnSpc>
@@ -4357,7 +4573,7 @@
               <a:buNone/>
               <a:defRPr sz="2100"/>
             </a:lvl6pPr>
-            <a:lvl7pPr lvl="6" rtl="0" algn="ctr">
+            <a:lvl7pPr lvl="6" algn="ctr" rtl="0">
               <a:lnSpc>
                 <a:spcPct val="100000"/>
               </a:lnSpc>
@@ -4371,7 +4587,7 @@
               <a:buNone/>
               <a:defRPr sz="2100"/>
             </a:lvl7pPr>
-            <a:lvl8pPr lvl="7" rtl="0" algn="ctr">
+            <a:lvl8pPr lvl="7" algn="ctr" rtl="0">
               <a:lnSpc>
                 <a:spcPct val="100000"/>
               </a:lnSpc>
@@ -4385,7 +4601,7 @@
               <a:buNone/>
               <a:defRPr sz="2100"/>
             </a:lvl8pPr>
-            <a:lvl9pPr lvl="8" rtl="0" algn="ctr">
+            <a:lvl9pPr lvl="8" algn="ctr" rtl="0">
               <a:lnSpc>
                 <a:spcPct val="100000"/>
               </a:lnSpc>
@@ -4400,15 +4616,19 @@
               <a:defRPr sz="2100"/>
             </a:lvl9pPr>
           </a:lstStyle>
-          <a:p/>
+          <a:p>
+            <a:endParaRPr/>
+          </a:p>
         </p:txBody>
       </p:sp>
       <p:sp>
         <p:nvSpPr>
           <p:cNvPr id="109" name="Shape 109"/>
-          <p:cNvSpPr txBox="1"/>
+          <p:cNvSpPr txBox="1">
+            <a:spLocks noGrp="1"/>
+          </p:cNvSpPr>
           <p:nvPr>
-            <p:ph idx="2" type="body"/>
+            <p:ph type="body" idx="2"/>
           </p:nvPr>
         </p:nvSpPr>
         <p:spPr>
@@ -4421,7 +4641,7 @@
           </a:prstGeom>
         </p:spPr>
         <p:txBody>
-          <a:bodyPr anchorCtr="0" anchor="ctr" bIns="91425" lIns="91425" rIns="91425" tIns="91425"/>
+          <a:bodyPr lIns="91425" tIns="91425" rIns="91425" bIns="91425" anchor="ctr" anchorCtr="0"/>
           <a:lstStyle>
             <a:lvl1pPr lvl="0" rtl="0">
               <a:spcBef>
@@ -4541,15 +4761,19 @@
               </a:defRPr>
             </a:lvl9pPr>
           </a:lstStyle>
-          <a:p/>
+          <a:p>
+            <a:endParaRPr/>
+          </a:p>
         </p:txBody>
       </p:sp>
       <p:sp>
         <p:nvSpPr>
           <p:cNvPr id="110" name="Shape 110"/>
-          <p:cNvSpPr txBox="1"/>
+          <p:cNvSpPr txBox="1">
+            <a:spLocks noGrp="1"/>
+          </p:cNvSpPr>
           <p:nvPr>
-            <p:ph idx="12" type="sldNum"/>
+            <p:ph type="sldNum" idx="12"/>
           </p:nvPr>
         </p:nvSpPr>
         <p:spPr>
@@ -4562,7 +4786,7 @@
           </a:prstGeom>
         </p:spPr>
         <p:txBody>
-          <a:bodyPr anchorCtr="0" anchor="ctr" bIns="91425" lIns="91425" rIns="91425" tIns="91425">
+          <a:bodyPr lIns="91425" tIns="91425" rIns="91425" bIns="91425" anchor="ctr" anchorCtr="0">
             <a:noAutofit/>
           </a:bodyPr>
           <a:lstStyle/>
@@ -4577,6 +4801,7 @@
               <a:rPr lang="en"/>
               <a:t>‹#›</a:t>
             </a:fld>
+            <a:endParaRPr lang="en"/>
           </a:p>
         </p:txBody>
       </p:sp>
@@ -4589,11 +4814,11 @@
 </file>
 
 <file path=ppt/slideLayouts/slideLayout2.xml><?xml version="1.0" encoding="utf-8"?>
-<p:sldLayout xmlns:a="http://schemas.openxmlformats.org/drawingml/2006/main" xmlns:r="http://schemas.openxmlformats.org/officeDocument/2006/relationships" xmlns:mc="http://schemas.openxmlformats.org/markup-compatibility/2006" xmlns:mv="urn:schemas-microsoft-com:mac:vml" xmlns:p="http://schemas.openxmlformats.org/presentationml/2006/main" xmlns:c="http://schemas.openxmlformats.org/drawingml/2006/chart" xmlns:dgm="http://schemas.openxmlformats.org/drawingml/2006/diagram" xmlns:o="urn:schemas-microsoft-com:office:office" xmlns:v="urn:schemas-microsoft-com:vml" xmlns:pvml="urn:schemas-microsoft-com:office:powerpoint" xmlns:com="http://schemas.openxmlformats.org/drawingml/2006/compatibility" xmlns:p14="http://schemas.microsoft.com/office/powerpoint/2010/main" type="secHead">
+<p:sldLayout xmlns:a="http://schemas.openxmlformats.org/drawingml/2006/main" xmlns:r="http://schemas.openxmlformats.org/officeDocument/2006/relationships" xmlns:p="http://schemas.openxmlformats.org/presentationml/2006/main" type="secHead">
   <p:cSld name="Section header">
     <p:spTree>
       <p:nvGrpSpPr>
-        <p:cNvPr id="13" name="Shape 13"/>
+        <p:cNvPr id="1" name="Shape 13"/>
         <p:cNvGrpSpPr/>
         <p:nvPr/>
       </p:nvGrpSpPr>
@@ -4608,7 +4833,9 @@
       <p:sp>
         <p:nvSpPr>
           <p:cNvPr id="14" name="Shape 14"/>
-          <p:cNvSpPr txBox="1"/>
+          <p:cNvSpPr txBox="1">
+            <a:spLocks noGrp="1"/>
+          </p:cNvSpPr>
           <p:nvPr>
             <p:ph type="title"/>
           </p:nvPr>
@@ -4623,7 +4850,7 @@
           </a:prstGeom>
         </p:spPr>
         <p:txBody>
-          <a:bodyPr anchorCtr="0" anchor="ctr" bIns="91425" lIns="91425" rIns="91425" tIns="91425"/>
+          <a:bodyPr lIns="91425" tIns="91425" rIns="91425" bIns="91425" anchor="ctr" anchorCtr="0"/>
           <a:lstStyle>
             <a:lvl1pPr lvl="0" algn="ctr">
               <a:spcBef>
@@ -4689,15 +4916,19 @@
               <a:defRPr sz="3600"/>
             </a:lvl9pPr>
           </a:lstStyle>
-          <a:p/>
+          <a:p>
+            <a:endParaRPr/>
+          </a:p>
         </p:txBody>
       </p:sp>
       <p:sp>
         <p:nvSpPr>
           <p:cNvPr id="15" name="Shape 15"/>
-          <p:cNvSpPr txBox="1"/>
+          <p:cNvSpPr txBox="1">
+            <a:spLocks noGrp="1"/>
+          </p:cNvSpPr>
           <p:nvPr>
-            <p:ph idx="12" type="sldNum"/>
+            <p:ph type="sldNum" idx="12"/>
           </p:nvPr>
         </p:nvSpPr>
         <p:spPr>
@@ -4710,7 +4941,7 @@
           </a:prstGeom>
         </p:spPr>
         <p:txBody>
-          <a:bodyPr anchorCtr="0" anchor="ctr" bIns="91425" lIns="91425" rIns="91425" tIns="91425">
+          <a:bodyPr lIns="91425" tIns="91425" rIns="91425" bIns="91425" anchor="ctr" anchorCtr="0">
             <a:noAutofit/>
           </a:bodyPr>
           <a:lstStyle/>
@@ -4725,6 +4956,7 @@
               <a:rPr lang="en"/>
               <a:t>‹#›</a:t>
             </a:fld>
+            <a:endParaRPr lang="en"/>
           </a:p>
         </p:txBody>
       </p:sp>
@@ -4737,11 +4969,11 @@
 </file>
 
 <file path=ppt/slideLayouts/slideLayout20.xml><?xml version="1.0" encoding="utf-8"?>
-<p:sldLayout xmlns:a="http://schemas.openxmlformats.org/drawingml/2006/main" xmlns:r="http://schemas.openxmlformats.org/officeDocument/2006/relationships" xmlns:mc="http://schemas.openxmlformats.org/markup-compatibility/2006" xmlns:mv="urn:schemas-microsoft-com:mac:vml" xmlns:p="http://schemas.openxmlformats.org/presentationml/2006/main" xmlns:c="http://schemas.openxmlformats.org/drawingml/2006/chart" xmlns:dgm="http://schemas.openxmlformats.org/drawingml/2006/diagram" xmlns:o="urn:schemas-microsoft-com:office:office" xmlns:v="urn:schemas-microsoft-com:vml" xmlns:pvml="urn:schemas-microsoft-com:office:powerpoint" xmlns:com="http://schemas.openxmlformats.org/drawingml/2006/compatibility" xmlns:p14="http://schemas.microsoft.com/office/powerpoint/2010/main">
+<p:sldLayout xmlns:a="http://schemas.openxmlformats.org/drawingml/2006/main" xmlns:r="http://schemas.openxmlformats.org/officeDocument/2006/relationships" xmlns:p="http://schemas.openxmlformats.org/presentationml/2006/main">
   <p:cSld name="Caption">
     <p:spTree>
       <p:nvGrpSpPr>
-        <p:cNvPr id="111" name="Shape 111"/>
+        <p:cNvPr id="1" name="Shape 111"/>
         <p:cNvGrpSpPr/>
         <p:nvPr/>
       </p:nvGrpSpPr>
@@ -4756,9 +4988,11 @@
       <p:sp>
         <p:nvSpPr>
           <p:cNvPr id="112" name="Shape 112"/>
-          <p:cNvSpPr txBox="1"/>
+          <p:cNvSpPr txBox="1">
+            <a:spLocks noGrp="1"/>
+          </p:cNvSpPr>
           <p:nvPr>
-            <p:ph idx="1" type="body"/>
+            <p:ph type="body" idx="1"/>
           </p:nvPr>
         </p:nvSpPr>
         <p:spPr>
@@ -4771,7 +5005,7 @@
           </a:prstGeom>
         </p:spPr>
         <p:txBody>
-          <a:bodyPr anchorCtr="0" anchor="ctr" bIns="91425" lIns="91425" rIns="91425" tIns="91425"/>
+          <a:bodyPr lIns="91425" tIns="91425" rIns="91425" bIns="91425" anchor="ctr" anchorCtr="0"/>
           <a:lstStyle>
             <a:lvl1pPr lvl="0" rtl="0">
               <a:lnSpc>
@@ -4787,15 +5021,19 @@
               <a:defRPr/>
             </a:lvl1pPr>
           </a:lstStyle>
-          <a:p/>
+          <a:p>
+            <a:endParaRPr/>
+          </a:p>
         </p:txBody>
       </p:sp>
       <p:sp>
         <p:nvSpPr>
           <p:cNvPr id="113" name="Shape 113"/>
-          <p:cNvSpPr txBox="1"/>
+          <p:cNvSpPr txBox="1">
+            <a:spLocks noGrp="1"/>
+          </p:cNvSpPr>
           <p:nvPr>
-            <p:ph idx="12" type="sldNum"/>
+            <p:ph type="sldNum" idx="12"/>
           </p:nvPr>
         </p:nvSpPr>
         <p:spPr>
@@ -4808,7 +5046,7 @@
           </a:prstGeom>
         </p:spPr>
         <p:txBody>
-          <a:bodyPr anchorCtr="0" anchor="ctr" bIns="91425" lIns="91425" rIns="91425" tIns="91425">
+          <a:bodyPr lIns="91425" tIns="91425" rIns="91425" bIns="91425" anchor="ctr" anchorCtr="0">
             <a:noAutofit/>
           </a:bodyPr>
           <a:lstStyle/>
@@ -4827,6 +5065,11 @@
               </a:rPr>
               <a:t>‹#›</a:t>
             </a:fld>
+            <a:endParaRPr lang="en">
+              <a:solidFill>
+                <a:schemeClr val="dk2"/>
+              </a:solidFill>
+            </a:endParaRPr>
           </a:p>
         </p:txBody>
       </p:sp>
@@ -4839,18 +5082,19 @@
 </file>
 
 <file path=ppt/slideLayouts/slideLayout21.xml><?xml version="1.0" encoding="utf-8"?>
-<p:sldLayout xmlns:a="http://schemas.openxmlformats.org/drawingml/2006/main" xmlns:r="http://schemas.openxmlformats.org/officeDocument/2006/relationships" xmlns:mc="http://schemas.openxmlformats.org/markup-compatibility/2006" xmlns:mv="urn:schemas-microsoft-com:mac:vml" xmlns:p="http://schemas.openxmlformats.org/presentationml/2006/main" xmlns:c="http://schemas.openxmlformats.org/drawingml/2006/chart" xmlns:dgm="http://schemas.openxmlformats.org/drawingml/2006/diagram" xmlns:o="urn:schemas-microsoft-com:office:office" xmlns:v="urn:schemas-microsoft-com:vml" xmlns:pvml="urn:schemas-microsoft-com:office:powerpoint" xmlns:com="http://schemas.openxmlformats.org/drawingml/2006/compatibility" xmlns:p14="http://schemas.microsoft.com/office/powerpoint/2010/main">
+<p:sldLayout xmlns:a="http://schemas.openxmlformats.org/drawingml/2006/main" xmlns:r="http://schemas.openxmlformats.org/officeDocument/2006/relationships" xmlns:p="http://schemas.openxmlformats.org/presentationml/2006/main">
   <p:cSld name="Big number">
     <p:bg>
       <p:bgPr>
         <a:solidFill>
           <a:schemeClr val="dk1"/>
         </a:solidFill>
+        <a:effectLst/>
       </p:bgPr>
     </p:bg>
     <p:spTree>
       <p:nvGrpSpPr>
-        <p:cNvPr id="114" name="Shape 114"/>
+        <p:cNvPr id="1" name="Shape 114"/>
         <p:cNvGrpSpPr/>
         <p:nvPr/>
       </p:nvGrpSpPr>
@@ -4898,7 +5142,7 @@
             </a:ln>
           </p:spPr>
           <p:txBody>
-            <a:bodyPr anchorCtr="0" anchor="ctr" bIns="91425" lIns="91425" rIns="91425" tIns="91425">
+            <a:bodyPr lIns="91425" tIns="91425" rIns="91425" bIns="91425" anchor="ctr" anchorCtr="0">
               <a:noAutofit/>
             </a:bodyPr>
             <a:lstStyle/>
@@ -4909,9 +5153,6 @@
                 </a:spcBef>
                 <a:buNone/>
               </a:pPr>
-              <a:r>
-                <a:t/>
-              </a:r>
               <a:endParaRPr/>
             </a:p>
           </p:txBody>
@@ -4938,7 +5179,7 @@
             </a:ln>
           </p:spPr>
           <p:txBody>
-            <a:bodyPr anchorCtr="0" anchor="ctr" bIns="91425" lIns="91425" rIns="91425" tIns="91425">
+            <a:bodyPr lIns="91425" tIns="91425" rIns="91425" bIns="91425" anchor="ctr" anchorCtr="0">
               <a:noAutofit/>
             </a:bodyPr>
             <a:lstStyle/>
@@ -4949,9 +5190,6 @@
                 </a:spcBef>
                 <a:buNone/>
               </a:pPr>
-              <a:r>
-                <a:t/>
-              </a:r>
               <a:endParaRPr/>
             </a:p>
           </p:txBody>
@@ -4963,7 +5201,7 @@
             <p:nvPr/>
           </p:nvSpPr>
           <p:spPr>
-            <a:xfrm flipH="1" rot="10800000">
+            <a:xfrm rot="10800000" flipH="1">
               <a:off x="7113588" y="106"/>
               <a:ext cx="1015200" cy="1015200"/>
             </a:xfrm>
@@ -4978,7 +5216,7 @@
             </a:ln>
           </p:spPr>
           <p:txBody>
-            <a:bodyPr anchorCtr="0" anchor="ctr" bIns="91425" lIns="91425" rIns="91425" tIns="91425">
+            <a:bodyPr lIns="91425" tIns="91425" rIns="91425" bIns="91425" anchor="ctr" anchorCtr="0">
               <a:noAutofit/>
             </a:bodyPr>
             <a:lstStyle/>
@@ -4989,9 +5227,6 @@
                 </a:spcBef>
                 <a:buNone/>
               </a:pPr>
-              <a:r>
-                <a:t/>
-              </a:r>
               <a:endParaRPr/>
             </a:p>
           </p:txBody>
@@ -5018,7 +5253,7 @@
             </a:ln>
           </p:spPr>
           <p:txBody>
-            <a:bodyPr anchorCtr="0" anchor="ctr" bIns="91425" lIns="91425" rIns="91425" tIns="91425">
+            <a:bodyPr lIns="91425" tIns="91425" rIns="91425" bIns="91425" anchor="ctr" anchorCtr="0">
               <a:noAutofit/>
             </a:bodyPr>
             <a:lstStyle/>
@@ -5029,9 +5264,6 @@
                 </a:spcBef>
                 <a:buNone/>
               </a:pPr>
-              <a:r>
-                <a:t/>
-              </a:r>
               <a:endParaRPr/>
             </a:p>
           </p:txBody>
@@ -5058,7 +5290,7 @@
             </a:ln>
           </p:spPr>
           <p:txBody>
-            <a:bodyPr anchorCtr="0" anchor="ctr" bIns="91425" lIns="91425" rIns="91425" tIns="91425">
+            <a:bodyPr lIns="91425" tIns="91425" rIns="91425" bIns="91425" anchor="ctr" anchorCtr="0">
               <a:noAutofit/>
             </a:bodyPr>
             <a:lstStyle/>
@@ -5069,9 +5301,6 @@
                 </a:spcBef>
                 <a:buNone/>
               </a:pPr>
-              <a:r>
-                <a:t/>
-              </a:r>
               <a:endParaRPr/>
             </a:p>
           </p:txBody>
@@ -5080,7 +5309,9 @@
       <p:sp>
         <p:nvSpPr>
           <p:cNvPr id="121" name="Shape 121"/>
-          <p:cNvSpPr txBox="1"/>
+          <p:cNvSpPr txBox="1">
+            <a:spLocks noGrp="1"/>
+          </p:cNvSpPr>
           <p:nvPr>
             <p:ph type="title"/>
           </p:nvPr>
@@ -5095,9 +5326,9 @@
           </a:prstGeom>
         </p:spPr>
         <p:txBody>
-          <a:bodyPr anchorCtr="0" anchor="b" bIns="91425" lIns="91425" rIns="91425" tIns="91425"/>
+          <a:bodyPr lIns="91425" tIns="91425" rIns="91425" bIns="91425" anchor="b" anchorCtr="0"/>
           <a:lstStyle>
-            <a:lvl1pPr lvl="0" rtl="0" algn="ctr">
+            <a:lvl1pPr lvl="0" algn="ctr" rtl="0">
               <a:spcBef>
                 <a:spcPts val="0"/>
               </a:spcBef>
@@ -5111,7 +5342,7 @@
                 </a:solidFill>
               </a:defRPr>
             </a:lvl1pPr>
-            <a:lvl2pPr lvl="1" rtl="0" algn="ctr">
+            <a:lvl2pPr lvl="1" algn="ctr" rtl="0">
               <a:spcBef>
                 <a:spcPts val="0"/>
               </a:spcBef>
@@ -5125,7 +5356,7 @@
                 </a:solidFill>
               </a:defRPr>
             </a:lvl2pPr>
-            <a:lvl3pPr lvl="2" rtl="0" algn="ctr">
+            <a:lvl3pPr lvl="2" algn="ctr" rtl="0">
               <a:spcBef>
                 <a:spcPts val="0"/>
               </a:spcBef>
@@ -5139,7 +5370,7 @@
                 </a:solidFill>
               </a:defRPr>
             </a:lvl3pPr>
-            <a:lvl4pPr lvl="3" rtl="0" algn="ctr">
+            <a:lvl4pPr lvl="3" algn="ctr" rtl="0">
               <a:spcBef>
                 <a:spcPts val="0"/>
               </a:spcBef>
@@ -5153,7 +5384,7 @@
                 </a:solidFill>
               </a:defRPr>
             </a:lvl4pPr>
-            <a:lvl5pPr lvl="4" rtl="0" algn="ctr">
+            <a:lvl5pPr lvl="4" algn="ctr" rtl="0">
               <a:spcBef>
                 <a:spcPts val="0"/>
               </a:spcBef>
@@ -5167,7 +5398,7 @@
                 </a:solidFill>
               </a:defRPr>
             </a:lvl5pPr>
-            <a:lvl6pPr lvl="5" rtl="0" algn="ctr">
+            <a:lvl6pPr lvl="5" algn="ctr" rtl="0">
               <a:spcBef>
                 <a:spcPts val="0"/>
               </a:spcBef>
@@ -5181,7 +5412,7 @@
                 </a:solidFill>
               </a:defRPr>
             </a:lvl6pPr>
-            <a:lvl7pPr lvl="6" rtl="0" algn="ctr">
+            <a:lvl7pPr lvl="6" algn="ctr" rtl="0">
               <a:spcBef>
                 <a:spcPts val="0"/>
               </a:spcBef>
@@ -5195,7 +5426,7 @@
                 </a:solidFill>
               </a:defRPr>
             </a:lvl7pPr>
-            <a:lvl8pPr lvl="7" rtl="0" algn="ctr">
+            <a:lvl8pPr lvl="7" algn="ctr" rtl="0">
               <a:spcBef>
                 <a:spcPts val="0"/>
               </a:spcBef>
@@ -5209,7 +5440,7 @@
                 </a:solidFill>
               </a:defRPr>
             </a:lvl8pPr>
-            <a:lvl9pPr lvl="8" rtl="0" algn="ctr">
+            <a:lvl9pPr lvl="8" algn="ctr" rtl="0">
               <a:spcBef>
                 <a:spcPts val="0"/>
               </a:spcBef>
@@ -5224,15 +5455,19 @@
               </a:defRPr>
             </a:lvl9pPr>
           </a:lstStyle>
-          <a:p/>
+          <a:p>
+            <a:endParaRPr/>
+          </a:p>
         </p:txBody>
       </p:sp>
       <p:sp>
         <p:nvSpPr>
           <p:cNvPr id="122" name="Shape 122"/>
-          <p:cNvSpPr txBox="1"/>
+          <p:cNvSpPr txBox="1">
+            <a:spLocks noGrp="1"/>
+          </p:cNvSpPr>
           <p:nvPr>
-            <p:ph idx="1" type="body"/>
+            <p:ph type="body" idx="1"/>
           </p:nvPr>
         </p:nvSpPr>
         <p:spPr>
@@ -5245,9 +5480,9 @@
           </a:prstGeom>
         </p:spPr>
         <p:txBody>
-          <a:bodyPr anchorCtr="0" anchor="t" bIns="91425" lIns="91425" rIns="91425" tIns="91425"/>
+          <a:bodyPr lIns="91425" tIns="91425" rIns="91425" bIns="91425" anchor="t" anchorCtr="0"/>
           <a:lstStyle>
-            <a:lvl1pPr lvl="0" rtl="0" algn="ctr">
+            <a:lvl1pPr lvl="0" algn="ctr" rtl="0">
               <a:spcBef>
                 <a:spcPts val="0"/>
               </a:spcBef>
@@ -5260,7 +5495,7 @@
                 </a:solidFill>
               </a:defRPr>
             </a:lvl1pPr>
-            <a:lvl2pPr lvl="1" rtl="0" algn="ctr">
+            <a:lvl2pPr lvl="1" algn="ctr" rtl="0">
               <a:spcBef>
                 <a:spcPts val="0"/>
               </a:spcBef>
@@ -5273,7 +5508,7 @@
                 </a:solidFill>
               </a:defRPr>
             </a:lvl2pPr>
-            <a:lvl3pPr lvl="2" rtl="0" algn="ctr">
+            <a:lvl3pPr lvl="2" algn="ctr" rtl="0">
               <a:spcBef>
                 <a:spcPts val="0"/>
               </a:spcBef>
@@ -5286,7 +5521,7 @@
                 </a:solidFill>
               </a:defRPr>
             </a:lvl3pPr>
-            <a:lvl4pPr lvl="3" rtl="0" algn="ctr">
+            <a:lvl4pPr lvl="3" algn="ctr" rtl="0">
               <a:spcBef>
                 <a:spcPts val="0"/>
               </a:spcBef>
@@ -5299,7 +5534,7 @@
                 </a:solidFill>
               </a:defRPr>
             </a:lvl4pPr>
-            <a:lvl5pPr lvl="4" rtl="0" algn="ctr">
+            <a:lvl5pPr lvl="4" algn="ctr" rtl="0">
               <a:spcBef>
                 <a:spcPts val="0"/>
               </a:spcBef>
@@ -5312,7 +5547,7 @@
                 </a:solidFill>
               </a:defRPr>
             </a:lvl5pPr>
-            <a:lvl6pPr lvl="5" rtl="0" algn="ctr">
+            <a:lvl6pPr lvl="5" algn="ctr" rtl="0">
               <a:spcBef>
                 <a:spcPts val="0"/>
               </a:spcBef>
@@ -5325,7 +5560,7 @@
                 </a:solidFill>
               </a:defRPr>
             </a:lvl6pPr>
-            <a:lvl7pPr lvl="6" rtl="0" algn="ctr">
+            <a:lvl7pPr lvl="6" algn="ctr" rtl="0">
               <a:spcBef>
                 <a:spcPts val="0"/>
               </a:spcBef>
@@ -5338,7 +5573,7 @@
                 </a:solidFill>
               </a:defRPr>
             </a:lvl7pPr>
-            <a:lvl8pPr lvl="7" rtl="0" algn="ctr">
+            <a:lvl8pPr lvl="7" algn="ctr" rtl="0">
               <a:spcBef>
                 <a:spcPts val="0"/>
               </a:spcBef>
@@ -5351,7 +5586,7 @@
                 </a:solidFill>
               </a:defRPr>
             </a:lvl8pPr>
-            <a:lvl9pPr lvl="8" rtl="0" algn="ctr">
+            <a:lvl9pPr lvl="8" algn="ctr" rtl="0">
               <a:spcBef>
                 <a:spcPts val="0"/>
               </a:spcBef>
@@ -5365,15 +5600,19 @@
               </a:defRPr>
             </a:lvl9pPr>
           </a:lstStyle>
-          <a:p/>
+          <a:p>
+            <a:endParaRPr/>
+          </a:p>
         </p:txBody>
       </p:sp>
       <p:sp>
         <p:nvSpPr>
           <p:cNvPr id="123" name="Shape 123"/>
-          <p:cNvSpPr txBox="1"/>
+          <p:cNvSpPr txBox="1">
+            <a:spLocks noGrp="1"/>
+          </p:cNvSpPr>
           <p:nvPr>
-            <p:ph idx="12" type="sldNum"/>
+            <p:ph type="sldNum" idx="12"/>
           </p:nvPr>
         </p:nvSpPr>
         <p:spPr>
@@ -5386,7 +5625,7 @@
           </a:prstGeom>
         </p:spPr>
         <p:txBody>
-          <a:bodyPr anchorCtr="0" anchor="ctr" bIns="91425" lIns="91425" rIns="91425" tIns="91425">
+          <a:bodyPr lIns="91425" tIns="91425" rIns="91425" bIns="91425" anchor="ctr" anchorCtr="0">
             <a:noAutofit/>
           </a:bodyPr>
           <a:lstStyle/>
@@ -5401,6 +5640,7 @@
               <a:rPr lang="en"/>
               <a:t>‹#›</a:t>
             </a:fld>
+            <a:endParaRPr lang="en"/>
           </a:p>
         </p:txBody>
       </p:sp>
@@ -5413,11 +5653,11 @@
 </file>
 
 <file path=ppt/slideLayouts/slideLayout22.xml><?xml version="1.0" encoding="utf-8"?>
-<p:sldLayout xmlns:a="http://schemas.openxmlformats.org/drawingml/2006/main" xmlns:r="http://schemas.openxmlformats.org/officeDocument/2006/relationships" xmlns:mc="http://schemas.openxmlformats.org/markup-compatibility/2006" xmlns:mv="urn:schemas-microsoft-com:mac:vml" xmlns:p="http://schemas.openxmlformats.org/presentationml/2006/main" xmlns:c="http://schemas.openxmlformats.org/drawingml/2006/chart" xmlns:dgm="http://schemas.openxmlformats.org/drawingml/2006/diagram" xmlns:o="urn:schemas-microsoft-com:office:office" xmlns:v="urn:schemas-microsoft-com:vml" xmlns:pvml="urn:schemas-microsoft-com:office:powerpoint" xmlns:com="http://schemas.openxmlformats.org/drawingml/2006/compatibility" xmlns:p14="http://schemas.microsoft.com/office/powerpoint/2010/main" type="blank">
+<p:sldLayout xmlns:a="http://schemas.openxmlformats.org/drawingml/2006/main" xmlns:r="http://schemas.openxmlformats.org/officeDocument/2006/relationships" xmlns:p="http://schemas.openxmlformats.org/presentationml/2006/main" type="blank">
   <p:cSld name="Blank">
     <p:spTree>
       <p:nvGrpSpPr>
-        <p:cNvPr id="124" name="Shape 124"/>
+        <p:cNvPr id="1" name="Shape 124"/>
         <p:cNvGrpSpPr/>
         <p:nvPr/>
       </p:nvGrpSpPr>
@@ -5432,9 +5672,11 @@
       <p:sp>
         <p:nvSpPr>
           <p:cNvPr id="125" name="Shape 125"/>
-          <p:cNvSpPr txBox="1"/>
+          <p:cNvSpPr txBox="1">
+            <a:spLocks noGrp="1"/>
+          </p:cNvSpPr>
           <p:nvPr>
-            <p:ph idx="12" type="sldNum"/>
+            <p:ph type="sldNum" idx="12"/>
           </p:nvPr>
         </p:nvSpPr>
         <p:spPr>
@@ -5447,7 +5689,7 @@
           </a:prstGeom>
         </p:spPr>
         <p:txBody>
-          <a:bodyPr anchorCtr="0" anchor="ctr" bIns="91425" lIns="91425" rIns="91425" tIns="91425">
+          <a:bodyPr lIns="91425" tIns="91425" rIns="91425" bIns="91425" anchor="ctr" anchorCtr="0">
             <a:noAutofit/>
           </a:bodyPr>
           <a:lstStyle/>
@@ -5466,6 +5708,11 @@
               </a:rPr>
               <a:t>‹#›</a:t>
             </a:fld>
+            <a:endParaRPr lang="en">
+              <a:solidFill>
+                <a:schemeClr val="dk2"/>
+              </a:solidFill>
+            </a:endParaRPr>
           </a:p>
         </p:txBody>
       </p:sp>
@@ -5478,11 +5725,11 @@
 </file>
 
 <file path=ppt/slideLayouts/slideLayout3.xml><?xml version="1.0" encoding="utf-8"?>
-<p:sldLayout xmlns:a="http://schemas.openxmlformats.org/drawingml/2006/main" xmlns:r="http://schemas.openxmlformats.org/officeDocument/2006/relationships" xmlns:mc="http://schemas.openxmlformats.org/markup-compatibility/2006" xmlns:mv="urn:schemas-microsoft-com:mac:vml" xmlns:p="http://schemas.openxmlformats.org/presentationml/2006/main" xmlns:c="http://schemas.openxmlformats.org/drawingml/2006/chart" xmlns:dgm="http://schemas.openxmlformats.org/drawingml/2006/diagram" xmlns:o="urn:schemas-microsoft-com:office:office" xmlns:v="urn:schemas-microsoft-com:vml" xmlns:pvml="urn:schemas-microsoft-com:office:powerpoint" xmlns:com="http://schemas.openxmlformats.org/drawingml/2006/compatibility" xmlns:p14="http://schemas.microsoft.com/office/powerpoint/2010/main" type="tx">
+<p:sldLayout xmlns:a="http://schemas.openxmlformats.org/drawingml/2006/main" xmlns:r="http://schemas.openxmlformats.org/officeDocument/2006/relationships" xmlns:p="http://schemas.openxmlformats.org/presentationml/2006/main" type="tx">
   <p:cSld name="Title and body">
     <p:spTree>
       <p:nvGrpSpPr>
-        <p:cNvPr id="16" name="Shape 16"/>
+        <p:cNvPr id="1" name="Shape 16"/>
         <p:cNvGrpSpPr/>
         <p:nvPr/>
       </p:nvGrpSpPr>
@@ -5497,7 +5744,9 @@
       <p:sp>
         <p:nvSpPr>
           <p:cNvPr id="17" name="Shape 17"/>
-          <p:cNvSpPr txBox="1"/>
+          <p:cNvSpPr txBox="1">
+            <a:spLocks noGrp="1"/>
+          </p:cNvSpPr>
           <p:nvPr>
             <p:ph type="title"/>
           </p:nvPr>
@@ -5512,7 +5761,7 @@
           </a:prstGeom>
         </p:spPr>
         <p:txBody>
-          <a:bodyPr anchorCtr="0" anchor="t" bIns="91425" lIns="91425" rIns="91425" tIns="91425"/>
+          <a:bodyPr lIns="91425" tIns="91425" rIns="91425" bIns="91425" anchor="t" anchorCtr="0"/>
           <a:lstStyle>
             <a:lvl1pPr lvl="0">
               <a:spcBef>
@@ -5569,15 +5818,19 @@
               <a:defRPr/>
             </a:lvl9pPr>
           </a:lstStyle>
-          <a:p/>
+          <a:p>
+            <a:endParaRPr/>
+          </a:p>
         </p:txBody>
       </p:sp>
       <p:sp>
         <p:nvSpPr>
           <p:cNvPr id="18" name="Shape 18"/>
-          <p:cNvSpPr txBox="1"/>
+          <p:cNvSpPr txBox="1">
+            <a:spLocks noGrp="1"/>
+          </p:cNvSpPr>
           <p:nvPr>
-            <p:ph idx="1" type="body"/>
+            <p:ph type="body" idx="1"/>
           </p:nvPr>
         </p:nvSpPr>
         <p:spPr>
@@ -5590,7 +5843,7 @@
           </a:prstGeom>
         </p:spPr>
         <p:txBody>
-          <a:bodyPr anchorCtr="0" anchor="t" bIns="91425" lIns="91425" rIns="91425" tIns="91425"/>
+          <a:bodyPr lIns="91425" tIns="91425" rIns="91425" bIns="91425" anchor="t" anchorCtr="0"/>
           <a:lstStyle>
             <a:lvl1pPr lvl="0">
               <a:spcBef>
@@ -5647,15 +5900,19 @@
               <a:defRPr/>
             </a:lvl9pPr>
           </a:lstStyle>
-          <a:p/>
+          <a:p>
+            <a:endParaRPr/>
+          </a:p>
         </p:txBody>
       </p:sp>
       <p:sp>
         <p:nvSpPr>
           <p:cNvPr id="19" name="Shape 19"/>
-          <p:cNvSpPr txBox="1"/>
+          <p:cNvSpPr txBox="1">
+            <a:spLocks noGrp="1"/>
+          </p:cNvSpPr>
           <p:nvPr>
-            <p:ph idx="12" type="sldNum"/>
+            <p:ph type="sldNum" idx="12"/>
           </p:nvPr>
         </p:nvSpPr>
         <p:spPr>
@@ -5668,7 +5925,7 @@
           </a:prstGeom>
         </p:spPr>
         <p:txBody>
-          <a:bodyPr anchorCtr="0" anchor="ctr" bIns="91425" lIns="91425" rIns="91425" tIns="91425">
+          <a:bodyPr lIns="91425" tIns="91425" rIns="91425" bIns="91425" anchor="ctr" anchorCtr="0">
             <a:noAutofit/>
           </a:bodyPr>
           <a:lstStyle/>
@@ -5683,6 +5940,7 @@
               <a:rPr lang="en"/>
               <a:t>‹#›</a:t>
             </a:fld>
+            <a:endParaRPr lang="en"/>
           </a:p>
         </p:txBody>
       </p:sp>
@@ -5695,11 +5953,11 @@
 </file>
 
 <file path=ppt/slideLayouts/slideLayout4.xml><?xml version="1.0" encoding="utf-8"?>
-<p:sldLayout xmlns:a="http://schemas.openxmlformats.org/drawingml/2006/main" xmlns:r="http://schemas.openxmlformats.org/officeDocument/2006/relationships" xmlns:mc="http://schemas.openxmlformats.org/markup-compatibility/2006" xmlns:mv="urn:schemas-microsoft-com:mac:vml" xmlns:p="http://schemas.openxmlformats.org/presentationml/2006/main" xmlns:c="http://schemas.openxmlformats.org/drawingml/2006/chart" xmlns:dgm="http://schemas.openxmlformats.org/drawingml/2006/diagram" xmlns:o="urn:schemas-microsoft-com:office:office" xmlns:v="urn:schemas-microsoft-com:vml" xmlns:pvml="urn:schemas-microsoft-com:office:powerpoint" xmlns:com="http://schemas.openxmlformats.org/drawingml/2006/compatibility" xmlns:p14="http://schemas.microsoft.com/office/powerpoint/2010/main" type="twoColTx">
+<p:sldLayout xmlns:a="http://schemas.openxmlformats.org/drawingml/2006/main" xmlns:r="http://schemas.openxmlformats.org/officeDocument/2006/relationships" xmlns:p="http://schemas.openxmlformats.org/presentationml/2006/main" type="twoColTx">
   <p:cSld name="Title and two columns">
     <p:spTree>
       <p:nvGrpSpPr>
-        <p:cNvPr id="20" name="Shape 20"/>
+        <p:cNvPr id="1" name="Shape 20"/>
         <p:cNvGrpSpPr/>
         <p:nvPr/>
       </p:nvGrpSpPr>
@@ -5714,7 +5972,9 @@
       <p:sp>
         <p:nvSpPr>
           <p:cNvPr id="21" name="Shape 21"/>
-          <p:cNvSpPr txBox="1"/>
+          <p:cNvSpPr txBox="1">
+            <a:spLocks noGrp="1"/>
+          </p:cNvSpPr>
           <p:nvPr>
             <p:ph type="title"/>
           </p:nvPr>
@@ -5729,7 +5989,7 @@
           </a:prstGeom>
         </p:spPr>
         <p:txBody>
-          <a:bodyPr anchorCtr="0" anchor="t" bIns="91425" lIns="91425" rIns="91425" tIns="91425"/>
+          <a:bodyPr lIns="91425" tIns="91425" rIns="91425" bIns="91425" anchor="t" anchorCtr="0"/>
           <a:lstStyle>
             <a:lvl1pPr lvl="0">
               <a:spcBef>
@@ -5786,15 +6046,19 @@
               <a:defRPr/>
             </a:lvl9pPr>
           </a:lstStyle>
-          <a:p/>
+          <a:p>
+            <a:endParaRPr/>
+          </a:p>
         </p:txBody>
       </p:sp>
       <p:sp>
         <p:nvSpPr>
           <p:cNvPr id="22" name="Shape 22"/>
-          <p:cNvSpPr txBox="1"/>
+          <p:cNvSpPr txBox="1">
+            <a:spLocks noGrp="1"/>
+          </p:cNvSpPr>
           <p:nvPr>
-            <p:ph idx="1" type="body"/>
+            <p:ph type="body" idx="1"/>
           </p:nvPr>
         </p:nvSpPr>
         <p:spPr>
@@ -5807,7 +6071,7 @@
           </a:prstGeom>
         </p:spPr>
         <p:txBody>
-          <a:bodyPr anchorCtr="0" anchor="t" bIns="91425" lIns="91425" rIns="91425" tIns="91425"/>
+          <a:bodyPr lIns="91425" tIns="91425" rIns="91425" bIns="91425" anchor="t" anchorCtr="0"/>
           <a:lstStyle>
             <a:lvl1pPr lvl="0">
               <a:spcBef>
@@ -5873,15 +6137,19 @@
               <a:defRPr sz="1200"/>
             </a:lvl9pPr>
           </a:lstStyle>
-          <a:p/>
+          <a:p>
+            <a:endParaRPr/>
+          </a:p>
         </p:txBody>
       </p:sp>
       <p:sp>
         <p:nvSpPr>
           <p:cNvPr id="23" name="Shape 23"/>
-          <p:cNvSpPr txBox="1"/>
+          <p:cNvSpPr txBox="1">
+            <a:spLocks noGrp="1"/>
+          </p:cNvSpPr>
           <p:nvPr>
-            <p:ph idx="2" type="body"/>
+            <p:ph type="body" idx="2"/>
           </p:nvPr>
         </p:nvSpPr>
         <p:spPr>
@@ -5894,7 +6162,7 @@
           </a:prstGeom>
         </p:spPr>
         <p:txBody>
-          <a:bodyPr anchorCtr="0" anchor="t" bIns="91425" lIns="91425" rIns="91425" tIns="91425"/>
+          <a:bodyPr lIns="91425" tIns="91425" rIns="91425" bIns="91425" anchor="t" anchorCtr="0"/>
           <a:lstStyle>
             <a:lvl1pPr lvl="0">
               <a:spcBef>
@@ -5960,15 +6228,19 @@
               <a:defRPr sz="1200"/>
             </a:lvl9pPr>
           </a:lstStyle>
-          <a:p/>
+          <a:p>
+            <a:endParaRPr/>
+          </a:p>
         </p:txBody>
       </p:sp>
       <p:sp>
         <p:nvSpPr>
           <p:cNvPr id="24" name="Shape 24"/>
-          <p:cNvSpPr txBox="1"/>
+          <p:cNvSpPr txBox="1">
+            <a:spLocks noGrp="1"/>
+          </p:cNvSpPr>
           <p:nvPr>
-            <p:ph idx="12" type="sldNum"/>
+            <p:ph type="sldNum" idx="12"/>
           </p:nvPr>
         </p:nvSpPr>
         <p:spPr>
@@ -5981,7 +6253,7 @@
           </a:prstGeom>
         </p:spPr>
         <p:txBody>
-          <a:bodyPr anchorCtr="0" anchor="ctr" bIns="91425" lIns="91425" rIns="91425" tIns="91425">
+          <a:bodyPr lIns="91425" tIns="91425" rIns="91425" bIns="91425" anchor="ctr" anchorCtr="0">
             <a:noAutofit/>
           </a:bodyPr>
           <a:lstStyle/>
@@ -5996,6 +6268,7 @@
               <a:rPr lang="en"/>
               <a:t>‹#›</a:t>
             </a:fld>
+            <a:endParaRPr lang="en"/>
           </a:p>
         </p:txBody>
       </p:sp>
@@ -6008,11 +6281,11 @@
 </file>
 
 <file path=ppt/slideLayouts/slideLayout5.xml><?xml version="1.0" encoding="utf-8"?>
-<p:sldLayout xmlns:a="http://schemas.openxmlformats.org/drawingml/2006/main" xmlns:r="http://schemas.openxmlformats.org/officeDocument/2006/relationships" xmlns:mc="http://schemas.openxmlformats.org/markup-compatibility/2006" xmlns:mv="urn:schemas-microsoft-com:mac:vml" xmlns:p="http://schemas.openxmlformats.org/presentationml/2006/main" xmlns:c="http://schemas.openxmlformats.org/drawingml/2006/chart" xmlns:dgm="http://schemas.openxmlformats.org/drawingml/2006/diagram" xmlns:o="urn:schemas-microsoft-com:office:office" xmlns:v="urn:schemas-microsoft-com:vml" xmlns:pvml="urn:schemas-microsoft-com:office:powerpoint" xmlns:com="http://schemas.openxmlformats.org/drawingml/2006/compatibility" xmlns:p14="http://schemas.microsoft.com/office/powerpoint/2010/main" type="titleOnly">
+<p:sldLayout xmlns:a="http://schemas.openxmlformats.org/drawingml/2006/main" xmlns:r="http://schemas.openxmlformats.org/officeDocument/2006/relationships" xmlns:p="http://schemas.openxmlformats.org/presentationml/2006/main" type="titleOnly">
   <p:cSld name="Title only">
     <p:spTree>
       <p:nvGrpSpPr>
-        <p:cNvPr id="25" name="Shape 25"/>
+        <p:cNvPr id="1" name="Shape 25"/>
         <p:cNvGrpSpPr/>
         <p:nvPr/>
       </p:nvGrpSpPr>
@@ -6027,7 +6300,9 @@
       <p:sp>
         <p:nvSpPr>
           <p:cNvPr id="26" name="Shape 26"/>
-          <p:cNvSpPr txBox="1"/>
+          <p:cNvSpPr txBox="1">
+            <a:spLocks noGrp="1"/>
+          </p:cNvSpPr>
           <p:nvPr>
             <p:ph type="title"/>
           </p:nvPr>
@@ -6042,7 +6317,7 @@
           </a:prstGeom>
         </p:spPr>
         <p:txBody>
-          <a:bodyPr anchorCtr="0" anchor="t" bIns="91425" lIns="91425" rIns="91425" tIns="91425"/>
+          <a:bodyPr lIns="91425" tIns="91425" rIns="91425" bIns="91425" anchor="t" anchorCtr="0"/>
           <a:lstStyle>
             <a:lvl1pPr lvl="0">
               <a:spcBef>
@@ -6099,15 +6374,19 @@
               <a:defRPr/>
             </a:lvl9pPr>
           </a:lstStyle>
-          <a:p/>
+          <a:p>
+            <a:endParaRPr/>
+          </a:p>
         </p:txBody>
       </p:sp>
       <p:sp>
         <p:nvSpPr>
           <p:cNvPr id="27" name="Shape 27"/>
-          <p:cNvSpPr txBox="1"/>
+          <p:cNvSpPr txBox="1">
+            <a:spLocks noGrp="1"/>
+          </p:cNvSpPr>
           <p:nvPr>
-            <p:ph idx="12" type="sldNum"/>
+            <p:ph type="sldNum" idx="12"/>
           </p:nvPr>
         </p:nvSpPr>
         <p:spPr>
@@ -6120,7 +6399,7 @@
           </a:prstGeom>
         </p:spPr>
         <p:txBody>
-          <a:bodyPr anchorCtr="0" anchor="ctr" bIns="91425" lIns="91425" rIns="91425" tIns="91425">
+          <a:bodyPr lIns="91425" tIns="91425" rIns="91425" bIns="91425" anchor="ctr" anchorCtr="0">
             <a:noAutofit/>
           </a:bodyPr>
           <a:lstStyle/>
@@ -6135,6 +6414,7 @@
               <a:rPr lang="en"/>
               <a:t>‹#›</a:t>
             </a:fld>
+            <a:endParaRPr lang="en"/>
           </a:p>
         </p:txBody>
       </p:sp>
@@ -6147,11 +6427,11 @@
 </file>
 
 <file path=ppt/slideLayouts/slideLayout6.xml><?xml version="1.0" encoding="utf-8"?>
-<p:sldLayout xmlns:a="http://schemas.openxmlformats.org/drawingml/2006/main" xmlns:r="http://schemas.openxmlformats.org/officeDocument/2006/relationships" xmlns:mc="http://schemas.openxmlformats.org/markup-compatibility/2006" xmlns:mv="urn:schemas-microsoft-com:mac:vml" xmlns:p="http://schemas.openxmlformats.org/presentationml/2006/main" xmlns:c="http://schemas.openxmlformats.org/drawingml/2006/chart" xmlns:dgm="http://schemas.openxmlformats.org/drawingml/2006/diagram" xmlns:o="urn:schemas-microsoft-com:office:office" xmlns:v="urn:schemas-microsoft-com:vml" xmlns:pvml="urn:schemas-microsoft-com:office:powerpoint" xmlns:com="http://schemas.openxmlformats.org/drawingml/2006/compatibility" xmlns:p14="http://schemas.microsoft.com/office/powerpoint/2010/main">
+<p:sldLayout xmlns:a="http://schemas.openxmlformats.org/drawingml/2006/main" xmlns:r="http://schemas.openxmlformats.org/officeDocument/2006/relationships" xmlns:p="http://schemas.openxmlformats.org/presentationml/2006/main">
   <p:cSld name="One column text">
     <p:spTree>
       <p:nvGrpSpPr>
-        <p:cNvPr id="28" name="Shape 28"/>
+        <p:cNvPr id="1" name="Shape 28"/>
         <p:cNvGrpSpPr/>
         <p:nvPr/>
       </p:nvGrpSpPr>
@@ -6166,7 +6446,9 @@
       <p:sp>
         <p:nvSpPr>
           <p:cNvPr id="29" name="Shape 29"/>
-          <p:cNvSpPr txBox="1"/>
+          <p:cNvSpPr txBox="1">
+            <a:spLocks noGrp="1"/>
+          </p:cNvSpPr>
           <p:nvPr>
             <p:ph type="title"/>
           </p:nvPr>
@@ -6181,7 +6463,7 @@
           </a:prstGeom>
         </p:spPr>
         <p:txBody>
-          <a:bodyPr anchorCtr="0" anchor="b" bIns="91425" lIns="91425" rIns="91425" tIns="91425"/>
+          <a:bodyPr lIns="91425" tIns="91425" rIns="91425" bIns="91425" anchor="b" anchorCtr="0"/>
           <a:lstStyle>
             <a:lvl1pPr lvl="0">
               <a:spcBef>
@@ -6247,15 +6529,19 @@
               <a:defRPr sz="2400"/>
             </a:lvl9pPr>
           </a:lstStyle>
-          <a:p/>
+          <a:p>
+            <a:endParaRPr/>
+          </a:p>
         </p:txBody>
       </p:sp>
       <p:sp>
         <p:nvSpPr>
           <p:cNvPr id="30" name="Shape 30"/>
-          <p:cNvSpPr txBox="1"/>
+          <p:cNvSpPr txBox="1">
+            <a:spLocks noGrp="1"/>
+          </p:cNvSpPr>
           <p:nvPr>
-            <p:ph idx="1" type="body"/>
+            <p:ph type="body" idx="1"/>
           </p:nvPr>
         </p:nvSpPr>
         <p:spPr>
@@ -6268,7 +6554,7 @@
           </a:prstGeom>
         </p:spPr>
         <p:txBody>
-          <a:bodyPr anchorCtr="0" anchor="t" bIns="91425" lIns="91425" rIns="91425" tIns="91425"/>
+          <a:bodyPr lIns="91425" tIns="91425" rIns="91425" bIns="91425" anchor="t" anchorCtr="0"/>
           <a:lstStyle>
             <a:lvl1pPr lvl="0">
               <a:spcBef>
@@ -6334,15 +6620,19 @@
               <a:defRPr sz="1200"/>
             </a:lvl9pPr>
           </a:lstStyle>
-          <a:p/>
+          <a:p>
+            <a:endParaRPr/>
+          </a:p>
         </p:txBody>
       </p:sp>
       <p:sp>
         <p:nvSpPr>
           <p:cNvPr id="31" name="Shape 31"/>
-          <p:cNvSpPr txBox="1"/>
+          <p:cNvSpPr txBox="1">
+            <a:spLocks noGrp="1"/>
+          </p:cNvSpPr>
           <p:nvPr>
-            <p:ph idx="12" type="sldNum"/>
+            <p:ph type="sldNum" idx="12"/>
           </p:nvPr>
         </p:nvSpPr>
         <p:spPr>
@@ -6355,7 +6645,7 @@
           </a:prstGeom>
         </p:spPr>
         <p:txBody>
-          <a:bodyPr anchorCtr="0" anchor="ctr" bIns="91425" lIns="91425" rIns="91425" tIns="91425">
+          <a:bodyPr lIns="91425" tIns="91425" rIns="91425" bIns="91425" anchor="ctr" anchorCtr="0">
             <a:noAutofit/>
           </a:bodyPr>
           <a:lstStyle/>
@@ -6370,6 +6660,7 @@
               <a:rPr lang="en"/>
               <a:t>‹#›</a:t>
             </a:fld>
+            <a:endParaRPr lang="en"/>
           </a:p>
         </p:txBody>
       </p:sp>
@@ -6382,11 +6673,11 @@
 </file>
 
 <file path=ppt/slideLayouts/slideLayout7.xml><?xml version="1.0" encoding="utf-8"?>
-<p:sldLayout xmlns:a="http://schemas.openxmlformats.org/drawingml/2006/main" xmlns:r="http://schemas.openxmlformats.org/officeDocument/2006/relationships" xmlns:mc="http://schemas.openxmlformats.org/markup-compatibility/2006" xmlns:mv="urn:schemas-microsoft-com:mac:vml" xmlns:p="http://schemas.openxmlformats.org/presentationml/2006/main" xmlns:c="http://schemas.openxmlformats.org/drawingml/2006/chart" xmlns:dgm="http://schemas.openxmlformats.org/drawingml/2006/diagram" xmlns:o="urn:schemas-microsoft-com:office:office" xmlns:v="urn:schemas-microsoft-com:vml" xmlns:pvml="urn:schemas-microsoft-com:office:powerpoint" xmlns:com="http://schemas.openxmlformats.org/drawingml/2006/compatibility" xmlns:p14="http://schemas.microsoft.com/office/powerpoint/2010/main">
+<p:sldLayout xmlns:a="http://schemas.openxmlformats.org/drawingml/2006/main" xmlns:r="http://schemas.openxmlformats.org/officeDocument/2006/relationships" xmlns:p="http://schemas.openxmlformats.org/presentationml/2006/main">
   <p:cSld name="Main point">
     <p:spTree>
       <p:nvGrpSpPr>
-        <p:cNvPr id="32" name="Shape 32"/>
+        <p:cNvPr id="1" name="Shape 32"/>
         <p:cNvGrpSpPr/>
         <p:nvPr/>
       </p:nvGrpSpPr>
@@ -6401,7 +6692,9 @@
       <p:sp>
         <p:nvSpPr>
           <p:cNvPr id="33" name="Shape 33"/>
-          <p:cNvSpPr txBox="1"/>
+          <p:cNvSpPr txBox="1">
+            <a:spLocks noGrp="1"/>
+          </p:cNvSpPr>
           <p:nvPr>
             <p:ph type="title"/>
           </p:nvPr>
@@ -6416,7 +6709,7 @@
           </a:prstGeom>
         </p:spPr>
         <p:txBody>
-          <a:bodyPr anchorCtr="0" anchor="ctr" bIns="91425" lIns="91425" rIns="91425" tIns="91425"/>
+          <a:bodyPr lIns="91425" tIns="91425" rIns="91425" bIns="91425" anchor="ctr" anchorCtr="0"/>
           <a:lstStyle>
             <a:lvl1pPr lvl="0">
               <a:spcBef>
@@ -6482,15 +6775,19 @@
               <a:defRPr sz="4800"/>
             </a:lvl9pPr>
           </a:lstStyle>
-          <a:p/>
+          <a:p>
+            <a:endParaRPr/>
+          </a:p>
         </p:txBody>
       </p:sp>
       <p:sp>
         <p:nvSpPr>
           <p:cNvPr id="34" name="Shape 34"/>
-          <p:cNvSpPr txBox="1"/>
+          <p:cNvSpPr txBox="1">
+            <a:spLocks noGrp="1"/>
+          </p:cNvSpPr>
           <p:nvPr>
-            <p:ph idx="12" type="sldNum"/>
+            <p:ph type="sldNum" idx="12"/>
           </p:nvPr>
         </p:nvSpPr>
         <p:spPr>
@@ -6503,7 +6800,7 @@
           </a:prstGeom>
         </p:spPr>
         <p:txBody>
-          <a:bodyPr anchorCtr="0" anchor="ctr" bIns="91425" lIns="91425" rIns="91425" tIns="91425">
+          <a:bodyPr lIns="91425" tIns="91425" rIns="91425" bIns="91425" anchor="ctr" anchorCtr="0">
             <a:noAutofit/>
           </a:bodyPr>
           <a:lstStyle/>
@@ -6518,6 +6815,7 @@
               <a:rPr lang="en"/>
               <a:t>‹#›</a:t>
             </a:fld>
+            <a:endParaRPr lang="en"/>
           </a:p>
         </p:txBody>
       </p:sp>
@@ -6530,11 +6828,11 @@
 </file>
 
 <file path=ppt/slideLayouts/slideLayout8.xml><?xml version="1.0" encoding="utf-8"?>
-<p:sldLayout xmlns:a="http://schemas.openxmlformats.org/drawingml/2006/main" xmlns:r="http://schemas.openxmlformats.org/officeDocument/2006/relationships" xmlns:mc="http://schemas.openxmlformats.org/markup-compatibility/2006" xmlns:mv="urn:schemas-microsoft-com:mac:vml" xmlns:p="http://schemas.openxmlformats.org/presentationml/2006/main" xmlns:c="http://schemas.openxmlformats.org/drawingml/2006/chart" xmlns:dgm="http://schemas.openxmlformats.org/drawingml/2006/diagram" xmlns:o="urn:schemas-microsoft-com:office:office" xmlns:v="urn:schemas-microsoft-com:vml" xmlns:pvml="urn:schemas-microsoft-com:office:powerpoint" xmlns:com="http://schemas.openxmlformats.org/drawingml/2006/compatibility" xmlns:p14="http://schemas.microsoft.com/office/powerpoint/2010/main">
+<p:sldLayout xmlns:a="http://schemas.openxmlformats.org/drawingml/2006/main" xmlns:r="http://schemas.openxmlformats.org/officeDocument/2006/relationships" xmlns:p="http://schemas.openxmlformats.org/presentationml/2006/main">
   <p:cSld name="Section title and description">
     <p:spTree>
       <p:nvGrpSpPr>
-        <p:cNvPr id="35" name="Shape 35"/>
+        <p:cNvPr id="1" name="Shape 35"/>
         <p:cNvGrpSpPr/>
         <p:nvPr/>
       </p:nvGrpSpPr>
@@ -6568,7 +6866,7 @@
           </a:ln>
         </p:spPr>
         <p:txBody>
-          <a:bodyPr anchorCtr="0" anchor="ctr" bIns="91425" lIns="91425" rIns="91425" tIns="91425">
+          <a:bodyPr lIns="91425" tIns="91425" rIns="91425" bIns="91425" anchor="ctr" anchorCtr="0">
             <a:noAutofit/>
           </a:bodyPr>
           <a:lstStyle/>
@@ -6579,9 +6877,6 @@
               </a:spcBef>
               <a:buNone/>
             </a:pPr>
-            <a:r>
-              <a:t/>
-            </a:r>
             <a:endParaRPr/>
           </a:p>
         </p:txBody>
@@ -6589,7 +6884,9 @@
       <p:sp>
         <p:nvSpPr>
           <p:cNvPr id="37" name="Shape 37"/>
-          <p:cNvSpPr txBox="1"/>
+          <p:cNvSpPr txBox="1">
+            <a:spLocks noGrp="1"/>
+          </p:cNvSpPr>
           <p:nvPr>
             <p:ph type="title"/>
           </p:nvPr>
@@ -6604,7 +6901,7 @@
           </a:prstGeom>
         </p:spPr>
         <p:txBody>
-          <a:bodyPr anchorCtr="0" anchor="b" bIns="91425" lIns="91425" rIns="91425" tIns="91425"/>
+          <a:bodyPr lIns="91425" tIns="91425" rIns="91425" bIns="91425" anchor="b" anchorCtr="0"/>
           <a:lstStyle>
             <a:lvl1pPr lvl="0" algn="ctr">
               <a:spcBef>
@@ -6670,15 +6967,19 @@
               <a:defRPr sz="4200"/>
             </a:lvl9pPr>
           </a:lstStyle>
-          <a:p/>
+          <a:p>
+            <a:endParaRPr/>
+          </a:p>
         </p:txBody>
       </p:sp>
       <p:sp>
         <p:nvSpPr>
           <p:cNvPr id="38" name="Shape 38"/>
-          <p:cNvSpPr txBox="1"/>
+          <p:cNvSpPr txBox="1">
+            <a:spLocks noGrp="1"/>
+          </p:cNvSpPr>
           <p:nvPr>
-            <p:ph idx="1" type="subTitle"/>
+            <p:ph type="subTitle" idx="1"/>
           </p:nvPr>
         </p:nvSpPr>
         <p:spPr>
@@ -6691,7 +6992,7 @@
           </a:prstGeom>
         </p:spPr>
         <p:txBody>
-          <a:bodyPr anchorCtr="0" anchor="t" bIns="91425" lIns="91425" rIns="91425" tIns="91425"/>
+          <a:bodyPr lIns="91425" tIns="91425" rIns="91425" bIns="91425" anchor="t" anchorCtr="0"/>
           <a:lstStyle>
             <a:lvl1pPr lvl="0" algn="ctr">
               <a:lnSpc>
@@ -6820,15 +7121,19 @@
               <a:defRPr sz="2100"/>
             </a:lvl9pPr>
           </a:lstStyle>
-          <a:p/>
+          <a:p>
+            <a:endParaRPr/>
+          </a:p>
         </p:txBody>
       </p:sp>
       <p:sp>
         <p:nvSpPr>
           <p:cNvPr id="39" name="Shape 39"/>
-          <p:cNvSpPr txBox="1"/>
+          <p:cNvSpPr txBox="1">
+            <a:spLocks noGrp="1"/>
+          </p:cNvSpPr>
           <p:nvPr>
-            <p:ph idx="2" type="body"/>
+            <p:ph type="body" idx="2"/>
           </p:nvPr>
         </p:nvSpPr>
         <p:spPr>
@@ -6841,7 +7146,7 @@
           </a:prstGeom>
         </p:spPr>
         <p:txBody>
-          <a:bodyPr anchorCtr="0" anchor="ctr" bIns="91425" lIns="91425" rIns="91425" tIns="91425"/>
+          <a:bodyPr lIns="91425" tIns="91425" rIns="91425" bIns="91425" anchor="ctr" anchorCtr="0"/>
           <a:lstStyle>
             <a:lvl1pPr lvl="0">
               <a:spcBef>
@@ -6898,15 +7203,19 @@
               <a:defRPr/>
             </a:lvl9pPr>
           </a:lstStyle>
-          <a:p/>
+          <a:p>
+            <a:endParaRPr/>
+          </a:p>
         </p:txBody>
       </p:sp>
       <p:sp>
         <p:nvSpPr>
           <p:cNvPr id="40" name="Shape 40"/>
-          <p:cNvSpPr txBox="1"/>
+          <p:cNvSpPr txBox="1">
+            <a:spLocks noGrp="1"/>
+          </p:cNvSpPr>
           <p:nvPr>
-            <p:ph idx="12" type="sldNum"/>
+            <p:ph type="sldNum" idx="12"/>
           </p:nvPr>
         </p:nvSpPr>
         <p:spPr>
@@ -6919,7 +7228,7 @@
           </a:prstGeom>
         </p:spPr>
         <p:txBody>
-          <a:bodyPr anchorCtr="0" anchor="ctr" bIns="91425" lIns="91425" rIns="91425" tIns="91425">
+          <a:bodyPr lIns="91425" tIns="91425" rIns="91425" bIns="91425" anchor="ctr" anchorCtr="0">
             <a:noAutofit/>
           </a:bodyPr>
           <a:lstStyle/>
@@ -6934,6 +7243,7 @@
               <a:rPr lang="en"/>
               <a:t>‹#›</a:t>
             </a:fld>
+            <a:endParaRPr lang="en"/>
           </a:p>
         </p:txBody>
       </p:sp>
@@ -6946,11 +7256,11 @@
 </file>
 
 <file path=ppt/slideLayouts/slideLayout9.xml><?xml version="1.0" encoding="utf-8"?>
-<p:sldLayout xmlns:a="http://schemas.openxmlformats.org/drawingml/2006/main" xmlns:r="http://schemas.openxmlformats.org/officeDocument/2006/relationships" xmlns:mc="http://schemas.openxmlformats.org/markup-compatibility/2006" xmlns:mv="urn:schemas-microsoft-com:mac:vml" xmlns:p="http://schemas.openxmlformats.org/presentationml/2006/main" xmlns:c="http://schemas.openxmlformats.org/drawingml/2006/chart" xmlns:dgm="http://schemas.openxmlformats.org/drawingml/2006/diagram" xmlns:o="urn:schemas-microsoft-com:office:office" xmlns:v="urn:schemas-microsoft-com:vml" xmlns:pvml="urn:schemas-microsoft-com:office:powerpoint" xmlns:com="http://schemas.openxmlformats.org/drawingml/2006/compatibility" xmlns:p14="http://schemas.microsoft.com/office/powerpoint/2010/main">
+<p:sldLayout xmlns:a="http://schemas.openxmlformats.org/drawingml/2006/main" xmlns:r="http://schemas.openxmlformats.org/officeDocument/2006/relationships" xmlns:p="http://schemas.openxmlformats.org/presentationml/2006/main">
   <p:cSld name="Caption">
     <p:spTree>
       <p:nvGrpSpPr>
-        <p:cNvPr id="41" name="Shape 41"/>
+        <p:cNvPr id="1" name="Shape 41"/>
         <p:cNvGrpSpPr/>
         <p:nvPr/>
       </p:nvGrpSpPr>
@@ -6965,9 +7275,11 @@
       <p:sp>
         <p:nvSpPr>
           <p:cNvPr id="42" name="Shape 42"/>
-          <p:cNvSpPr txBox="1"/>
+          <p:cNvSpPr txBox="1">
+            <a:spLocks noGrp="1"/>
+          </p:cNvSpPr>
           <p:nvPr>
-            <p:ph idx="1" type="body"/>
+            <p:ph type="body" idx="1"/>
           </p:nvPr>
         </p:nvSpPr>
         <p:spPr>
@@ -6980,7 +7292,7 @@
           </a:prstGeom>
         </p:spPr>
         <p:txBody>
-          <a:bodyPr anchorCtr="0" anchor="ctr" bIns="91425" lIns="91425" rIns="91425" tIns="91425"/>
+          <a:bodyPr lIns="91425" tIns="91425" rIns="91425" bIns="91425" anchor="ctr" anchorCtr="0"/>
           <a:lstStyle>
             <a:lvl1pPr lvl="0">
               <a:lnSpc>
@@ -6996,15 +7308,19 @@
               <a:defRPr/>
             </a:lvl1pPr>
           </a:lstStyle>
-          <a:p/>
+          <a:p>
+            <a:endParaRPr/>
+          </a:p>
         </p:txBody>
       </p:sp>
       <p:sp>
         <p:nvSpPr>
           <p:cNvPr id="43" name="Shape 43"/>
-          <p:cNvSpPr txBox="1"/>
+          <p:cNvSpPr txBox="1">
+            <a:spLocks noGrp="1"/>
+          </p:cNvSpPr>
           <p:nvPr>
-            <p:ph idx="12" type="sldNum"/>
+            <p:ph type="sldNum" idx="12"/>
           </p:nvPr>
         </p:nvSpPr>
         <p:spPr>
@@ -7017,7 +7333,7 @@
           </a:prstGeom>
         </p:spPr>
         <p:txBody>
-          <a:bodyPr anchorCtr="0" anchor="ctr" bIns="91425" lIns="91425" rIns="91425" tIns="91425">
+          <a:bodyPr lIns="91425" tIns="91425" rIns="91425" bIns="91425" anchor="ctr" anchorCtr="0">
             <a:noAutofit/>
           </a:bodyPr>
           <a:lstStyle/>
@@ -7032,6 +7348,7 @@
               <a:rPr lang="en"/>
               <a:t>‹#›</a:t>
             </a:fld>
+            <a:endParaRPr lang="en"/>
           </a:p>
         </p:txBody>
       </p:sp>
@@ -7044,18 +7361,19 @@
 </file>
 
 <file path=ppt/slideMasters/slideMaster1.xml><?xml version="1.0" encoding="utf-8"?>
-<p:sldMaster xmlns:a="http://schemas.openxmlformats.org/drawingml/2006/main" xmlns:r="http://schemas.openxmlformats.org/officeDocument/2006/relationships" xmlns:mc="http://schemas.openxmlformats.org/markup-compatibility/2006" xmlns:mv="urn:schemas-microsoft-com:mac:vml" xmlns:p="http://schemas.openxmlformats.org/presentationml/2006/main" xmlns:c="http://schemas.openxmlformats.org/drawingml/2006/chart" xmlns:dgm="http://schemas.openxmlformats.org/drawingml/2006/diagram" xmlns:o="urn:schemas-microsoft-com:office:office" xmlns:v="urn:schemas-microsoft-com:vml" xmlns:pvml="urn:schemas-microsoft-com:office:powerpoint" xmlns:com="http://schemas.openxmlformats.org/drawingml/2006/compatibility" xmlns:p14="http://schemas.microsoft.com/office/powerpoint/2010/main">
+<p:sldMaster xmlns:a="http://schemas.openxmlformats.org/drawingml/2006/main" xmlns:r="http://schemas.openxmlformats.org/officeDocument/2006/relationships" xmlns:p="http://schemas.openxmlformats.org/presentationml/2006/main">
   <p:cSld>
     <p:bg>
       <p:bgPr>
         <a:solidFill>
           <a:schemeClr val="lt1"/>
         </a:solidFill>
+        <a:effectLst/>
       </p:bgPr>
     </p:bg>
     <p:spTree>
       <p:nvGrpSpPr>
-        <p:cNvPr id="5" name="Shape 5"/>
+        <p:cNvPr id="1" name="Shape 5"/>
         <p:cNvGrpSpPr/>
         <p:nvPr/>
       </p:nvGrpSpPr>
@@ -7070,7 +7388,9 @@
       <p:sp>
         <p:nvSpPr>
           <p:cNvPr id="6" name="Shape 6"/>
-          <p:cNvSpPr txBox="1"/>
+          <p:cNvSpPr txBox="1">
+            <a:spLocks noGrp="1"/>
+          </p:cNvSpPr>
           <p:nvPr>
             <p:ph type="title"/>
           </p:nvPr>
@@ -7089,7 +7409,7 @@
           </a:ln>
         </p:spPr>
         <p:txBody>
-          <a:bodyPr anchorCtr="0" anchor="t" bIns="91425" lIns="91425" rIns="91425" tIns="91425"/>
+          <a:bodyPr lIns="91425" tIns="91425" rIns="91425" bIns="91425" anchor="t" anchorCtr="0"/>
           <a:lstStyle>
             <a:lvl1pPr lvl="0">
               <a:spcBef>
@@ -7227,15 +7547,19 @@
               </a:defRPr>
             </a:lvl9pPr>
           </a:lstStyle>
-          <a:p/>
+          <a:p>
+            <a:endParaRPr/>
+          </a:p>
         </p:txBody>
       </p:sp>
       <p:sp>
         <p:nvSpPr>
           <p:cNvPr id="7" name="Shape 7"/>
-          <p:cNvSpPr txBox="1"/>
+          <p:cNvSpPr txBox="1">
+            <a:spLocks noGrp="1"/>
+          </p:cNvSpPr>
           <p:nvPr>
-            <p:ph idx="1" type="body"/>
+            <p:ph type="body" idx="1"/>
           </p:nvPr>
         </p:nvSpPr>
         <p:spPr>
@@ -7252,7 +7576,7 @@
           </a:ln>
         </p:spPr>
         <p:txBody>
-          <a:bodyPr anchorCtr="0" anchor="t" bIns="91425" lIns="91425" rIns="91425" tIns="91425"/>
+          <a:bodyPr lIns="91425" tIns="91425" rIns="91425" bIns="91425" anchor="t" anchorCtr="0"/>
           <a:lstStyle>
             <a:lvl1pPr lvl="0">
               <a:lnSpc>
@@ -7427,15 +7751,19 @@
               </a:defRPr>
             </a:lvl9pPr>
           </a:lstStyle>
-          <a:p/>
+          <a:p>
+            <a:endParaRPr/>
+          </a:p>
         </p:txBody>
       </p:sp>
       <p:sp>
         <p:nvSpPr>
           <p:cNvPr id="8" name="Shape 8"/>
-          <p:cNvSpPr txBox="1"/>
+          <p:cNvSpPr txBox="1">
+            <a:spLocks noGrp="1"/>
+          </p:cNvSpPr>
           <p:nvPr>
-            <p:ph idx="12" type="sldNum"/>
+            <p:ph type="sldNum" idx="12"/>
           </p:nvPr>
         </p:nvSpPr>
         <p:spPr>
@@ -7452,7 +7780,7 @@
           </a:ln>
         </p:spPr>
         <p:txBody>
-          <a:bodyPr anchorCtr="0" anchor="ctr" bIns="91425" lIns="91425" rIns="91425" tIns="91425">
+          <a:bodyPr lIns="91425" tIns="91425" rIns="91425" bIns="91425" anchor="ctr" anchorCtr="0">
             <a:noAutofit/>
           </a:bodyPr>
           <a:lstStyle/>
@@ -7471,12 +7799,17 @@
               </a:rPr>
               <a:t>‹#›</a:t>
             </a:fld>
+            <a:endParaRPr lang="en" sz="1000">
+              <a:solidFill>
+                <a:schemeClr val="dk2"/>
+              </a:solidFill>
+            </a:endParaRPr>
           </a:p>
         </p:txBody>
       </p:sp>
     </p:spTree>
   </p:cSld>
-  <p:clrMap accent1="accent1" accent2="accent2" accent3="accent3" accent4="accent4" accent5="accent5" accent6="accent6" bg1="lt1" bg2="dk2" tx1="dk1" tx2="lt2" folHlink="folHlink" hlink="hlink"/>
+  <p:clrMap bg1="lt1" tx1="dk1" bg2="dk2" tx2="lt2" accent1="accent1" accent2="accent2" accent3="accent3" accent4="accent4" accent5="accent5" accent6="accent6" hlink="hlink" folHlink="folHlink"/>
   <p:sldLayoutIdLst>
     <p:sldLayoutId id="2147483648" r:id="rId1"/>
     <p:sldLayoutId id="2147483649" r:id="rId2"/>
@@ -7490,10 +7823,10 @@
     <p:sldLayoutId id="2147483657" r:id="rId10"/>
     <p:sldLayoutId id="2147483658" r:id="rId11"/>
   </p:sldLayoutIdLst>
-  <p:hf dt="0" ftr="0" hdr="0" sldNum="0"/>
+  <p:hf sldNum="0" hdr="0" ftr="0" dt="0"/>
   <p:txStyles>
     <p:titleStyle>
-      <a:defPPr lvl="0" marR="0" rtl="0" algn="l">
+      <a:defPPr marR="0" lvl="0" algn="l" rtl="0">
         <a:lnSpc>
           <a:spcPct val="100000"/>
         </a:lnSpc>
@@ -7504,7 +7837,7 @@
           <a:spcPts val="0"/>
         </a:spcAft>
       </a:defPPr>
-      <a:lvl1pPr lvl="0" marR="0" rtl="0" algn="l">
+      <a:lvl1pPr marR="0" lvl="0" algn="l" rtl="0">
         <a:lnSpc>
           <a:spcPct val="100000"/>
         </a:lnSpc>
@@ -7515,7 +7848,7 @@
           <a:spcPts val="0"/>
         </a:spcAft>
         <a:buNone/>
-        <a:defRPr b="0" i="0" sz="1400" u="none" cap="none" strike="noStrike">
+        <a:defRPr sz="1400" b="0" i="0" u="none" strike="noStrike" cap="none">
           <a:solidFill>
             <a:srgbClr val="000000"/>
           </a:solidFill>
@@ -7527,7 +7860,7 @@
       </a:lvl1pPr>
     </p:titleStyle>
     <p:bodyStyle>
-      <a:defPPr lvl="0" marR="0" rtl="0" algn="l">
+      <a:defPPr marR="0" lvl="0" algn="l" rtl="0">
         <a:lnSpc>
           <a:spcPct val="100000"/>
         </a:lnSpc>
@@ -7538,7 +7871,7 @@
           <a:spcPts val="0"/>
         </a:spcAft>
       </a:defPPr>
-      <a:lvl1pPr lvl="0" marR="0" rtl="0" algn="l">
+      <a:lvl1pPr marR="0" lvl="0" algn="l" rtl="0">
         <a:lnSpc>
           <a:spcPct val="100000"/>
         </a:lnSpc>
@@ -7549,7 +7882,7 @@
           <a:spcPts val="0"/>
         </a:spcAft>
         <a:buNone/>
-        <a:defRPr b="0" i="0" sz="1400" u="none" cap="none" strike="noStrike">
+        <a:defRPr sz="1400" b="0" i="0" u="none" strike="noStrike" cap="none">
           <a:solidFill>
             <a:srgbClr val="000000"/>
           </a:solidFill>
@@ -7559,7 +7892,7 @@
           <a:sym typeface="Arial"/>
         </a:defRPr>
       </a:lvl1pPr>
-      <a:lvl2pPr lvl="1" marR="0" rtl="0" algn="l">
+      <a:lvl2pPr marR="0" lvl="1" algn="l" rtl="0">
         <a:lnSpc>
           <a:spcPct val="100000"/>
         </a:lnSpc>
@@ -7570,7 +7903,7 @@
           <a:spcPts val="0"/>
         </a:spcAft>
         <a:buNone/>
-        <a:defRPr b="0" i="0" sz="1400" u="none" cap="none" strike="noStrike">
+        <a:defRPr sz="1400" b="0" i="0" u="none" strike="noStrike" cap="none">
           <a:solidFill>
             <a:srgbClr val="000000"/>
           </a:solidFill>
@@ -7580,7 +7913,7 @@
           <a:sym typeface="Arial"/>
         </a:defRPr>
       </a:lvl2pPr>
-      <a:lvl3pPr lvl="2" marR="0" rtl="0" algn="l">
+      <a:lvl3pPr marR="0" lvl="2" algn="l" rtl="0">
         <a:lnSpc>
           <a:spcPct val="100000"/>
         </a:lnSpc>
@@ -7591,7 +7924,7 @@
           <a:spcPts val="0"/>
         </a:spcAft>
         <a:buNone/>
-        <a:defRPr b="0" i="0" sz="1400" u="none" cap="none" strike="noStrike">
+        <a:defRPr sz="1400" b="0" i="0" u="none" strike="noStrike" cap="none">
           <a:solidFill>
             <a:srgbClr val="000000"/>
           </a:solidFill>
@@ -7601,7 +7934,7 @@
           <a:sym typeface="Arial"/>
         </a:defRPr>
       </a:lvl3pPr>
-      <a:lvl4pPr lvl="3" marR="0" rtl="0" algn="l">
+      <a:lvl4pPr marR="0" lvl="3" algn="l" rtl="0">
         <a:lnSpc>
           <a:spcPct val="100000"/>
         </a:lnSpc>
@@ -7612,7 +7945,7 @@
           <a:spcPts val="0"/>
         </a:spcAft>
         <a:buNone/>
-        <a:defRPr b="0" i="0" sz="1400" u="none" cap="none" strike="noStrike">
+        <a:defRPr sz="1400" b="0" i="0" u="none" strike="noStrike" cap="none">
           <a:solidFill>
             <a:srgbClr val="000000"/>
           </a:solidFill>
@@ -7622,7 +7955,7 @@
           <a:sym typeface="Arial"/>
         </a:defRPr>
       </a:lvl4pPr>
-      <a:lvl5pPr lvl="4" marR="0" rtl="0" algn="l">
+      <a:lvl5pPr marR="0" lvl="4" algn="l" rtl="0">
         <a:lnSpc>
           <a:spcPct val="100000"/>
         </a:lnSpc>
@@ -7633,7 +7966,7 @@
           <a:spcPts val="0"/>
         </a:spcAft>
         <a:buNone/>
-        <a:defRPr b="0" i="0" sz="1400" u="none" cap="none" strike="noStrike">
+        <a:defRPr sz="1400" b="0" i="0" u="none" strike="noStrike" cap="none">
           <a:solidFill>
             <a:srgbClr val="000000"/>
           </a:solidFill>
@@ -7643,7 +7976,7 @@
           <a:sym typeface="Arial"/>
         </a:defRPr>
       </a:lvl5pPr>
-      <a:lvl6pPr lvl="5" marR="0" rtl="0" algn="l">
+      <a:lvl6pPr marR="0" lvl="5" algn="l" rtl="0">
         <a:lnSpc>
           <a:spcPct val="100000"/>
         </a:lnSpc>
@@ -7654,7 +7987,7 @@
           <a:spcPts val="0"/>
         </a:spcAft>
         <a:buNone/>
-        <a:defRPr b="0" i="0" sz="1400" u="none" cap="none" strike="noStrike">
+        <a:defRPr sz="1400" b="0" i="0" u="none" strike="noStrike" cap="none">
           <a:solidFill>
             <a:srgbClr val="000000"/>
           </a:solidFill>
@@ -7664,7 +7997,7 @@
           <a:sym typeface="Arial"/>
         </a:defRPr>
       </a:lvl6pPr>
-      <a:lvl7pPr lvl="6" marR="0" rtl="0" algn="l">
+      <a:lvl7pPr marR="0" lvl="6" algn="l" rtl="0">
         <a:lnSpc>
           <a:spcPct val="100000"/>
         </a:lnSpc>
@@ -7675,7 +8008,7 @@
           <a:spcPts val="0"/>
         </a:spcAft>
         <a:buNone/>
-        <a:defRPr b="0" i="0" sz="1400" u="none" cap="none" strike="noStrike">
+        <a:defRPr sz="1400" b="0" i="0" u="none" strike="noStrike" cap="none">
           <a:solidFill>
             <a:srgbClr val="000000"/>
           </a:solidFill>
@@ -7685,7 +8018,7 @@
           <a:sym typeface="Arial"/>
         </a:defRPr>
       </a:lvl7pPr>
-      <a:lvl8pPr lvl="7" marR="0" rtl="0" algn="l">
+      <a:lvl8pPr marR="0" lvl="7" algn="l" rtl="0">
         <a:lnSpc>
           <a:spcPct val="100000"/>
         </a:lnSpc>
@@ -7696,7 +8029,7 @@
           <a:spcPts val="0"/>
         </a:spcAft>
         <a:buNone/>
-        <a:defRPr b="0" i="0" sz="1400" u="none" cap="none" strike="noStrike">
+        <a:defRPr sz="1400" b="0" i="0" u="none" strike="noStrike" cap="none">
           <a:solidFill>
             <a:srgbClr val="000000"/>
           </a:solidFill>
@@ -7706,7 +8039,7 @@
           <a:sym typeface="Arial"/>
         </a:defRPr>
       </a:lvl8pPr>
-      <a:lvl9pPr lvl="8" marR="0" rtl="0" algn="l">
+      <a:lvl9pPr marR="0" lvl="8" algn="l" rtl="0">
         <a:lnSpc>
           <a:spcPct val="100000"/>
         </a:lnSpc>
@@ -7717,7 +8050,7 @@
           <a:spcPts val="0"/>
         </a:spcAft>
         <a:buNone/>
-        <a:defRPr b="0" i="0" sz="1400" u="none" cap="none" strike="noStrike">
+        <a:defRPr sz="1400" b="0" i="0" u="none" strike="noStrike" cap="none">
           <a:solidFill>
             <a:srgbClr val="000000"/>
           </a:solidFill>
@@ -7729,7 +8062,7 @@
       </a:lvl9pPr>
     </p:bodyStyle>
     <p:otherStyle>
-      <a:defPPr lvl="0" marR="0" rtl="0" algn="l">
+      <a:defPPr marR="0" lvl="0" algn="l" rtl="0">
         <a:lnSpc>
           <a:spcPct val="100000"/>
         </a:lnSpc>
@@ -7740,7 +8073,7 @@
           <a:spcPts val="0"/>
         </a:spcAft>
       </a:defPPr>
-      <a:lvl1pPr lvl="0" marR="0" rtl="0" algn="l">
+      <a:lvl1pPr marR="0" lvl="0" algn="l" rtl="0">
         <a:lnSpc>
           <a:spcPct val="100000"/>
         </a:lnSpc>
@@ -7751,7 +8084,7 @@
           <a:spcPts val="0"/>
         </a:spcAft>
         <a:buNone/>
-        <a:defRPr b="0" i="0" sz="1400" u="none" cap="none" strike="noStrike">
+        <a:defRPr sz="1400" b="0" i="0" u="none" strike="noStrike" cap="none">
           <a:solidFill>
             <a:srgbClr val="000000"/>
           </a:solidFill>
@@ -7761,7 +8094,7 @@
           <a:sym typeface="Arial"/>
         </a:defRPr>
       </a:lvl1pPr>
-      <a:lvl2pPr lvl="1" marR="0" rtl="0" algn="l">
+      <a:lvl2pPr marR="0" lvl="1" algn="l" rtl="0">
         <a:lnSpc>
           <a:spcPct val="100000"/>
         </a:lnSpc>
@@ -7772,7 +8105,7 @@
           <a:spcPts val="0"/>
         </a:spcAft>
         <a:buNone/>
-        <a:defRPr b="0" i="0" sz="1400" u="none" cap="none" strike="noStrike">
+        <a:defRPr sz="1400" b="0" i="0" u="none" strike="noStrike" cap="none">
           <a:solidFill>
             <a:srgbClr val="000000"/>
           </a:solidFill>
@@ -7782,7 +8115,7 @@
           <a:sym typeface="Arial"/>
         </a:defRPr>
       </a:lvl2pPr>
-      <a:lvl3pPr lvl="2" marR="0" rtl="0" algn="l">
+      <a:lvl3pPr marR="0" lvl="2" algn="l" rtl="0">
         <a:lnSpc>
           <a:spcPct val="100000"/>
         </a:lnSpc>
@@ -7793,7 +8126,7 @@
           <a:spcPts val="0"/>
         </a:spcAft>
         <a:buNone/>
-        <a:defRPr b="0" i="0" sz="1400" u="none" cap="none" strike="noStrike">
+        <a:defRPr sz="1400" b="0" i="0" u="none" strike="noStrike" cap="none">
           <a:solidFill>
             <a:srgbClr val="000000"/>
           </a:solidFill>
@@ -7803,7 +8136,7 @@
           <a:sym typeface="Arial"/>
         </a:defRPr>
       </a:lvl3pPr>
-      <a:lvl4pPr lvl="3" marR="0" rtl="0" algn="l">
+      <a:lvl4pPr marR="0" lvl="3" algn="l" rtl="0">
         <a:lnSpc>
           <a:spcPct val="100000"/>
         </a:lnSpc>
@@ -7814,7 +8147,7 @@
           <a:spcPts val="0"/>
         </a:spcAft>
         <a:buNone/>
-        <a:defRPr b="0" i="0" sz="1400" u="none" cap="none" strike="noStrike">
+        <a:defRPr sz="1400" b="0" i="0" u="none" strike="noStrike" cap="none">
           <a:solidFill>
             <a:srgbClr val="000000"/>
           </a:solidFill>
@@ -7824,7 +8157,7 @@
           <a:sym typeface="Arial"/>
         </a:defRPr>
       </a:lvl4pPr>
-      <a:lvl5pPr lvl="4" marR="0" rtl="0" algn="l">
+      <a:lvl5pPr marR="0" lvl="4" algn="l" rtl="0">
         <a:lnSpc>
           <a:spcPct val="100000"/>
         </a:lnSpc>
@@ -7835,7 +8168,7 @@
           <a:spcPts val="0"/>
         </a:spcAft>
         <a:buNone/>
-        <a:defRPr b="0" i="0" sz="1400" u="none" cap="none" strike="noStrike">
+        <a:defRPr sz="1400" b="0" i="0" u="none" strike="noStrike" cap="none">
           <a:solidFill>
             <a:srgbClr val="000000"/>
           </a:solidFill>
@@ -7845,7 +8178,7 @@
           <a:sym typeface="Arial"/>
         </a:defRPr>
       </a:lvl5pPr>
-      <a:lvl6pPr lvl="5" marR="0" rtl="0" algn="l">
+      <a:lvl6pPr marR="0" lvl="5" algn="l" rtl="0">
         <a:lnSpc>
           <a:spcPct val="100000"/>
         </a:lnSpc>
@@ -7856,7 +8189,7 @@
           <a:spcPts val="0"/>
         </a:spcAft>
         <a:buNone/>
-        <a:defRPr b="0" i="0" sz="1400" u="none" cap="none" strike="noStrike">
+        <a:defRPr sz="1400" b="0" i="0" u="none" strike="noStrike" cap="none">
           <a:solidFill>
             <a:srgbClr val="000000"/>
           </a:solidFill>
@@ -7866,7 +8199,7 @@
           <a:sym typeface="Arial"/>
         </a:defRPr>
       </a:lvl6pPr>
-      <a:lvl7pPr lvl="6" marR="0" rtl="0" algn="l">
+      <a:lvl7pPr marR="0" lvl="6" algn="l" rtl="0">
         <a:lnSpc>
           <a:spcPct val="100000"/>
         </a:lnSpc>
@@ -7877,7 +8210,7 @@
           <a:spcPts val="0"/>
         </a:spcAft>
         <a:buNone/>
-        <a:defRPr b="0" i="0" sz="1400" u="none" cap="none" strike="noStrike">
+        <a:defRPr sz="1400" b="0" i="0" u="none" strike="noStrike" cap="none">
           <a:solidFill>
             <a:srgbClr val="000000"/>
           </a:solidFill>
@@ -7887,7 +8220,7 @@
           <a:sym typeface="Arial"/>
         </a:defRPr>
       </a:lvl7pPr>
-      <a:lvl8pPr lvl="7" marR="0" rtl="0" algn="l">
+      <a:lvl8pPr marR="0" lvl="7" algn="l" rtl="0">
         <a:lnSpc>
           <a:spcPct val="100000"/>
         </a:lnSpc>
@@ -7898,7 +8231,7 @@
           <a:spcPts val="0"/>
         </a:spcAft>
         <a:buNone/>
-        <a:defRPr b="0" i="0" sz="1400" u="none" cap="none" strike="noStrike">
+        <a:defRPr sz="1400" b="0" i="0" u="none" strike="noStrike" cap="none">
           <a:solidFill>
             <a:srgbClr val="000000"/>
           </a:solidFill>
@@ -7908,7 +8241,7 @@
           <a:sym typeface="Arial"/>
         </a:defRPr>
       </a:lvl8pPr>
-      <a:lvl9pPr lvl="8" marR="0" rtl="0" algn="l">
+      <a:lvl9pPr marR="0" lvl="8" algn="l" rtl="0">
         <a:lnSpc>
           <a:spcPct val="100000"/>
         </a:lnSpc>
@@ -7919,7 +8252,7 @@
           <a:spcPts val="0"/>
         </a:spcAft>
         <a:buNone/>
-        <a:defRPr b="0" i="0" sz="1400" u="none" cap="none" strike="noStrike">
+        <a:defRPr sz="1400" b="0" i="0" u="none" strike="noStrike" cap="none">
           <a:solidFill>
             <a:srgbClr val="000000"/>
           </a:solidFill>
@@ -7935,18 +8268,19 @@
 </file>
 
 <file path=ppt/slideMasters/slideMaster2.xml><?xml version="1.0" encoding="utf-8"?>
-<p:sldMaster xmlns:a="http://schemas.openxmlformats.org/drawingml/2006/main" xmlns:r="http://schemas.openxmlformats.org/officeDocument/2006/relationships" xmlns:mc="http://schemas.openxmlformats.org/markup-compatibility/2006" xmlns:mv="urn:schemas-microsoft-com:mac:vml" xmlns:p="http://schemas.openxmlformats.org/presentationml/2006/main" xmlns:c="http://schemas.openxmlformats.org/drawingml/2006/chart" xmlns:dgm="http://schemas.openxmlformats.org/drawingml/2006/diagram" xmlns:o="urn:schemas-microsoft-com:office:office" xmlns:v="urn:schemas-microsoft-com:vml" xmlns:pvml="urn:schemas-microsoft-com:office:powerpoint" xmlns:com="http://schemas.openxmlformats.org/drawingml/2006/compatibility" xmlns:p14="http://schemas.microsoft.com/office/powerpoint/2010/main">
+<p:sldMaster xmlns:a="http://schemas.openxmlformats.org/drawingml/2006/main" xmlns:r="http://schemas.openxmlformats.org/officeDocument/2006/relationships" xmlns:p="http://schemas.openxmlformats.org/presentationml/2006/main">
   <p:cSld>
     <p:bg>
       <p:bgPr>
         <a:solidFill>
           <a:schemeClr val="lt1"/>
         </a:solidFill>
+        <a:effectLst/>
       </p:bgPr>
     </p:bg>
     <p:spTree>
       <p:nvGrpSpPr>
-        <p:cNvPr id="50" name="Shape 50"/>
+        <p:cNvPr id="1" name="Shape 50"/>
         <p:cNvGrpSpPr/>
         <p:nvPr/>
       </p:nvGrpSpPr>
@@ -7961,7 +8295,9 @@
       <p:sp>
         <p:nvSpPr>
           <p:cNvPr id="51" name="Shape 51"/>
-          <p:cNvSpPr txBox="1"/>
+          <p:cNvSpPr txBox="1">
+            <a:spLocks noGrp="1"/>
+          </p:cNvSpPr>
           <p:nvPr>
             <p:ph type="title"/>
           </p:nvPr>
@@ -7980,7 +8316,7 @@
           </a:ln>
         </p:spPr>
         <p:txBody>
-          <a:bodyPr anchorCtr="0" anchor="t" bIns="91425" lIns="91425" rIns="91425" tIns="91425"/>
+          <a:bodyPr lIns="91425" tIns="91425" rIns="91425" bIns="91425" anchor="t" anchorCtr="0"/>
           <a:lstStyle>
             <a:lvl1pPr lvl="0" rtl="0">
               <a:spcBef>
@@ -8163,15 +8499,19 @@
               </a:defRPr>
             </a:lvl9pPr>
           </a:lstStyle>
-          <a:p/>
+          <a:p>
+            <a:endParaRPr/>
+          </a:p>
         </p:txBody>
       </p:sp>
       <p:sp>
         <p:nvSpPr>
           <p:cNvPr id="52" name="Shape 52"/>
-          <p:cNvSpPr txBox="1"/>
+          <p:cNvSpPr txBox="1">
+            <a:spLocks noGrp="1"/>
+          </p:cNvSpPr>
           <p:nvPr>
-            <p:ph idx="1" type="body"/>
+            <p:ph type="body" idx="1"/>
           </p:nvPr>
         </p:nvSpPr>
         <p:spPr>
@@ -8188,7 +8528,7 @@
           </a:ln>
         </p:spPr>
         <p:txBody>
-          <a:bodyPr anchorCtr="0" anchor="t" bIns="91425" lIns="91425" rIns="91425" tIns="91425"/>
+          <a:bodyPr lIns="91425" tIns="91425" rIns="91425" bIns="91425" anchor="t" anchorCtr="0"/>
           <a:lstStyle>
             <a:lvl1pPr lvl="0" rtl="0">
               <a:lnSpc>
@@ -8408,15 +8748,19 @@
               </a:defRPr>
             </a:lvl9pPr>
           </a:lstStyle>
-          <a:p/>
+          <a:p>
+            <a:endParaRPr/>
+          </a:p>
         </p:txBody>
       </p:sp>
       <p:sp>
         <p:nvSpPr>
           <p:cNvPr id="53" name="Shape 53"/>
-          <p:cNvSpPr txBox="1"/>
+          <p:cNvSpPr txBox="1">
+            <a:spLocks noGrp="1"/>
+          </p:cNvSpPr>
           <p:nvPr>
-            <p:ph idx="12" type="sldNum"/>
+            <p:ph type="sldNum" idx="12"/>
           </p:nvPr>
         </p:nvSpPr>
         <p:spPr>
@@ -8433,12 +8777,12 @@
           </a:ln>
         </p:spPr>
         <p:txBody>
-          <a:bodyPr anchorCtr="0" anchor="ctr" bIns="91425" lIns="91425" rIns="91425" tIns="91425">
+          <a:bodyPr lIns="91425" tIns="91425" rIns="91425" bIns="91425" anchor="ctr" anchorCtr="0">
             <a:noAutofit/>
           </a:bodyPr>
           <a:lstStyle/>
           <a:p>
-            <a:pPr lvl="0" rtl="0" algn="r">
+            <a:pPr lvl="0" algn="r" rtl="0">
               <a:spcBef>
                 <a:spcPts val="0"/>
               </a:spcBef>
@@ -8456,12 +8800,21 @@
               </a:rPr>
               <a:t>‹#›</a:t>
             </a:fld>
+            <a:endParaRPr lang="en" sz="1000">
+              <a:solidFill>
+                <a:schemeClr val="lt1"/>
+              </a:solidFill>
+              <a:latin typeface="Roboto"/>
+              <a:ea typeface="Roboto"/>
+              <a:cs typeface="Roboto"/>
+              <a:sym typeface="Roboto"/>
+            </a:endParaRPr>
           </a:p>
         </p:txBody>
       </p:sp>
     </p:spTree>
   </p:cSld>
-  <p:clrMap accent1="accent1" accent2="accent2" accent3="accent3" accent4="accent4" accent5="accent5" accent6="accent6" bg1="lt1" bg2="dk2" tx1="dk1" tx2="lt2" folHlink="folHlink" hlink="hlink"/>
+  <p:clrMap bg1="lt1" tx1="dk1" bg2="dk2" tx2="lt2" accent1="accent1" accent2="accent2" accent3="accent3" accent4="accent4" accent5="accent5" accent6="accent6" hlink="hlink" folHlink="folHlink"/>
   <p:sldLayoutIdLst>
     <p:sldLayoutId id="2147483659" r:id="rId1"/>
     <p:sldLayoutId id="2147483660" r:id="rId2"/>
@@ -8475,10 +8828,10 @@
     <p:sldLayoutId id="2147483668" r:id="rId10"/>
     <p:sldLayoutId id="2147483669" r:id="rId11"/>
   </p:sldLayoutIdLst>
-  <p:hf dt="0" ftr="0" hdr="0" sldNum="0"/>
+  <p:hf sldNum="0" hdr="0" ftr="0" dt="0"/>
   <p:txStyles>
     <p:titleStyle>
-      <a:defPPr lvl="0" marR="0" rtl="0" algn="l">
+      <a:defPPr marR="0" lvl="0" algn="l" rtl="0">
         <a:lnSpc>
           <a:spcPct val="100000"/>
         </a:lnSpc>
@@ -8489,7 +8842,7 @@
           <a:spcPts val="0"/>
         </a:spcAft>
       </a:defPPr>
-      <a:lvl1pPr lvl="0" marR="0" rtl="0" algn="l">
+      <a:lvl1pPr marR="0" lvl="0" algn="l" rtl="0">
         <a:lnSpc>
           <a:spcPct val="100000"/>
         </a:lnSpc>
@@ -8500,7 +8853,7 @@
           <a:spcPts val="0"/>
         </a:spcAft>
         <a:buNone/>
-        <a:defRPr b="0" i="0" sz="1400" u="none" cap="none" strike="noStrike">
+        <a:defRPr sz="1400" b="0" i="0" u="none" strike="noStrike" cap="none">
           <a:solidFill>
             <a:srgbClr val="000000"/>
           </a:solidFill>
@@ -8512,7 +8865,7 @@
       </a:lvl1pPr>
     </p:titleStyle>
     <p:bodyStyle>
-      <a:defPPr lvl="0" marR="0" rtl="0" algn="l">
+      <a:defPPr marR="0" lvl="0" algn="l" rtl="0">
         <a:lnSpc>
           <a:spcPct val="100000"/>
         </a:lnSpc>
@@ -8523,7 +8876,7 @@
           <a:spcPts val="0"/>
         </a:spcAft>
       </a:defPPr>
-      <a:lvl1pPr lvl="0" marR="0" rtl="0" algn="l">
+      <a:lvl1pPr marR="0" lvl="0" algn="l" rtl="0">
         <a:lnSpc>
           <a:spcPct val="100000"/>
         </a:lnSpc>
@@ -8534,7 +8887,7 @@
           <a:spcPts val="0"/>
         </a:spcAft>
         <a:buNone/>
-        <a:defRPr b="0" i="0" sz="1400" u="none" cap="none" strike="noStrike">
+        <a:defRPr sz="1400" b="0" i="0" u="none" strike="noStrike" cap="none">
           <a:solidFill>
             <a:srgbClr val="000000"/>
           </a:solidFill>
@@ -8544,7 +8897,7 @@
           <a:sym typeface="Arial"/>
         </a:defRPr>
       </a:lvl1pPr>
-      <a:lvl2pPr lvl="1" marR="0" rtl="0" algn="l">
+      <a:lvl2pPr marR="0" lvl="1" algn="l" rtl="0">
         <a:lnSpc>
           <a:spcPct val="100000"/>
         </a:lnSpc>
@@ -8555,7 +8908,7 @@
           <a:spcPts val="0"/>
         </a:spcAft>
         <a:buNone/>
-        <a:defRPr b="0" i="0" sz="1400" u="none" cap="none" strike="noStrike">
+        <a:defRPr sz="1400" b="0" i="0" u="none" strike="noStrike" cap="none">
           <a:solidFill>
             <a:srgbClr val="000000"/>
           </a:solidFill>
@@ -8565,7 +8918,7 @@
           <a:sym typeface="Arial"/>
         </a:defRPr>
       </a:lvl2pPr>
-      <a:lvl3pPr lvl="2" marR="0" rtl="0" algn="l">
+      <a:lvl3pPr marR="0" lvl="2" algn="l" rtl="0">
         <a:lnSpc>
           <a:spcPct val="100000"/>
         </a:lnSpc>
@@ -8576,7 +8929,7 @@
           <a:spcPts val="0"/>
         </a:spcAft>
         <a:buNone/>
-        <a:defRPr b="0" i="0" sz="1400" u="none" cap="none" strike="noStrike">
+        <a:defRPr sz="1400" b="0" i="0" u="none" strike="noStrike" cap="none">
           <a:solidFill>
             <a:srgbClr val="000000"/>
           </a:solidFill>
@@ -8586,7 +8939,7 @@
           <a:sym typeface="Arial"/>
         </a:defRPr>
       </a:lvl3pPr>
-      <a:lvl4pPr lvl="3" marR="0" rtl="0" algn="l">
+      <a:lvl4pPr marR="0" lvl="3" algn="l" rtl="0">
         <a:lnSpc>
           <a:spcPct val="100000"/>
         </a:lnSpc>
@@ -8597,7 +8950,7 @@
           <a:spcPts val="0"/>
         </a:spcAft>
         <a:buNone/>
-        <a:defRPr b="0" i="0" sz="1400" u="none" cap="none" strike="noStrike">
+        <a:defRPr sz="1400" b="0" i="0" u="none" strike="noStrike" cap="none">
           <a:solidFill>
             <a:srgbClr val="000000"/>
           </a:solidFill>
@@ -8607,7 +8960,7 @@
           <a:sym typeface="Arial"/>
         </a:defRPr>
       </a:lvl4pPr>
-      <a:lvl5pPr lvl="4" marR="0" rtl="0" algn="l">
+      <a:lvl5pPr marR="0" lvl="4" algn="l" rtl="0">
         <a:lnSpc>
           <a:spcPct val="100000"/>
         </a:lnSpc>
@@ -8618,7 +8971,7 @@
           <a:spcPts val="0"/>
         </a:spcAft>
         <a:buNone/>
-        <a:defRPr b="0" i="0" sz="1400" u="none" cap="none" strike="noStrike">
+        <a:defRPr sz="1400" b="0" i="0" u="none" strike="noStrike" cap="none">
           <a:solidFill>
             <a:srgbClr val="000000"/>
           </a:solidFill>
@@ -8628,7 +8981,7 @@
           <a:sym typeface="Arial"/>
         </a:defRPr>
       </a:lvl5pPr>
-      <a:lvl6pPr lvl="5" marR="0" rtl="0" algn="l">
+      <a:lvl6pPr marR="0" lvl="5" algn="l" rtl="0">
         <a:lnSpc>
           <a:spcPct val="100000"/>
         </a:lnSpc>
@@ -8639,7 +8992,7 @@
           <a:spcPts val="0"/>
         </a:spcAft>
         <a:buNone/>
-        <a:defRPr b="0" i="0" sz="1400" u="none" cap="none" strike="noStrike">
+        <a:defRPr sz="1400" b="0" i="0" u="none" strike="noStrike" cap="none">
           <a:solidFill>
             <a:srgbClr val="000000"/>
           </a:solidFill>
@@ -8649,7 +9002,7 @@
           <a:sym typeface="Arial"/>
         </a:defRPr>
       </a:lvl6pPr>
-      <a:lvl7pPr lvl="6" marR="0" rtl="0" algn="l">
+      <a:lvl7pPr marR="0" lvl="6" algn="l" rtl="0">
         <a:lnSpc>
           <a:spcPct val="100000"/>
         </a:lnSpc>
@@ -8660,7 +9013,7 @@
           <a:spcPts val="0"/>
         </a:spcAft>
         <a:buNone/>
-        <a:defRPr b="0" i="0" sz="1400" u="none" cap="none" strike="noStrike">
+        <a:defRPr sz="1400" b="0" i="0" u="none" strike="noStrike" cap="none">
           <a:solidFill>
             <a:srgbClr val="000000"/>
           </a:solidFill>
@@ -8670,7 +9023,7 @@
           <a:sym typeface="Arial"/>
         </a:defRPr>
       </a:lvl7pPr>
-      <a:lvl8pPr lvl="7" marR="0" rtl="0" algn="l">
+      <a:lvl8pPr marR="0" lvl="7" algn="l" rtl="0">
         <a:lnSpc>
           <a:spcPct val="100000"/>
         </a:lnSpc>
@@ -8681,7 +9034,7 @@
           <a:spcPts val="0"/>
         </a:spcAft>
         <a:buNone/>
-        <a:defRPr b="0" i="0" sz="1400" u="none" cap="none" strike="noStrike">
+        <a:defRPr sz="1400" b="0" i="0" u="none" strike="noStrike" cap="none">
           <a:solidFill>
             <a:srgbClr val="000000"/>
           </a:solidFill>
@@ -8691,7 +9044,7 @@
           <a:sym typeface="Arial"/>
         </a:defRPr>
       </a:lvl8pPr>
-      <a:lvl9pPr lvl="8" marR="0" rtl="0" algn="l">
+      <a:lvl9pPr marR="0" lvl="8" algn="l" rtl="0">
         <a:lnSpc>
           <a:spcPct val="100000"/>
         </a:lnSpc>
@@ -8702,7 +9055,7 @@
           <a:spcPts val="0"/>
         </a:spcAft>
         <a:buNone/>
-        <a:defRPr b="0" i="0" sz="1400" u="none" cap="none" strike="noStrike">
+        <a:defRPr sz="1400" b="0" i="0" u="none" strike="noStrike" cap="none">
           <a:solidFill>
             <a:srgbClr val="000000"/>
           </a:solidFill>
@@ -8714,7 +9067,7 @@
       </a:lvl9pPr>
     </p:bodyStyle>
     <p:otherStyle>
-      <a:defPPr lvl="0" marR="0" rtl="0" algn="l">
+      <a:defPPr marR="0" lvl="0" algn="l" rtl="0">
         <a:lnSpc>
           <a:spcPct val="100000"/>
         </a:lnSpc>
@@ -8725,7 +9078,7 @@
           <a:spcPts val="0"/>
         </a:spcAft>
       </a:defPPr>
-      <a:lvl1pPr lvl="0" marR="0" rtl="0" algn="l">
+      <a:lvl1pPr marR="0" lvl="0" algn="l" rtl="0">
         <a:lnSpc>
           <a:spcPct val="100000"/>
         </a:lnSpc>
@@ -8736,7 +9089,7 @@
           <a:spcPts val="0"/>
         </a:spcAft>
         <a:buNone/>
-        <a:defRPr b="0" i="0" sz="1400" u="none" cap="none" strike="noStrike">
+        <a:defRPr sz="1400" b="0" i="0" u="none" strike="noStrike" cap="none">
           <a:solidFill>
             <a:srgbClr val="000000"/>
           </a:solidFill>
@@ -8746,7 +9099,7 @@
           <a:sym typeface="Arial"/>
         </a:defRPr>
       </a:lvl1pPr>
-      <a:lvl2pPr lvl="1" marR="0" rtl="0" algn="l">
+      <a:lvl2pPr marR="0" lvl="1" algn="l" rtl="0">
         <a:lnSpc>
           <a:spcPct val="100000"/>
         </a:lnSpc>
@@ -8757,7 +9110,7 @@
           <a:spcPts val="0"/>
         </a:spcAft>
         <a:buNone/>
-        <a:defRPr b="0" i="0" sz="1400" u="none" cap="none" strike="noStrike">
+        <a:defRPr sz="1400" b="0" i="0" u="none" strike="noStrike" cap="none">
           <a:solidFill>
             <a:srgbClr val="000000"/>
           </a:solidFill>
@@ -8767,7 +9120,7 @@
           <a:sym typeface="Arial"/>
         </a:defRPr>
       </a:lvl2pPr>
-      <a:lvl3pPr lvl="2" marR="0" rtl="0" algn="l">
+      <a:lvl3pPr marR="0" lvl="2" algn="l" rtl="0">
         <a:lnSpc>
           <a:spcPct val="100000"/>
         </a:lnSpc>
@@ -8778,7 +9131,7 @@
           <a:spcPts val="0"/>
         </a:spcAft>
         <a:buNone/>
-        <a:defRPr b="0" i="0" sz="1400" u="none" cap="none" strike="noStrike">
+        <a:defRPr sz="1400" b="0" i="0" u="none" strike="noStrike" cap="none">
           <a:solidFill>
             <a:srgbClr val="000000"/>
           </a:solidFill>
@@ -8788,7 +9141,7 @@
           <a:sym typeface="Arial"/>
         </a:defRPr>
       </a:lvl3pPr>
-      <a:lvl4pPr lvl="3" marR="0" rtl="0" algn="l">
+      <a:lvl4pPr marR="0" lvl="3" algn="l" rtl="0">
         <a:lnSpc>
           <a:spcPct val="100000"/>
         </a:lnSpc>
@@ -8799,7 +9152,7 @@
           <a:spcPts val="0"/>
         </a:spcAft>
         <a:buNone/>
-        <a:defRPr b="0" i="0" sz="1400" u="none" cap="none" strike="noStrike">
+        <a:defRPr sz="1400" b="0" i="0" u="none" strike="noStrike" cap="none">
           <a:solidFill>
             <a:srgbClr val="000000"/>
           </a:solidFill>
@@ -8809,7 +9162,7 @@
           <a:sym typeface="Arial"/>
         </a:defRPr>
       </a:lvl4pPr>
-      <a:lvl5pPr lvl="4" marR="0" rtl="0" algn="l">
+      <a:lvl5pPr marR="0" lvl="4" algn="l" rtl="0">
         <a:lnSpc>
           <a:spcPct val="100000"/>
         </a:lnSpc>
@@ -8820,7 +9173,7 @@
           <a:spcPts val="0"/>
         </a:spcAft>
         <a:buNone/>
-        <a:defRPr b="0" i="0" sz="1400" u="none" cap="none" strike="noStrike">
+        <a:defRPr sz="1400" b="0" i="0" u="none" strike="noStrike" cap="none">
           <a:solidFill>
             <a:srgbClr val="000000"/>
           </a:solidFill>
@@ -8830,7 +9183,7 @@
           <a:sym typeface="Arial"/>
         </a:defRPr>
       </a:lvl5pPr>
-      <a:lvl6pPr lvl="5" marR="0" rtl="0" algn="l">
+      <a:lvl6pPr marR="0" lvl="5" algn="l" rtl="0">
         <a:lnSpc>
           <a:spcPct val="100000"/>
         </a:lnSpc>
@@ -8841,7 +9194,7 @@
           <a:spcPts val="0"/>
         </a:spcAft>
         <a:buNone/>
-        <a:defRPr b="0" i="0" sz="1400" u="none" cap="none" strike="noStrike">
+        <a:defRPr sz="1400" b="0" i="0" u="none" strike="noStrike" cap="none">
           <a:solidFill>
             <a:srgbClr val="000000"/>
           </a:solidFill>
@@ -8851,7 +9204,7 @@
           <a:sym typeface="Arial"/>
         </a:defRPr>
       </a:lvl6pPr>
-      <a:lvl7pPr lvl="6" marR="0" rtl="0" algn="l">
+      <a:lvl7pPr marR="0" lvl="6" algn="l" rtl="0">
         <a:lnSpc>
           <a:spcPct val="100000"/>
         </a:lnSpc>
@@ -8862,7 +9215,7 @@
           <a:spcPts val="0"/>
         </a:spcAft>
         <a:buNone/>
-        <a:defRPr b="0" i="0" sz="1400" u="none" cap="none" strike="noStrike">
+        <a:defRPr sz="1400" b="0" i="0" u="none" strike="noStrike" cap="none">
           <a:solidFill>
             <a:srgbClr val="000000"/>
           </a:solidFill>
@@ -8872,7 +9225,7 @@
           <a:sym typeface="Arial"/>
         </a:defRPr>
       </a:lvl7pPr>
-      <a:lvl8pPr lvl="7" marR="0" rtl="0" algn="l">
+      <a:lvl8pPr marR="0" lvl="7" algn="l" rtl="0">
         <a:lnSpc>
           <a:spcPct val="100000"/>
         </a:lnSpc>
@@ -8883,7 +9236,7 @@
           <a:spcPts val="0"/>
         </a:spcAft>
         <a:buNone/>
-        <a:defRPr b="0" i="0" sz="1400" u="none" cap="none" strike="noStrike">
+        <a:defRPr sz="1400" b="0" i="0" u="none" strike="noStrike" cap="none">
           <a:solidFill>
             <a:srgbClr val="000000"/>
           </a:solidFill>
@@ -8893,7 +9246,7 @@
           <a:sym typeface="Arial"/>
         </a:defRPr>
       </a:lvl8pPr>
-      <a:lvl9pPr lvl="8" marR="0" rtl="0" algn="l">
+      <a:lvl9pPr marR="0" lvl="8" algn="l" rtl="0">
         <a:lnSpc>
           <a:spcPct val="100000"/>
         </a:lnSpc>
@@ -8904,7 +9257,7 @@
           <a:spcPts val="0"/>
         </a:spcAft>
         <a:buNone/>
-        <a:defRPr b="0" i="0" sz="1400" u="none" cap="none" strike="noStrike">
+        <a:defRPr sz="1400" b="0" i="0" u="none" strike="noStrike" cap="none">
           <a:solidFill>
             <a:srgbClr val="000000"/>
           </a:solidFill>
@@ -8920,11 +9273,11 @@
 </file>
 
 <file path=ppt/slides/slide1.xml><?xml version="1.0" encoding="utf-8"?>
-<p:sld xmlns:a="http://schemas.openxmlformats.org/drawingml/2006/main" xmlns:r="http://schemas.openxmlformats.org/officeDocument/2006/relationships" xmlns:mc="http://schemas.openxmlformats.org/markup-compatibility/2006" xmlns:mv="urn:schemas-microsoft-com:mac:vml" xmlns:p="http://schemas.openxmlformats.org/presentationml/2006/main" xmlns:c="http://schemas.openxmlformats.org/drawingml/2006/chart" xmlns:dgm="http://schemas.openxmlformats.org/drawingml/2006/diagram" xmlns:o="urn:schemas-microsoft-com:office:office" xmlns:v="urn:schemas-microsoft-com:vml" xmlns:pvml="urn:schemas-microsoft-com:office:powerpoint" xmlns:com="http://schemas.openxmlformats.org/drawingml/2006/compatibility" xmlns:p14="http://schemas.microsoft.com/office/powerpoint/2010/main">
+<p:sld xmlns:a="http://schemas.openxmlformats.org/drawingml/2006/main" xmlns:r="http://schemas.openxmlformats.org/officeDocument/2006/relationships" xmlns:p="http://schemas.openxmlformats.org/presentationml/2006/main">
   <p:cSld>
     <p:spTree>
       <p:nvGrpSpPr>
-        <p:cNvPr id="129" name="Shape 129"/>
+        <p:cNvPr id="1" name="Shape 129"/>
         <p:cNvGrpSpPr/>
         <p:nvPr/>
       </p:nvGrpSpPr>
@@ -8939,7 +9292,9 @@
       <p:sp>
         <p:nvSpPr>
           <p:cNvPr id="130" name="Shape 130"/>
-          <p:cNvSpPr txBox="1"/>
+          <p:cNvSpPr txBox="1">
+            <a:spLocks noGrp="1"/>
+          </p:cNvSpPr>
           <p:nvPr>
             <p:ph type="title"/>
           </p:nvPr>
@@ -8954,7 +9309,7 @@
           </a:prstGeom>
         </p:spPr>
         <p:txBody>
-          <a:bodyPr anchorCtr="0" anchor="t" bIns="91425" lIns="91425" rIns="91425" tIns="91425">
+          <a:bodyPr lIns="91425" tIns="91425" rIns="91425" bIns="91425" anchor="t" anchorCtr="0">
             <a:noAutofit/>
           </a:bodyPr>
           <a:lstStyle/>
@@ -8975,9 +9330,11 @@
       <p:sp>
         <p:nvSpPr>
           <p:cNvPr id="131" name="Shape 131"/>
-          <p:cNvSpPr txBox="1"/>
+          <p:cNvSpPr txBox="1">
+            <a:spLocks noGrp="1"/>
+          </p:cNvSpPr>
           <p:nvPr>
-            <p:ph idx="1" type="body"/>
+            <p:ph type="body" idx="1"/>
           </p:nvPr>
         </p:nvSpPr>
         <p:spPr>
@@ -8990,19 +9347,19 @@
           </a:prstGeom>
         </p:spPr>
         <p:txBody>
-          <a:bodyPr anchorCtr="0" anchor="t" bIns="91425" lIns="91425" rIns="91425" tIns="91425">
+          <a:bodyPr lIns="91425" tIns="91425" rIns="91425" bIns="91425" anchor="t" anchorCtr="0">
             <a:noAutofit/>
           </a:bodyPr>
           <a:lstStyle/>
           <a:p>
-            <a:pPr lvl="0" rtl="0" algn="ctr">
+            <a:pPr lvl="0" algn="ctr" rtl="0">
               <a:spcBef>
                 <a:spcPts val="0"/>
               </a:spcBef>
               <a:buNone/>
             </a:pPr>
             <a:r>
-              <a:rPr b="1" lang="en"/>
+              <a:rPr lang="en" b="1"/>
               <a:t>Presented by PixiGo</a:t>
             </a:r>
           </a:p>
@@ -9014,7 +9371,7 @@
               <a:buNone/>
             </a:pPr>
             <a:r>
-              <a:rPr b="1" lang="en"/>
+              <a:rPr lang="en" b="1"/>
               <a:t>Shuxin Yu</a:t>
             </a:r>
             <a:r>
@@ -9030,7 +9387,7 @@
               <a:buNone/>
             </a:pPr>
             <a:r>
-              <a:rPr b="1" lang="en"/>
+              <a:rPr lang="en" b="1"/>
               <a:t>Shivani Singhal </a:t>
             </a:r>
             <a:r>
@@ -9046,7 +9403,7 @@
               <a:buNone/>
             </a:pPr>
             <a:r>
-              <a:rPr b="1" lang="en"/>
+              <a:rPr lang="en" b="1"/>
               <a:t>Hima Bindhu Busireddy</a:t>
             </a:r>
             <a:r>
@@ -9062,7 +9419,7 @@
               <a:buNone/>
             </a:pPr>
             <a:r>
-              <a:rPr b="1" lang="en"/>
+              <a:rPr lang="en" b="1"/>
               <a:t>Deepthi Thotakura</a:t>
             </a:r>
             <a:r>
@@ -9077,9 +9434,6 @@
               </a:spcBef>
               <a:buNone/>
             </a:pPr>
-            <a:r>
-              <a:t/>
-            </a:r>
             <a:endParaRPr/>
           </a:p>
         </p:txBody>
@@ -9093,11 +9447,11 @@
 </file>
 
 <file path=ppt/slides/slide2.xml><?xml version="1.0" encoding="utf-8"?>
-<p:sld xmlns:a="http://schemas.openxmlformats.org/drawingml/2006/main" xmlns:r="http://schemas.openxmlformats.org/officeDocument/2006/relationships" xmlns:mc="http://schemas.openxmlformats.org/markup-compatibility/2006" xmlns:mv="urn:schemas-microsoft-com:mac:vml" xmlns:p="http://schemas.openxmlformats.org/presentationml/2006/main" xmlns:c="http://schemas.openxmlformats.org/drawingml/2006/chart" xmlns:dgm="http://schemas.openxmlformats.org/drawingml/2006/diagram" xmlns:o="urn:schemas-microsoft-com:office:office" xmlns:v="urn:schemas-microsoft-com:vml" xmlns:pvml="urn:schemas-microsoft-com:office:powerpoint" xmlns:com="http://schemas.openxmlformats.org/drawingml/2006/compatibility" xmlns:p14="http://schemas.microsoft.com/office/powerpoint/2010/main">
+<p:sld xmlns:a="http://schemas.openxmlformats.org/drawingml/2006/main" xmlns:r="http://schemas.openxmlformats.org/officeDocument/2006/relationships" xmlns:p="http://schemas.openxmlformats.org/presentationml/2006/main">
   <p:cSld>
     <p:spTree>
       <p:nvGrpSpPr>
-        <p:cNvPr id="135" name="Shape 135"/>
+        <p:cNvPr id="1" name="Shape 135"/>
         <p:cNvGrpSpPr/>
         <p:nvPr/>
       </p:nvGrpSpPr>
@@ -9112,7 +9466,9 @@
       <p:sp>
         <p:nvSpPr>
           <p:cNvPr id="136" name="Shape 136"/>
-          <p:cNvSpPr txBox="1"/>
+          <p:cNvSpPr txBox="1">
+            <a:spLocks noGrp="1"/>
+          </p:cNvSpPr>
           <p:nvPr>
             <p:ph type="title"/>
           </p:nvPr>
@@ -9127,7 +9483,7 @@
           </a:prstGeom>
         </p:spPr>
         <p:txBody>
-          <a:bodyPr anchorCtr="0" anchor="t" bIns="91425" lIns="91425" rIns="91425" tIns="91425">
+          <a:bodyPr lIns="91425" tIns="91425" rIns="91425" bIns="91425" anchor="t" anchorCtr="0">
             <a:noAutofit/>
           </a:bodyPr>
           <a:lstStyle/>
@@ -9148,9 +9504,11 @@
       <p:sp>
         <p:nvSpPr>
           <p:cNvPr id="137" name="Shape 137"/>
-          <p:cNvSpPr txBox="1"/>
+          <p:cNvSpPr txBox="1">
+            <a:spLocks noGrp="1"/>
+          </p:cNvSpPr>
           <p:nvPr>
-            <p:ph idx="1" type="body"/>
+            <p:ph type="body" idx="1"/>
           </p:nvPr>
         </p:nvSpPr>
         <p:spPr>
@@ -9163,88 +9521,97 @@
           </a:prstGeom>
         </p:spPr>
         <p:txBody>
-          <a:bodyPr anchorCtr="0" anchor="t" bIns="91425" lIns="91425" rIns="91425" tIns="91425">
+          <a:bodyPr lIns="91425" tIns="91425" rIns="91425" bIns="91425" anchor="t" anchorCtr="0">
             <a:noAutofit/>
           </a:bodyPr>
           <a:lstStyle/>
           <a:p>
-            <a:pPr indent="-228600" lvl="0" marL="457200" rtl="0">
+            <a:pPr marL="457200" lvl="0" indent="-228600" rtl="0">
               <a:spcBef>
                 <a:spcPts val="0"/>
               </a:spcBef>
             </a:pPr>
             <a:r>
-              <a:rPr lang="en"/>
+              <a:rPr lang="en" dirty="0"/>
               <a:t>Cover basic concepts of Computer Graphics</a:t>
             </a:r>
           </a:p>
           <a:p>
-            <a:pPr indent="-228600" lvl="0" marL="457200" rtl="0">
+            <a:pPr marL="457200" lvl="0" indent="-228600" rtl="0">
               <a:spcBef>
                 <a:spcPts val="0"/>
               </a:spcBef>
             </a:pPr>
             <a:r>
-              <a:rPr lang="en"/>
-              <a:t>Introduction to Processing IDE</a:t>
+              <a:rPr lang="en" dirty="0"/>
+              <a:t>Introduction to Processing </a:t>
             </a:r>
+            <a:r>
+              <a:rPr lang="en-US" dirty="0"/>
+              <a:t>W</a:t>
+            </a:r>
+            <a:r>
+              <a:rPr lang="en-US" dirty="0" smtClean="0"/>
+              <a:t>orking Environment </a:t>
+            </a:r>
+            <a:endParaRPr lang="en" dirty="0"/>
           </a:p>
           <a:p>
-            <a:pPr indent="-228600" lvl="0" marL="457200" rtl="0">
+            <a:pPr marL="457200" lvl="0" indent="-228600" rtl="0">
               <a:spcBef>
                 <a:spcPts val="0"/>
               </a:spcBef>
             </a:pPr>
             <a:r>
-              <a:rPr lang="en"/>
+              <a:rPr lang="en" dirty="0"/>
               <a:t>After taking this workshop a student should be able to</a:t>
             </a:r>
           </a:p>
           <a:p>
-            <a:pPr indent="-317500" lvl="1" marL="914400" rtl="0">
+            <a:pPr marL="914400" lvl="1" indent="-317500" rtl="0">
               <a:spcBef>
                 <a:spcPts val="0"/>
               </a:spcBef>
               <a:buSzPct val="100000"/>
             </a:pPr>
             <a:r>
-              <a:rPr lang="en"/>
+              <a:rPr lang="en" dirty="0"/>
               <a:t>Dr</a:t>
             </a:r>
             <a:r>
-              <a:rPr lang="en" sz="1400"/>
+              <a:rPr lang="en" sz="1400" dirty="0"/>
               <a:t>aw complex 2D and 3D objects  </a:t>
             </a:r>
           </a:p>
           <a:p>
-            <a:pPr indent="-317500" lvl="1" marL="914400" rtl="0">
+            <a:pPr marL="914400" lvl="1" indent="-317500" rtl="0">
               <a:spcBef>
                 <a:spcPts val="0"/>
               </a:spcBef>
               <a:buSzPct val="100000"/>
             </a:pPr>
             <a:r>
-              <a:rPr lang="en" sz="1400"/>
+              <a:rPr lang="en" sz="1400" dirty="0"/>
               <a:t>Animate the objects using transformations</a:t>
             </a:r>
           </a:p>
           <a:p>
-            <a:pPr indent="-317500" lvl="1" marL="914400" rtl="0">
+            <a:pPr marL="914400" lvl="1" indent="-317500" rtl="0">
               <a:spcBef>
                 <a:spcPts val="0"/>
               </a:spcBef>
               <a:buSzPct val="100000"/>
             </a:pPr>
             <a:r>
-              <a:rPr lang="en"/>
+              <a:rPr lang="en" dirty="0"/>
               <a:t>Get idea of </a:t>
             </a:r>
             <a:r>
-              <a:rPr lang="en" sz="1400"/>
+              <a:rPr lang="en" sz="1400" dirty="0"/>
               <a:t> perspective projec</a:t>
             </a:r>
             <a:r>
-              <a:rPr lang="en"/>
+              <a:rPr lang="en" dirty="0"/>
               <a:t>tion</a:t>
             </a:r>
           </a:p>
@@ -9259,11 +9626,11 @@
 </file>
 
 <file path=ppt/slides/slide3.xml><?xml version="1.0" encoding="utf-8"?>
-<p:sld xmlns:a="http://schemas.openxmlformats.org/drawingml/2006/main" xmlns:r="http://schemas.openxmlformats.org/officeDocument/2006/relationships" xmlns:mc="http://schemas.openxmlformats.org/markup-compatibility/2006" xmlns:mv="urn:schemas-microsoft-com:mac:vml" xmlns:p="http://schemas.openxmlformats.org/presentationml/2006/main" xmlns:c="http://schemas.openxmlformats.org/drawingml/2006/chart" xmlns:dgm="http://schemas.openxmlformats.org/drawingml/2006/diagram" xmlns:o="urn:schemas-microsoft-com:office:office" xmlns:v="urn:schemas-microsoft-com:vml" xmlns:pvml="urn:schemas-microsoft-com:office:powerpoint" xmlns:com="http://schemas.openxmlformats.org/drawingml/2006/compatibility" xmlns:p14="http://schemas.microsoft.com/office/powerpoint/2010/main">
+<p:sld xmlns:a="http://schemas.openxmlformats.org/drawingml/2006/main" xmlns:r="http://schemas.openxmlformats.org/officeDocument/2006/relationships" xmlns:p="http://schemas.openxmlformats.org/presentationml/2006/main">
   <p:cSld>
     <p:spTree>
       <p:nvGrpSpPr>
-        <p:cNvPr id="141" name="Shape 141"/>
+        <p:cNvPr id="1" name="Shape 141"/>
         <p:cNvGrpSpPr/>
         <p:nvPr/>
       </p:nvGrpSpPr>
@@ -9278,7 +9645,9 @@
       <p:sp>
         <p:nvSpPr>
           <p:cNvPr id="142" name="Shape 142"/>
-          <p:cNvSpPr txBox="1"/>
+          <p:cNvSpPr txBox="1">
+            <a:spLocks noGrp="1"/>
+          </p:cNvSpPr>
           <p:nvPr>
             <p:ph type="title"/>
           </p:nvPr>
@@ -9293,7 +9662,7 @@
           </a:prstGeom>
         </p:spPr>
         <p:txBody>
-          <a:bodyPr anchorCtr="0" anchor="t" bIns="91425" lIns="91425" rIns="91425" tIns="91425">
+          <a:bodyPr lIns="91425" tIns="91425" rIns="91425" bIns="91425" anchor="t" anchorCtr="0">
             <a:noAutofit/>
           </a:bodyPr>
           <a:lstStyle/>
@@ -9314,9 +9683,11 @@
       <p:sp>
         <p:nvSpPr>
           <p:cNvPr id="143" name="Shape 143"/>
-          <p:cNvSpPr txBox="1"/>
+          <p:cNvSpPr txBox="1">
+            <a:spLocks noGrp="1"/>
+          </p:cNvSpPr>
           <p:nvPr>
-            <p:ph idx="1" type="body"/>
+            <p:ph type="body" idx="1"/>
           </p:nvPr>
         </p:nvSpPr>
         <p:spPr>
@@ -9329,12 +9700,12 @@
           </a:prstGeom>
         </p:spPr>
         <p:txBody>
-          <a:bodyPr anchorCtr="0" anchor="t" bIns="91425" lIns="91425" rIns="91425" tIns="91425">
+          <a:bodyPr lIns="91425" tIns="91425" rIns="91425" bIns="91425" anchor="t" anchorCtr="0">
             <a:noAutofit/>
           </a:bodyPr>
           <a:lstStyle/>
           <a:p>
-            <a:pPr indent="-228600" lvl="0" marL="457200" rtl="0">
+            <a:pPr marL="457200" lvl="0" indent="-228600" rtl="0">
               <a:spcBef>
                 <a:spcPts val="0"/>
               </a:spcBef>
@@ -9345,7 +9716,7 @@
             </a:r>
           </a:p>
           <a:p>
-            <a:pPr indent="-228600" lvl="0" marL="457200" rtl="0">
+            <a:pPr marL="457200" lvl="0" indent="-228600" rtl="0">
               <a:spcBef>
                 <a:spcPts val="0"/>
               </a:spcBef>
@@ -9362,9 +9733,6 @@
               </a:spcBef>
               <a:buNone/>
             </a:pPr>
-            <a:r>
-              <a:t/>
-            </a:r>
             <a:endParaRPr/>
           </a:p>
         </p:txBody>
@@ -9378,11 +9746,11 @@
 </file>
 
 <file path=ppt/slides/slide4.xml><?xml version="1.0" encoding="utf-8"?>
-<p:sld xmlns:a="http://schemas.openxmlformats.org/drawingml/2006/main" xmlns:r="http://schemas.openxmlformats.org/officeDocument/2006/relationships" xmlns:mc="http://schemas.openxmlformats.org/markup-compatibility/2006" xmlns:mv="urn:schemas-microsoft-com:mac:vml" xmlns:p="http://schemas.openxmlformats.org/presentationml/2006/main" xmlns:c="http://schemas.openxmlformats.org/drawingml/2006/chart" xmlns:dgm="http://schemas.openxmlformats.org/drawingml/2006/diagram" xmlns:o="urn:schemas-microsoft-com:office:office" xmlns:v="urn:schemas-microsoft-com:vml" xmlns:pvml="urn:schemas-microsoft-com:office:powerpoint" xmlns:com="http://schemas.openxmlformats.org/drawingml/2006/compatibility" xmlns:p14="http://schemas.microsoft.com/office/powerpoint/2010/main">
+<p:sld xmlns:a="http://schemas.openxmlformats.org/drawingml/2006/main" xmlns:r="http://schemas.openxmlformats.org/officeDocument/2006/relationships" xmlns:p="http://schemas.openxmlformats.org/presentationml/2006/main">
   <p:cSld>
     <p:spTree>
       <p:nvGrpSpPr>
-        <p:cNvPr id="147" name="Shape 147"/>
+        <p:cNvPr id="1" name="Shape 147"/>
         <p:cNvGrpSpPr/>
         <p:nvPr/>
       </p:nvGrpSpPr>
@@ -9397,7 +9765,9 @@
       <p:sp>
         <p:nvSpPr>
           <p:cNvPr id="148" name="Shape 148"/>
-          <p:cNvSpPr txBox="1"/>
+          <p:cNvSpPr txBox="1">
+            <a:spLocks noGrp="1"/>
+          </p:cNvSpPr>
           <p:nvPr>
             <p:ph type="title"/>
           </p:nvPr>
@@ -9412,7 +9782,7 @@
           </a:prstGeom>
         </p:spPr>
         <p:txBody>
-          <a:bodyPr anchorCtr="0" anchor="t" bIns="91425" lIns="91425" rIns="91425" tIns="91425">
+          <a:bodyPr lIns="91425" tIns="91425" rIns="91425" bIns="91425" anchor="t" anchorCtr="0">
             <a:noAutofit/>
           </a:bodyPr>
           <a:lstStyle/>
@@ -9433,9 +9803,11 @@
       <p:sp>
         <p:nvSpPr>
           <p:cNvPr id="149" name="Shape 149"/>
-          <p:cNvSpPr txBox="1"/>
+          <p:cNvSpPr txBox="1">
+            <a:spLocks noGrp="1"/>
+          </p:cNvSpPr>
           <p:nvPr>
-            <p:ph idx="1" type="body"/>
+            <p:ph type="body" idx="1"/>
           </p:nvPr>
         </p:nvSpPr>
         <p:spPr>
@@ -9448,64 +9820,75 @@
           </a:prstGeom>
         </p:spPr>
         <p:txBody>
-          <a:bodyPr anchorCtr="0" anchor="t" bIns="91425" lIns="91425" rIns="91425" tIns="91425">
+          <a:bodyPr lIns="91425" tIns="91425" rIns="91425" bIns="91425" anchor="t" anchorCtr="0">
             <a:noAutofit/>
           </a:bodyPr>
           <a:lstStyle/>
           <a:p>
-            <a:pPr indent="-228600" lvl="0" marL="457200" rtl="0">
+            <a:pPr marL="457200" lvl="0" indent="-228600" rtl="0">
               <a:spcBef>
                 <a:spcPts val="0"/>
               </a:spcBef>
             </a:pPr>
             <a:r>
-              <a:rPr lang="en"/>
+              <a:rPr lang="en" dirty="0"/>
               <a:t>2D and 3D models</a:t>
             </a:r>
           </a:p>
           <a:p>
-            <a:pPr indent="-228600" lvl="0" marL="457200" rtl="0">
+            <a:pPr marL="457200" lvl="0" indent="-228600" rtl="0">
               <a:spcBef>
                 <a:spcPts val="0"/>
               </a:spcBef>
             </a:pPr>
             <a:r>
-              <a:rPr lang="en"/>
-              <a:t>Homogenous coordinates</a:t>
+              <a:rPr lang="en" dirty="0"/>
+              <a:t>Homogenous </a:t>
             </a:r>
+            <a:r>
+              <a:rPr lang="en" dirty="0" smtClean="0"/>
+              <a:t>coordinates</a:t>
+            </a:r>
+            <a:endParaRPr lang="en-US" dirty="0" smtClean="0"/>
           </a:p>
           <a:p>
-            <a:pPr indent="-228600" lvl="0" marL="457200" rtl="0">
+            <a:pPr marL="457200" lvl="0" indent="-228600" rtl="0">
               <a:spcBef>
                 <a:spcPts val="0"/>
               </a:spcBef>
             </a:pPr>
             <a:r>
-              <a:rPr lang="en"/>
+              <a:rPr lang="en-US" dirty="0" smtClean="0"/>
+              <a:t>Projection</a:t>
+            </a:r>
+            <a:endParaRPr lang="en" dirty="0"/>
+          </a:p>
+          <a:p>
+            <a:pPr marL="457200" lvl="0" indent="-228600" rtl="0">
+              <a:spcBef>
+                <a:spcPts val="0"/>
+              </a:spcBef>
+            </a:pPr>
+            <a:r>
+              <a:rPr lang="en" dirty="0"/>
               <a:t>Transformation matrix</a:t>
             </a:r>
           </a:p>
           <a:p>
-            <a:pPr indent="-228600" lvl="0" marL="457200" rtl="0">
+            <a:pPr marL="457200" lvl="0" indent="-228600" rtl="0">
               <a:spcBef>
                 <a:spcPts val="0"/>
               </a:spcBef>
             </a:pPr>
             <a:r>
-              <a:rPr lang="en"/>
-              <a:t>Matrix stack</a:t>
+              <a:rPr lang="en" dirty="0"/>
+              <a:t>Matrix </a:t>
             </a:r>
-          </a:p>
-          <a:p>
-            <a:pPr indent="-228600" lvl="0" marL="457200">
-              <a:spcBef>
-                <a:spcPts val="0"/>
-              </a:spcBef>
-            </a:pPr>
             <a:r>
-              <a:rPr lang="en"/>
-              <a:t>Projection</a:t>
+              <a:rPr lang="en" dirty="0" smtClean="0"/>
+              <a:t>stack</a:t>
             </a:r>
+            <a:endParaRPr lang="en" dirty="0"/>
           </a:p>
         </p:txBody>
       </p:sp>
@@ -9518,11 +9901,11 @@
 </file>
 
 <file path=ppt/slides/slide5.xml><?xml version="1.0" encoding="utf-8"?>
-<p:sld xmlns:a="http://schemas.openxmlformats.org/drawingml/2006/main" xmlns:r="http://schemas.openxmlformats.org/officeDocument/2006/relationships" xmlns:mc="http://schemas.openxmlformats.org/markup-compatibility/2006" xmlns:mv="urn:schemas-microsoft-com:mac:vml" xmlns:p="http://schemas.openxmlformats.org/presentationml/2006/main" xmlns:c="http://schemas.openxmlformats.org/drawingml/2006/chart" xmlns:dgm="http://schemas.openxmlformats.org/drawingml/2006/diagram" xmlns:o="urn:schemas-microsoft-com:office:office" xmlns:v="urn:schemas-microsoft-com:vml" xmlns:pvml="urn:schemas-microsoft-com:office:powerpoint" xmlns:com="http://schemas.openxmlformats.org/drawingml/2006/compatibility" xmlns:p14="http://schemas.microsoft.com/office/powerpoint/2010/main">
+<p:sld xmlns:a="http://schemas.openxmlformats.org/drawingml/2006/main" xmlns:r="http://schemas.openxmlformats.org/officeDocument/2006/relationships" xmlns:p="http://schemas.openxmlformats.org/presentationml/2006/main">
   <p:cSld>
     <p:spTree>
       <p:nvGrpSpPr>
-        <p:cNvPr id="153" name="Shape 153"/>
+        <p:cNvPr id="1" name="Shape 153"/>
         <p:cNvGrpSpPr/>
         <p:nvPr/>
       </p:nvGrpSpPr>
@@ -9537,7 +9920,9 @@
       <p:sp>
         <p:nvSpPr>
           <p:cNvPr id="154" name="Shape 154"/>
-          <p:cNvSpPr txBox="1"/>
+          <p:cNvSpPr txBox="1">
+            <a:spLocks noGrp="1"/>
+          </p:cNvSpPr>
           <p:nvPr>
             <p:ph type="title"/>
           </p:nvPr>
@@ -9552,7 +9937,7 @@
           </a:prstGeom>
         </p:spPr>
         <p:txBody>
-          <a:bodyPr anchorCtr="0" anchor="t" bIns="91425" lIns="91425" rIns="91425" tIns="91425">
+          <a:bodyPr lIns="91425" tIns="91425" rIns="91425" bIns="91425" anchor="t" anchorCtr="0">
             <a:noAutofit/>
           </a:bodyPr>
           <a:lstStyle/>
@@ -9573,9 +9958,11 @@
       <p:sp>
         <p:nvSpPr>
           <p:cNvPr id="155" name="Shape 155"/>
-          <p:cNvSpPr txBox="1"/>
+          <p:cNvSpPr txBox="1">
+            <a:spLocks noGrp="1"/>
+          </p:cNvSpPr>
           <p:nvPr>
-            <p:ph idx="1" type="body"/>
+            <p:ph type="body" idx="1"/>
           </p:nvPr>
         </p:nvSpPr>
         <p:spPr>
@@ -9588,12 +9975,12 @@
           </a:prstGeom>
         </p:spPr>
         <p:txBody>
-          <a:bodyPr anchorCtr="0" anchor="t" bIns="91425" lIns="91425" rIns="91425" tIns="91425">
+          <a:bodyPr lIns="91425" tIns="91425" rIns="91425" bIns="91425" anchor="t" anchorCtr="0">
             <a:noAutofit/>
           </a:bodyPr>
           <a:lstStyle/>
           <a:p>
-            <a:pPr indent="-228600" lvl="0" marL="457200" rtl="0">
+            <a:pPr marL="457200" lvl="0" indent="-228600" rtl="0">
               <a:spcBef>
                 <a:spcPts val="0"/>
               </a:spcBef>
@@ -9604,7 +9991,7 @@
             </a:r>
           </a:p>
           <a:p>
-            <a:pPr indent="-228600" lvl="0" marL="457200" rtl="0">
+            <a:pPr marL="457200" lvl="0" indent="-228600" rtl="0">
               <a:spcBef>
                 <a:spcPts val="0"/>
               </a:spcBef>
@@ -9615,7 +10002,7 @@
             </a:r>
           </a:p>
           <a:p>
-            <a:pPr indent="-228600" lvl="0" marL="457200" rtl="0">
+            <a:pPr marL="457200" lvl="0" indent="-228600" rtl="0">
               <a:spcBef>
                 <a:spcPts val="0"/>
               </a:spcBef>
@@ -9626,7 +10013,7 @@
             </a:r>
           </a:p>
           <a:p>
-            <a:pPr indent="-228600" lvl="0" marL="457200" rtl="0">
+            <a:pPr marL="457200" lvl="0" indent="-228600" rtl="0">
               <a:spcBef>
                 <a:spcPts val="0"/>
               </a:spcBef>
@@ -9637,7 +10024,7 @@
             </a:r>
           </a:p>
           <a:p>
-            <a:pPr indent="-228600" lvl="0" marL="457200" rtl="0">
+            <a:pPr marL="457200" lvl="0" indent="-228600" rtl="0">
               <a:spcBef>
                 <a:spcPts val="0"/>
               </a:spcBef>
@@ -9658,7 +10045,7 @@
 </file>
 
 <file path=ppt/theme/theme1.xml><?xml version="1.0" encoding="utf-8"?>
-<a:theme xmlns:a="http://schemas.openxmlformats.org/drawingml/2006/main" xmlns:r="http://schemas.openxmlformats.org/officeDocument/2006/relationships" name="simple-light-2">
+<a:theme xmlns:a="http://schemas.openxmlformats.org/drawingml/2006/main" name="simple-light-2">
   <a:themeElements>
     <a:clrScheme name="Simple Light">
       <a:dk1>
@@ -9933,11 +10320,294 @@
       </a:bgFillStyleLst>
     </a:fmtScheme>
   </a:themeElements>
+  <a:objectDefaults/>
+  <a:extraClrSchemeLst/>
 </a:theme>
 </file>
 
 <file path=ppt/theme/theme2.xml><?xml version="1.0" encoding="utf-8"?>
-<a:theme xmlns:a="http://schemas.openxmlformats.org/drawingml/2006/main" xmlns:r="http://schemas.openxmlformats.org/officeDocument/2006/relationships" name="Custom Theme">
+<a:theme xmlns:a="http://schemas.openxmlformats.org/drawingml/2006/main" name="geometric">
+  <a:themeElements>
+    <a:clrScheme name="Geometric">
+      <a:dk1>
+        <a:srgbClr val="2A3990"/>
+      </a:dk1>
+      <a:lt1>
+        <a:srgbClr val="FFFFFF"/>
+      </a:lt1>
+      <a:dk2>
+        <a:srgbClr val="434343"/>
+      </a:dk2>
+      <a:lt2>
+        <a:srgbClr val="999999"/>
+      </a:lt2>
+      <a:accent1>
+        <a:srgbClr val="212D74"/>
+      </a:accent1>
+      <a:accent2>
+        <a:srgbClr val="3949AB"/>
+      </a:accent2>
+      <a:accent3>
+        <a:srgbClr val="9C254D"/>
+      </a:accent3>
+      <a:accent4>
+        <a:srgbClr val="D23369"/>
+      </a:accent4>
+      <a:accent5>
+        <a:srgbClr val="F06292"/>
+      </a:accent5>
+      <a:accent6>
+        <a:srgbClr val="7890CD"/>
+      </a:accent6>
+      <a:hlink>
+        <a:srgbClr val="F06292"/>
+      </a:hlink>
+      <a:folHlink>
+        <a:srgbClr val="F06292"/>
+      </a:folHlink>
+    </a:clrScheme>
+    <a:fontScheme name="Office">
+      <a:majorFont>
+        <a:latin typeface="Arial"/>
+        <a:ea typeface=""/>
+        <a:cs typeface=""/>
+        <a:font script="Jpan" typeface="ＭＳ Ｐゴシック"/>
+        <a:font script="Hang" typeface="맑은 고딕"/>
+        <a:font script="Hans" typeface="宋体"/>
+        <a:font script="Hant" typeface="新細明體"/>
+        <a:font script="Arab" typeface="Times New Roman"/>
+        <a:font script="Hebr" typeface="Times New Roman"/>
+        <a:font script="Thai" typeface="Angsana New"/>
+        <a:font script="Ethi" typeface="Nyala"/>
+        <a:font script="Beng" typeface="Vrinda"/>
+        <a:font script="Gujr" typeface="Shruti"/>
+        <a:font script="Khmr" typeface="MoolBoran"/>
+        <a:font script="Knda" typeface="Tunga"/>
+        <a:font script="Guru" typeface="Raavi"/>
+        <a:font script="Cans" typeface="Euphemia"/>
+        <a:font script="Cher" typeface="Plantagenet Cherokee"/>
+        <a:font script="Yiii" typeface="Microsoft Yi Baiti"/>
+        <a:font script="Tibt" typeface="Microsoft Himalaya"/>
+        <a:font script="Thaa" typeface="MV Boli"/>
+        <a:font script="Deva" typeface="Mangal"/>
+        <a:font script="Telu" typeface="Gautami"/>
+        <a:font script="Taml" typeface="Latha"/>
+        <a:font script="Syrc" typeface="Estrangelo Edessa"/>
+        <a:font script="Orya" typeface="Kalinga"/>
+        <a:font script="Mlym" typeface="Kartika"/>
+        <a:font script="Laoo" typeface="DokChampa"/>
+        <a:font script="Sinh" typeface="Iskoola Pota"/>
+        <a:font script="Mong" typeface="Mongolian Baiti"/>
+        <a:font script="Viet" typeface="Times New Roman"/>
+        <a:font script="Uigh" typeface="Microsoft Uighur"/>
+        <a:font script="Geor" typeface="Sylfaen"/>
+      </a:majorFont>
+      <a:minorFont>
+        <a:latin typeface="Arial"/>
+        <a:ea typeface=""/>
+        <a:cs typeface=""/>
+        <a:font script="Jpan" typeface="ＭＳ Ｐゴシック"/>
+        <a:font script="Hang" typeface="맑은 고딕"/>
+        <a:font script="Hans" typeface="宋体"/>
+        <a:font script="Hant" typeface="新細明體"/>
+        <a:font script="Arab" typeface="Arial"/>
+        <a:font script="Hebr" typeface="Arial"/>
+        <a:font script="Thai" typeface="Cordia New"/>
+        <a:font script="Ethi" typeface="Nyala"/>
+        <a:font script="Beng" typeface="Vrinda"/>
+        <a:font script="Gujr" typeface="Shruti"/>
+        <a:font script="Khmr" typeface="DaunPenh"/>
+        <a:font script="Knda" typeface="Tunga"/>
+        <a:font script="Guru" typeface="Raavi"/>
+        <a:font script="Cans" typeface="Euphemia"/>
+        <a:font script="Cher" typeface="Plantagenet Cherokee"/>
+        <a:font script="Yiii" typeface="Microsoft Yi Baiti"/>
+        <a:font script="Tibt" typeface="Microsoft Himalaya"/>
+        <a:font script="Thaa" typeface="MV Boli"/>
+        <a:font script="Deva" typeface="Mangal"/>
+        <a:font script="Telu" typeface="Gautami"/>
+        <a:font script="Taml" typeface="Latha"/>
+        <a:font script="Syrc" typeface="Estrangelo Edessa"/>
+        <a:font script="Orya" typeface="Kalinga"/>
+        <a:font script="Mlym" typeface="Kartika"/>
+        <a:font script="Laoo" typeface="DokChampa"/>
+        <a:font script="Sinh" typeface="Iskoola Pota"/>
+        <a:font script="Mong" typeface="Mongolian Baiti"/>
+        <a:font script="Viet" typeface="Arial"/>
+        <a:font script="Uigh" typeface="Microsoft Uighur"/>
+        <a:font script="Geor" typeface="Sylfaen"/>
+      </a:minorFont>
+    </a:fontScheme>
+    <a:fmtScheme name="Office">
+      <a:fillStyleLst>
+        <a:solidFill>
+          <a:schemeClr val="phClr"/>
+        </a:solidFill>
+        <a:gradFill rotWithShape="1">
+          <a:gsLst>
+            <a:gs pos="0">
+              <a:schemeClr val="phClr">
+                <a:tint val="50000"/>
+                <a:satMod val="300000"/>
+              </a:schemeClr>
+            </a:gs>
+            <a:gs pos="35000">
+              <a:schemeClr val="phClr">
+                <a:tint val="37000"/>
+                <a:satMod val="300000"/>
+              </a:schemeClr>
+            </a:gs>
+            <a:gs pos="100000">
+              <a:schemeClr val="phClr">
+                <a:tint val="15000"/>
+                <a:satMod val="350000"/>
+              </a:schemeClr>
+            </a:gs>
+          </a:gsLst>
+          <a:lin ang="16200000" scaled="1"/>
+        </a:gradFill>
+        <a:gradFill rotWithShape="1">
+          <a:gsLst>
+            <a:gs pos="0">
+              <a:schemeClr val="phClr">
+                <a:tint val="100000"/>
+                <a:shade val="100000"/>
+                <a:satMod val="130000"/>
+              </a:schemeClr>
+            </a:gs>
+            <a:gs pos="100000">
+              <a:schemeClr val="phClr">
+                <a:tint val="50000"/>
+                <a:shade val="100000"/>
+                <a:satMod val="350000"/>
+              </a:schemeClr>
+            </a:gs>
+          </a:gsLst>
+          <a:lin ang="16200000" scaled="0"/>
+        </a:gradFill>
+      </a:fillStyleLst>
+      <a:lnStyleLst>
+        <a:ln w="9525" cap="flat" cmpd="sng" algn="ctr">
+          <a:solidFill>
+            <a:schemeClr val="phClr">
+              <a:shade val="95000"/>
+              <a:satMod val="105000"/>
+            </a:schemeClr>
+          </a:solidFill>
+          <a:prstDash val="solid"/>
+        </a:ln>
+        <a:ln w="25400" cap="flat" cmpd="sng" algn="ctr">
+          <a:solidFill>
+            <a:schemeClr val="phClr"/>
+          </a:solidFill>
+          <a:prstDash val="solid"/>
+        </a:ln>
+        <a:ln w="38100" cap="flat" cmpd="sng" algn="ctr">
+          <a:solidFill>
+            <a:schemeClr val="phClr"/>
+          </a:solidFill>
+          <a:prstDash val="solid"/>
+        </a:ln>
+      </a:lnStyleLst>
+      <a:effectStyleLst>
+        <a:effectStyle>
+          <a:effectLst>
+            <a:outerShdw blurRad="40000" dist="20000" dir="5400000" rotWithShape="0">
+              <a:srgbClr val="000000">
+                <a:alpha val="38000"/>
+              </a:srgbClr>
+            </a:outerShdw>
+          </a:effectLst>
+        </a:effectStyle>
+        <a:effectStyle>
+          <a:effectLst>
+            <a:outerShdw blurRad="40000" dist="23000" dir="5400000" rotWithShape="0">
+              <a:srgbClr val="000000">
+                <a:alpha val="35000"/>
+              </a:srgbClr>
+            </a:outerShdw>
+          </a:effectLst>
+        </a:effectStyle>
+        <a:effectStyle>
+          <a:effectLst>
+            <a:outerShdw blurRad="40000" dist="23000" dir="5400000" rotWithShape="0">
+              <a:srgbClr val="000000">
+                <a:alpha val="35000"/>
+              </a:srgbClr>
+            </a:outerShdw>
+          </a:effectLst>
+          <a:scene3d>
+            <a:camera prst="orthographicFront">
+              <a:rot lat="0" lon="0" rev="0"/>
+            </a:camera>
+            <a:lightRig rig="threePt" dir="t">
+              <a:rot lat="0" lon="0" rev="1200000"/>
+            </a:lightRig>
+          </a:scene3d>
+          <a:sp3d>
+            <a:bevelT w="63500" h="25400"/>
+          </a:sp3d>
+        </a:effectStyle>
+      </a:effectStyleLst>
+      <a:bgFillStyleLst>
+        <a:solidFill>
+          <a:schemeClr val="phClr"/>
+        </a:solidFill>
+        <a:gradFill rotWithShape="1">
+          <a:gsLst>
+            <a:gs pos="0">
+              <a:schemeClr val="phClr">
+                <a:tint val="40000"/>
+                <a:satMod val="350000"/>
+              </a:schemeClr>
+            </a:gs>
+            <a:gs pos="40000">
+              <a:schemeClr val="phClr">
+                <a:tint val="45000"/>
+                <a:shade val="99000"/>
+                <a:satMod val="350000"/>
+              </a:schemeClr>
+            </a:gs>
+            <a:gs pos="100000">
+              <a:schemeClr val="phClr">
+                <a:shade val="20000"/>
+                <a:satMod val="255000"/>
+              </a:schemeClr>
+            </a:gs>
+          </a:gsLst>
+          <a:path path="circle">
+            <a:fillToRect l="50000" t="-80000" r="50000" b="180000"/>
+          </a:path>
+        </a:gradFill>
+        <a:gradFill rotWithShape="1">
+          <a:gsLst>
+            <a:gs pos="0">
+              <a:schemeClr val="phClr">
+                <a:tint val="80000"/>
+                <a:satMod val="300000"/>
+              </a:schemeClr>
+            </a:gs>
+            <a:gs pos="100000">
+              <a:schemeClr val="phClr">
+                <a:shade val="30000"/>
+                <a:satMod val="200000"/>
+              </a:schemeClr>
+            </a:gs>
+          </a:gsLst>
+          <a:path path="circle">
+            <a:fillToRect l="50000" t="50000" r="50000" b="50000"/>
+          </a:path>
+        </a:gradFill>
+      </a:bgFillStyleLst>
+    </a:fmtScheme>
+  </a:themeElements>
+  <a:objectDefaults/>
+  <a:extraClrSchemeLst/>
+</a:theme>
+</file>
+
+<file path=ppt/theme/theme3.xml><?xml version="1.0" encoding="utf-8"?>
+<a:theme xmlns:a="http://schemas.openxmlformats.org/drawingml/2006/main" name="Custom Theme">
   <a:themeElements>
     <a:clrScheme name="Default">
       <a:dk1>
@@ -10212,284 +10882,7 @@
       </a:bgFillStyleLst>
     </a:fmtScheme>
   </a:themeElements>
-</a:theme>
-</file>
-
-<file path=ppt/theme/theme3.xml><?xml version="1.0" encoding="utf-8"?>
-<a:theme xmlns:a="http://schemas.openxmlformats.org/drawingml/2006/main" xmlns:r="http://schemas.openxmlformats.org/officeDocument/2006/relationships" name="geometric">
-  <a:themeElements>
-    <a:clrScheme name="Geometric">
-      <a:dk1>
-        <a:srgbClr val="2A3990"/>
-      </a:dk1>
-      <a:lt1>
-        <a:srgbClr val="FFFFFF"/>
-      </a:lt1>
-      <a:dk2>
-        <a:srgbClr val="434343"/>
-      </a:dk2>
-      <a:lt2>
-        <a:srgbClr val="999999"/>
-      </a:lt2>
-      <a:accent1>
-        <a:srgbClr val="212D74"/>
-      </a:accent1>
-      <a:accent2>
-        <a:srgbClr val="3949AB"/>
-      </a:accent2>
-      <a:accent3>
-        <a:srgbClr val="9C254D"/>
-      </a:accent3>
-      <a:accent4>
-        <a:srgbClr val="D23369"/>
-      </a:accent4>
-      <a:accent5>
-        <a:srgbClr val="F06292"/>
-      </a:accent5>
-      <a:accent6>
-        <a:srgbClr val="7890CD"/>
-      </a:accent6>
-      <a:hlink>
-        <a:srgbClr val="F06292"/>
-      </a:hlink>
-      <a:folHlink>
-        <a:srgbClr val="F06292"/>
-      </a:folHlink>
-    </a:clrScheme>
-    <a:fontScheme name="Office">
-      <a:majorFont>
-        <a:latin typeface="Arial"/>
-        <a:ea typeface=""/>
-        <a:cs typeface=""/>
-        <a:font script="Jpan" typeface="ＭＳ Ｐゴシック"/>
-        <a:font script="Hang" typeface="맑은 고딕"/>
-        <a:font script="Hans" typeface="宋体"/>
-        <a:font script="Hant" typeface="新細明體"/>
-        <a:font script="Arab" typeface="Times New Roman"/>
-        <a:font script="Hebr" typeface="Times New Roman"/>
-        <a:font script="Thai" typeface="Angsana New"/>
-        <a:font script="Ethi" typeface="Nyala"/>
-        <a:font script="Beng" typeface="Vrinda"/>
-        <a:font script="Gujr" typeface="Shruti"/>
-        <a:font script="Khmr" typeface="MoolBoran"/>
-        <a:font script="Knda" typeface="Tunga"/>
-        <a:font script="Guru" typeface="Raavi"/>
-        <a:font script="Cans" typeface="Euphemia"/>
-        <a:font script="Cher" typeface="Plantagenet Cherokee"/>
-        <a:font script="Yiii" typeface="Microsoft Yi Baiti"/>
-        <a:font script="Tibt" typeface="Microsoft Himalaya"/>
-        <a:font script="Thaa" typeface="MV Boli"/>
-        <a:font script="Deva" typeface="Mangal"/>
-        <a:font script="Telu" typeface="Gautami"/>
-        <a:font script="Taml" typeface="Latha"/>
-        <a:font script="Syrc" typeface="Estrangelo Edessa"/>
-        <a:font script="Orya" typeface="Kalinga"/>
-        <a:font script="Mlym" typeface="Kartika"/>
-        <a:font script="Laoo" typeface="DokChampa"/>
-        <a:font script="Sinh" typeface="Iskoola Pota"/>
-        <a:font script="Mong" typeface="Mongolian Baiti"/>
-        <a:font script="Viet" typeface="Times New Roman"/>
-        <a:font script="Uigh" typeface="Microsoft Uighur"/>
-        <a:font script="Geor" typeface="Sylfaen"/>
-      </a:majorFont>
-      <a:minorFont>
-        <a:latin typeface="Arial"/>
-        <a:ea typeface=""/>
-        <a:cs typeface=""/>
-        <a:font script="Jpan" typeface="ＭＳ Ｐゴシック"/>
-        <a:font script="Hang" typeface="맑은 고딕"/>
-        <a:font script="Hans" typeface="宋体"/>
-        <a:font script="Hant" typeface="新細明體"/>
-        <a:font script="Arab" typeface="Arial"/>
-        <a:font script="Hebr" typeface="Arial"/>
-        <a:font script="Thai" typeface="Cordia New"/>
-        <a:font script="Ethi" typeface="Nyala"/>
-        <a:font script="Beng" typeface="Vrinda"/>
-        <a:font script="Gujr" typeface="Shruti"/>
-        <a:font script="Khmr" typeface="DaunPenh"/>
-        <a:font script="Knda" typeface="Tunga"/>
-        <a:font script="Guru" typeface="Raavi"/>
-        <a:font script="Cans" typeface="Euphemia"/>
-        <a:font script="Cher" typeface="Plantagenet Cherokee"/>
-        <a:font script="Yiii" typeface="Microsoft Yi Baiti"/>
-        <a:font script="Tibt" typeface="Microsoft Himalaya"/>
-        <a:font script="Thaa" typeface="MV Boli"/>
-        <a:font script="Deva" typeface="Mangal"/>
-        <a:font script="Telu" typeface="Gautami"/>
-        <a:font script="Taml" typeface="Latha"/>
-        <a:font script="Syrc" typeface="Estrangelo Edessa"/>
-        <a:font script="Orya" typeface="Kalinga"/>
-        <a:font script="Mlym" typeface="Kartika"/>
-        <a:font script="Laoo" typeface="DokChampa"/>
-        <a:font script="Sinh" typeface="Iskoola Pota"/>
-        <a:font script="Mong" typeface="Mongolian Baiti"/>
-        <a:font script="Viet" typeface="Arial"/>
-        <a:font script="Uigh" typeface="Microsoft Uighur"/>
-        <a:font script="Geor" typeface="Sylfaen"/>
-      </a:minorFont>
-    </a:fontScheme>
-    <a:fmtScheme name="Office">
-      <a:fillStyleLst>
-        <a:solidFill>
-          <a:schemeClr val="phClr"/>
-        </a:solidFill>
-        <a:gradFill rotWithShape="1">
-          <a:gsLst>
-            <a:gs pos="0">
-              <a:schemeClr val="phClr">
-                <a:tint val="50000"/>
-                <a:satMod val="300000"/>
-              </a:schemeClr>
-            </a:gs>
-            <a:gs pos="35000">
-              <a:schemeClr val="phClr">
-                <a:tint val="37000"/>
-                <a:satMod val="300000"/>
-              </a:schemeClr>
-            </a:gs>
-            <a:gs pos="100000">
-              <a:schemeClr val="phClr">
-                <a:tint val="15000"/>
-                <a:satMod val="350000"/>
-              </a:schemeClr>
-            </a:gs>
-          </a:gsLst>
-          <a:lin ang="16200000" scaled="1"/>
-        </a:gradFill>
-        <a:gradFill rotWithShape="1">
-          <a:gsLst>
-            <a:gs pos="0">
-              <a:schemeClr val="phClr">
-                <a:tint val="100000"/>
-                <a:shade val="100000"/>
-                <a:satMod val="130000"/>
-              </a:schemeClr>
-            </a:gs>
-            <a:gs pos="100000">
-              <a:schemeClr val="phClr">
-                <a:tint val="50000"/>
-                <a:shade val="100000"/>
-                <a:satMod val="350000"/>
-              </a:schemeClr>
-            </a:gs>
-          </a:gsLst>
-          <a:lin ang="16200000" scaled="0"/>
-        </a:gradFill>
-      </a:fillStyleLst>
-      <a:lnStyleLst>
-        <a:ln w="9525" cap="flat" cmpd="sng" algn="ctr">
-          <a:solidFill>
-            <a:schemeClr val="phClr">
-              <a:shade val="95000"/>
-              <a:satMod val="105000"/>
-            </a:schemeClr>
-          </a:solidFill>
-          <a:prstDash val="solid"/>
-        </a:ln>
-        <a:ln w="25400" cap="flat" cmpd="sng" algn="ctr">
-          <a:solidFill>
-            <a:schemeClr val="phClr"/>
-          </a:solidFill>
-          <a:prstDash val="solid"/>
-        </a:ln>
-        <a:ln w="38100" cap="flat" cmpd="sng" algn="ctr">
-          <a:solidFill>
-            <a:schemeClr val="phClr"/>
-          </a:solidFill>
-          <a:prstDash val="solid"/>
-        </a:ln>
-      </a:lnStyleLst>
-      <a:effectStyleLst>
-        <a:effectStyle>
-          <a:effectLst>
-            <a:outerShdw blurRad="40000" dist="20000" dir="5400000" rotWithShape="0">
-              <a:srgbClr val="000000">
-                <a:alpha val="38000"/>
-              </a:srgbClr>
-            </a:outerShdw>
-          </a:effectLst>
-        </a:effectStyle>
-        <a:effectStyle>
-          <a:effectLst>
-            <a:outerShdw blurRad="40000" dist="23000" dir="5400000" rotWithShape="0">
-              <a:srgbClr val="000000">
-                <a:alpha val="35000"/>
-              </a:srgbClr>
-            </a:outerShdw>
-          </a:effectLst>
-        </a:effectStyle>
-        <a:effectStyle>
-          <a:effectLst>
-            <a:outerShdw blurRad="40000" dist="23000" dir="5400000" rotWithShape="0">
-              <a:srgbClr val="000000">
-                <a:alpha val="35000"/>
-              </a:srgbClr>
-            </a:outerShdw>
-          </a:effectLst>
-          <a:scene3d>
-            <a:camera prst="orthographicFront">
-              <a:rot lat="0" lon="0" rev="0"/>
-            </a:camera>
-            <a:lightRig rig="threePt" dir="t">
-              <a:rot lat="0" lon="0" rev="1200000"/>
-            </a:lightRig>
-          </a:scene3d>
-          <a:sp3d>
-            <a:bevelT w="63500" h="25400"/>
-          </a:sp3d>
-        </a:effectStyle>
-      </a:effectStyleLst>
-      <a:bgFillStyleLst>
-        <a:solidFill>
-          <a:schemeClr val="phClr"/>
-        </a:solidFill>
-        <a:gradFill rotWithShape="1">
-          <a:gsLst>
-            <a:gs pos="0">
-              <a:schemeClr val="phClr">
-                <a:tint val="40000"/>
-                <a:satMod val="350000"/>
-              </a:schemeClr>
-            </a:gs>
-            <a:gs pos="40000">
-              <a:schemeClr val="phClr">
-                <a:tint val="45000"/>
-                <a:shade val="99000"/>
-                <a:satMod val="350000"/>
-              </a:schemeClr>
-            </a:gs>
-            <a:gs pos="100000">
-              <a:schemeClr val="phClr">
-                <a:shade val="20000"/>
-                <a:satMod val="255000"/>
-              </a:schemeClr>
-            </a:gs>
-          </a:gsLst>
-          <a:path path="circle">
-            <a:fillToRect l="50000" t="-80000" r="50000" b="180000"/>
-          </a:path>
-        </a:gradFill>
-        <a:gradFill rotWithShape="1">
-          <a:gsLst>
-            <a:gs pos="0">
-              <a:schemeClr val="phClr">
-                <a:tint val="80000"/>
-                <a:satMod val="300000"/>
-              </a:schemeClr>
-            </a:gs>
-            <a:gs pos="100000">
-              <a:schemeClr val="phClr">
-                <a:shade val="30000"/>
-                <a:satMod val="200000"/>
-              </a:schemeClr>
-            </a:gs>
-          </a:gsLst>
-          <a:path path="circle">
-            <a:fillToRect l="50000" t="50000" r="50000" b="50000"/>
-          </a:path>
-        </a:gradFill>
-      </a:bgFillStyleLst>
-    </a:fmtScheme>
-  </a:themeElements>
+  <a:objectDefaults/>
+  <a:extraClrSchemeLst/>
 </a:theme>
 </file>